--- a/real estate(1).pptx
+++ b/real estate(1).pptx
@@ -5,28 +5,140 @@
     <p:sldMasterId id="2147483648" r:id="rId1"/>
   </p:sldMasterIdLst>
   <p:sldIdLst>
-    <p:sldId id="256" r:id="rId6"/>
-    <p:sldId id="257" r:id="rId7"/>
-    <p:sldId id="258" r:id="rId8"/>
-    <p:sldId id="259" r:id="rId9"/>
-    <p:sldId id="260" r:id="rId10"/>
-    <p:sldId id="261" r:id="rId11"/>
-    <p:sldId id="262" r:id="rId12"/>
-    <p:sldId id="263" r:id="rId13"/>
-    <p:sldId id="264" r:id="rId14"/>
-    <p:sldId id="265" r:id="rId15"/>
-    <p:sldId id="266" r:id="rId16"/>
-    <p:sldId id="267" r:id="rId17"/>
-    <p:sldId id="268" r:id="rId18"/>
-    <p:sldId id="269" r:id="rId19"/>
+    <p:sldId id="256" r:id="rId2"/>
+    <p:sldId id="257" r:id="rId3"/>
+    <p:sldId id="258" r:id="rId4"/>
+    <p:sldId id="259" r:id="rId5"/>
+    <p:sldId id="260" r:id="rId6"/>
+    <p:sldId id="261" r:id="rId7"/>
+    <p:sldId id="262" r:id="rId8"/>
+    <p:sldId id="263" r:id="rId9"/>
+    <p:sldId id="264" r:id="rId10"/>
+    <p:sldId id="271" r:id="rId11"/>
+    <p:sldId id="265" r:id="rId12"/>
+    <p:sldId id="266" r:id="rId13"/>
+    <p:sldId id="267" r:id="rId14"/>
+    <p:sldId id="268" r:id="rId15"/>
+    <p:sldId id="269" r:id="rId16"/>
   </p:sldIdLst>
   <p:sldSz cx="12192000" cy="6858000"/>
   <p:notesSz cx="12192000" cy="6858000"/>
+  <p:defaultTextStyle>
+    <a:defPPr>
+      <a:defRPr lang="en-US"/>
+    </a:defPPr>
+    <a:lvl1pPr marL="0" algn="l" defTabSz="914400" rtl="0" eaLnBrk="1" latinLnBrk="0" hangingPunct="1">
+      <a:defRPr sz="1800" kern="1200">
+        <a:solidFill>
+          <a:schemeClr val="tx1"/>
+        </a:solidFill>
+        <a:latin typeface="+mn-lt"/>
+        <a:ea typeface="+mn-ea"/>
+        <a:cs typeface="+mn-cs"/>
+      </a:defRPr>
+    </a:lvl1pPr>
+    <a:lvl2pPr marL="457200" algn="l" defTabSz="914400" rtl="0" eaLnBrk="1" latinLnBrk="0" hangingPunct="1">
+      <a:defRPr sz="1800" kern="1200">
+        <a:solidFill>
+          <a:schemeClr val="tx1"/>
+        </a:solidFill>
+        <a:latin typeface="+mn-lt"/>
+        <a:ea typeface="+mn-ea"/>
+        <a:cs typeface="+mn-cs"/>
+      </a:defRPr>
+    </a:lvl2pPr>
+    <a:lvl3pPr marL="914400" algn="l" defTabSz="914400" rtl="0" eaLnBrk="1" latinLnBrk="0" hangingPunct="1">
+      <a:defRPr sz="1800" kern="1200">
+        <a:solidFill>
+          <a:schemeClr val="tx1"/>
+        </a:solidFill>
+        <a:latin typeface="+mn-lt"/>
+        <a:ea typeface="+mn-ea"/>
+        <a:cs typeface="+mn-cs"/>
+      </a:defRPr>
+    </a:lvl3pPr>
+    <a:lvl4pPr marL="1371600" algn="l" defTabSz="914400" rtl="0" eaLnBrk="1" latinLnBrk="0" hangingPunct="1">
+      <a:defRPr sz="1800" kern="1200">
+        <a:solidFill>
+          <a:schemeClr val="tx1"/>
+        </a:solidFill>
+        <a:latin typeface="+mn-lt"/>
+        <a:ea typeface="+mn-ea"/>
+        <a:cs typeface="+mn-cs"/>
+      </a:defRPr>
+    </a:lvl4pPr>
+    <a:lvl5pPr marL="1828800" algn="l" defTabSz="914400" rtl="0" eaLnBrk="1" latinLnBrk="0" hangingPunct="1">
+      <a:defRPr sz="1800" kern="1200">
+        <a:solidFill>
+          <a:schemeClr val="tx1"/>
+        </a:solidFill>
+        <a:latin typeface="+mn-lt"/>
+        <a:ea typeface="+mn-ea"/>
+        <a:cs typeface="+mn-cs"/>
+      </a:defRPr>
+    </a:lvl5pPr>
+    <a:lvl6pPr marL="2286000" algn="l" defTabSz="914400" rtl="0" eaLnBrk="1" latinLnBrk="0" hangingPunct="1">
+      <a:defRPr sz="1800" kern="1200">
+        <a:solidFill>
+          <a:schemeClr val="tx1"/>
+        </a:solidFill>
+        <a:latin typeface="+mn-lt"/>
+        <a:ea typeface="+mn-ea"/>
+        <a:cs typeface="+mn-cs"/>
+      </a:defRPr>
+    </a:lvl6pPr>
+    <a:lvl7pPr marL="2743200" algn="l" defTabSz="914400" rtl="0" eaLnBrk="1" latinLnBrk="0" hangingPunct="1">
+      <a:defRPr sz="1800" kern="1200">
+        <a:solidFill>
+          <a:schemeClr val="tx1"/>
+        </a:solidFill>
+        <a:latin typeface="+mn-lt"/>
+        <a:ea typeface="+mn-ea"/>
+        <a:cs typeface="+mn-cs"/>
+      </a:defRPr>
+    </a:lvl7pPr>
+    <a:lvl8pPr marL="3200400" algn="l" defTabSz="914400" rtl="0" eaLnBrk="1" latinLnBrk="0" hangingPunct="1">
+      <a:defRPr sz="1800" kern="1200">
+        <a:solidFill>
+          <a:schemeClr val="tx1"/>
+        </a:solidFill>
+        <a:latin typeface="+mn-lt"/>
+        <a:ea typeface="+mn-ea"/>
+        <a:cs typeface="+mn-cs"/>
+      </a:defRPr>
+    </a:lvl8pPr>
+    <a:lvl9pPr marL="3657600" algn="l" defTabSz="914400" rtl="0" eaLnBrk="1" latinLnBrk="0" hangingPunct="1">
+      <a:defRPr sz="1800" kern="1200">
+        <a:solidFill>
+          <a:schemeClr val="tx1"/>
+        </a:solidFill>
+        <a:latin typeface="+mn-lt"/>
+        <a:ea typeface="+mn-ea"/>
+        <a:cs typeface="+mn-cs"/>
+      </a:defRPr>
+    </a:lvl9pPr>
+  </p:defaultTextStyle>
+  <p:extLst>
+    <p:ext uri="{EFAFB233-063F-42B5-8137-9DF3F51BA10A}">
+      <p15:sldGuideLst xmlns:p15="http://schemas.microsoft.com/office/powerpoint/2012/main">
+        <p15:guide id="1" orient="horz" pos="2880">
+          <p15:clr>
+            <a:srgbClr val="A4A3A4"/>
+          </p15:clr>
+        </p15:guide>
+        <p15:guide id="2" pos="2160">
+          <p15:clr>
+            <a:srgbClr val="A4A3A4"/>
+          </p15:clr>
+        </p15:guide>
+      </p15:sldGuideLst>
+    </p:ext>
+  </p:extLst>
 </p:presentation>
 </file>
 
 <file path=ppt/slideLayouts/slideLayout1.xml><?xml version="1.0" encoding="utf-8"?>
-<p:sldLayout xmlns:a="http://schemas.openxmlformats.org/drawingml/2006/main" xmlns:r="http://schemas.openxmlformats.org/officeDocument/2006/relationships" xmlns:p="http://schemas.openxmlformats.org/presentationml/2006/main" preserve="1" type="obj">
+<p:sldLayout xmlns:a="http://schemas.openxmlformats.org/drawingml/2006/main" xmlns:r="http://schemas.openxmlformats.org/officeDocument/2006/relationships" xmlns:p="http://schemas.openxmlformats.org/presentationml/2006/main" type="obj" preserve="1">
   <p:cSld name="Title Slide">
     <p:spTree>
       <p:nvGrpSpPr>
@@ -70,7 +182,9 @@
               <a:defRPr/>
             </a:lvl1pPr>
           </a:lstStyle>
-          <a:p/>
+          <a:p>
+            <a:endParaRPr/>
+          </a:p>
         </p:txBody>
       </p:sp>
       <p:sp>
@@ -101,7 +215,9 @@
               <a:defRPr/>
             </a:lvl1pPr>
           </a:lstStyle>
-          <a:p/>
+          <a:p>
+            <a:endParaRPr/>
+          </a:p>
         </p:txBody>
       </p:sp>
       <p:sp>
@@ -111,7 +227,7 @@
             <a:spLocks noGrp="1"/>
           </p:cNvSpPr>
           <p:nvPr>
-            <p:ph type="ftr" idx="5" sz="quarter"/>
+            <p:ph type="ftr" sz="quarter" idx="5"/>
           </p:nvPr>
         </p:nvSpPr>
         <p:spPr/>
@@ -128,7 +244,9 @@
               </a:defRPr>
             </a:lvl1pPr>
           </a:lstStyle>
-          <a:p/>
+          <a:p>
+            <a:endParaRPr/>
+          </a:p>
         </p:txBody>
       </p:sp>
       <p:sp>
@@ -138,7 +256,7 @@
             <a:spLocks noGrp="1"/>
           </p:cNvSpPr>
           <p:nvPr>
-            <p:ph type="dt" idx="6" sz="half"/>
+            <p:ph type="dt" sz="half" idx="6"/>
           </p:nvPr>
         </p:nvSpPr>
         <p:spPr/>
@@ -158,7 +276,9 @@
           <a:p>
             <a:fld id="{1D8BD707-D9CF-40AE-B4C6-C98DA3205C09}" type="datetimeFigureOut">
               <a:rPr lang="en-US"/>
+              <a:t>5/28/2018</a:t>
             </a:fld>
+            <a:endParaRPr lang="en-US"/>
           </a:p>
         </p:txBody>
       </p:sp>
@@ -169,7 +289,7 @@
             <a:spLocks noGrp="1"/>
           </p:cNvSpPr>
           <p:nvPr>
-            <p:ph type="sldNum" idx="7" sz="quarter"/>
+            <p:ph type="sldNum" sz="quarter" idx="7"/>
           </p:nvPr>
         </p:nvSpPr>
         <p:spPr/>
@@ -188,8 +308,9 @@
           </a:lstStyle>
           <a:p>
             <a:fld id="{B6F15528-21DE-4FAA-801E-634DDDAF4B2B}" type="slidenum">
-              <a:t>#</a:t>
+              <a:t>‹#›</a:t>
             </a:fld>
+            <a:endParaRPr/>
           </a:p>
         </p:txBody>
       </p:sp>
@@ -202,7 +323,7 @@
 </file>
 
 <file path=ppt/slideLayouts/slideLayout2.xml><?xml version="1.0" encoding="utf-8"?>
-<p:sldLayout xmlns:a="http://schemas.openxmlformats.org/drawingml/2006/main" xmlns:r="http://schemas.openxmlformats.org/officeDocument/2006/relationships" xmlns:p="http://schemas.openxmlformats.org/presentationml/2006/main" preserve="1" type="obj">
+<p:sldLayout xmlns:a="http://schemas.openxmlformats.org/drawingml/2006/main" xmlns:r="http://schemas.openxmlformats.org/officeDocument/2006/relationships" xmlns:p="http://schemas.openxmlformats.org/presentationml/2006/main" type="obj" preserve="1">
   <p:cSld name="Title and Content">
     <p:spTree>
       <p:nvGrpSpPr>
@@ -242,7 +363,9 @@
               </a:defRPr>
             </a:lvl1pPr>
           </a:lstStyle>
-          <a:p/>
+          <a:p>
+            <a:endParaRPr/>
+          </a:p>
         </p:txBody>
       </p:sp>
       <p:sp>
@@ -269,7 +392,9 @@
               </a:defRPr>
             </a:lvl1pPr>
           </a:lstStyle>
-          <a:p/>
+          <a:p>
+            <a:endParaRPr/>
+          </a:p>
         </p:txBody>
       </p:sp>
       <p:sp>
@@ -279,7 +404,7 @@
             <a:spLocks noGrp="1"/>
           </p:cNvSpPr>
           <p:nvPr>
-            <p:ph type="ftr" idx="5" sz="quarter"/>
+            <p:ph type="ftr" sz="quarter" idx="5"/>
           </p:nvPr>
         </p:nvSpPr>
         <p:spPr/>
@@ -296,7 +421,9 @@
               </a:defRPr>
             </a:lvl1pPr>
           </a:lstStyle>
-          <a:p/>
+          <a:p>
+            <a:endParaRPr/>
+          </a:p>
         </p:txBody>
       </p:sp>
       <p:sp>
@@ -306,7 +433,7 @@
             <a:spLocks noGrp="1"/>
           </p:cNvSpPr>
           <p:nvPr>
-            <p:ph type="dt" idx="6" sz="half"/>
+            <p:ph type="dt" sz="half" idx="6"/>
           </p:nvPr>
         </p:nvSpPr>
         <p:spPr/>
@@ -326,7 +453,9 @@
           <a:p>
             <a:fld id="{1D8BD707-D9CF-40AE-B4C6-C98DA3205C09}" type="datetimeFigureOut">
               <a:rPr lang="en-US"/>
+              <a:t>5/28/2018</a:t>
             </a:fld>
+            <a:endParaRPr lang="en-US"/>
           </a:p>
         </p:txBody>
       </p:sp>
@@ -337,7 +466,7 @@
             <a:spLocks noGrp="1"/>
           </p:cNvSpPr>
           <p:nvPr>
-            <p:ph type="sldNum" idx="7" sz="quarter"/>
+            <p:ph type="sldNum" sz="quarter" idx="7"/>
           </p:nvPr>
         </p:nvSpPr>
         <p:spPr/>
@@ -356,8 +485,9 @@
           </a:lstStyle>
           <a:p>
             <a:fld id="{B6F15528-21DE-4FAA-801E-634DDDAF4B2B}" type="slidenum">
-              <a:t>#</a:t>
+              <a:t>‹#›</a:t>
             </a:fld>
+            <a:endParaRPr/>
           </a:p>
         </p:txBody>
       </p:sp>
@@ -370,7 +500,7 @@
 </file>
 
 <file path=ppt/slideLayouts/slideLayout3.xml><?xml version="1.0" encoding="utf-8"?>
-<p:sldLayout xmlns:a="http://schemas.openxmlformats.org/drawingml/2006/main" xmlns:r="http://schemas.openxmlformats.org/officeDocument/2006/relationships" xmlns:p="http://schemas.openxmlformats.org/presentationml/2006/main" preserve="1" type="obj">
+<p:sldLayout xmlns:a="http://schemas.openxmlformats.org/drawingml/2006/main" xmlns:r="http://schemas.openxmlformats.org/officeDocument/2006/relationships" xmlns:p="http://schemas.openxmlformats.org/presentationml/2006/main" type="obj" preserve="1">
   <p:cSld name="Two Content">
     <p:spTree>
       <p:nvGrpSpPr>
@@ -410,7 +540,9 @@
               </a:defRPr>
             </a:lvl1pPr>
           </a:lstStyle>
-          <a:p/>
+          <a:p>
+            <a:endParaRPr/>
+          </a:p>
         </p:txBody>
       </p:sp>
       <p:sp>
@@ -420,7 +552,7 @@
             <a:spLocks noGrp="1"/>
           </p:cNvSpPr>
           <p:nvPr>
-            <p:ph idx="2" sz="half"/>
+            <p:ph sz="half" idx="2"/>
           </p:nvPr>
         </p:nvSpPr>
         <p:spPr>
@@ -441,7 +573,9 @@
               <a:defRPr/>
             </a:lvl1pPr>
           </a:lstStyle>
-          <a:p/>
+          <a:p>
+            <a:endParaRPr/>
+          </a:p>
         </p:txBody>
       </p:sp>
       <p:sp>
@@ -451,7 +585,7 @@
             <a:spLocks noGrp="1"/>
           </p:cNvSpPr>
           <p:nvPr>
-            <p:ph idx="3" sz="half"/>
+            <p:ph sz="half" idx="3"/>
           </p:nvPr>
         </p:nvSpPr>
         <p:spPr>
@@ -472,7 +606,9 @@
               <a:defRPr/>
             </a:lvl1pPr>
           </a:lstStyle>
-          <a:p/>
+          <a:p>
+            <a:endParaRPr/>
+          </a:p>
         </p:txBody>
       </p:sp>
       <p:sp>
@@ -482,7 +618,7 @@
             <a:spLocks noGrp="1"/>
           </p:cNvSpPr>
           <p:nvPr>
-            <p:ph type="ftr" idx="5" sz="quarter"/>
+            <p:ph type="ftr" sz="quarter" idx="5"/>
           </p:nvPr>
         </p:nvSpPr>
         <p:spPr/>
@@ -499,7 +635,9 @@
               </a:defRPr>
             </a:lvl1pPr>
           </a:lstStyle>
-          <a:p/>
+          <a:p>
+            <a:endParaRPr/>
+          </a:p>
         </p:txBody>
       </p:sp>
       <p:sp>
@@ -509,7 +647,7 @@
             <a:spLocks noGrp="1"/>
           </p:cNvSpPr>
           <p:nvPr>
-            <p:ph type="dt" idx="6" sz="half"/>
+            <p:ph type="dt" sz="half" idx="6"/>
           </p:nvPr>
         </p:nvSpPr>
         <p:spPr/>
@@ -529,7 +667,9 @@
           <a:p>
             <a:fld id="{1D8BD707-D9CF-40AE-B4C6-C98DA3205C09}" type="datetimeFigureOut">
               <a:rPr lang="en-US"/>
+              <a:t>5/28/2018</a:t>
             </a:fld>
+            <a:endParaRPr lang="en-US"/>
           </a:p>
         </p:txBody>
       </p:sp>
@@ -540,7 +680,7 @@
             <a:spLocks noGrp="1"/>
           </p:cNvSpPr>
           <p:nvPr>
-            <p:ph type="sldNum" idx="7" sz="quarter"/>
+            <p:ph type="sldNum" sz="quarter" idx="7"/>
           </p:nvPr>
         </p:nvSpPr>
         <p:spPr/>
@@ -559,8 +699,9 @@
           </a:lstStyle>
           <a:p>
             <a:fld id="{B6F15528-21DE-4FAA-801E-634DDDAF4B2B}" type="slidenum">
-              <a:t>#</a:t>
+              <a:t>‹#›</a:t>
             </a:fld>
+            <a:endParaRPr/>
           </a:p>
         </p:txBody>
       </p:sp>
@@ -573,7 +714,7 @@
 </file>
 
 <file path=ppt/slideLayouts/slideLayout4.xml><?xml version="1.0" encoding="utf-8"?>
-<p:sldLayout xmlns:a="http://schemas.openxmlformats.org/drawingml/2006/main" xmlns:r="http://schemas.openxmlformats.org/officeDocument/2006/relationships" xmlns:p="http://schemas.openxmlformats.org/presentationml/2006/main" preserve="1" type="obj">
+<p:sldLayout xmlns:a="http://schemas.openxmlformats.org/drawingml/2006/main" xmlns:r="http://schemas.openxmlformats.org/officeDocument/2006/relationships" xmlns:p="http://schemas.openxmlformats.org/presentationml/2006/main" type="obj" preserve="1">
   <p:cSld name="Title Only">
     <p:spTree>
       <p:nvGrpSpPr>
@@ -613,7 +754,9 @@
               </a:defRPr>
             </a:lvl1pPr>
           </a:lstStyle>
-          <a:p/>
+          <a:p>
+            <a:endParaRPr/>
+          </a:p>
         </p:txBody>
       </p:sp>
       <p:sp>
@@ -623,7 +766,7 @@
             <a:spLocks noGrp="1"/>
           </p:cNvSpPr>
           <p:nvPr>
-            <p:ph type="ftr" idx="5" sz="quarter"/>
+            <p:ph type="ftr" sz="quarter" idx="5"/>
           </p:nvPr>
         </p:nvSpPr>
         <p:spPr/>
@@ -640,7 +783,9 @@
               </a:defRPr>
             </a:lvl1pPr>
           </a:lstStyle>
-          <a:p/>
+          <a:p>
+            <a:endParaRPr/>
+          </a:p>
         </p:txBody>
       </p:sp>
       <p:sp>
@@ -650,7 +795,7 @@
             <a:spLocks noGrp="1"/>
           </p:cNvSpPr>
           <p:nvPr>
-            <p:ph type="dt" idx="6" sz="half"/>
+            <p:ph type="dt" sz="half" idx="6"/>
           </p:nvPr>
         </p:nvSpPr>
         <p:spPr/>
@@ -670,7 +815,9 @@
           <a:p>
             <a:fld id="{1D8BD707-D9CF-40AE-B4C6-C98DA3205C09}" type="datetimeFigureOut">
               <a:rPr lang="en-US"/>
+              <a:t>5/28/2018</a:t>
             </a:fld>
+            <a:endParaRPr lang="en-US"/>
           </a:p>
         </p:txBody>
       </p:sp>
@@ -681,7 +828,7 @@
             <a:spLocks noGrp="1"/>
           </p:cNvSpPr>
           <p:nvPr>
-            <p:ph type="sldNum" idx="7" sz="quarter"/>
+            <p:ph type="sldNum" sz="quarter" idx="7"/>
           </p:nvPr>
         </p:nvSpPr>
         <p:spPr/>
@@ -700,8 +847,9 @@
           </a:lstStyle>
           <a:p>
             <a:fld id="{B6F15528-21DE-4FAA-801E-634DDDAF4B2B}" type="slidenum">
-              <a:t>#</a:t>
+              <a:t>‹#›</a:t>
             </a:fld>
+            <a:endParaRPr/>
           </a:p>
         </p:txBody>
       </p:sp>
@@ -714,7 +862,7 @@
 </file>
 
 <file path=ppt/slideLayouts/slideLayout5.xml><?xml version="1.0" encoding="utf-8"?>
-<p:sldLayout xmlns:a="http://schemas.openxmlformats.org/drawingml/2006/main" xmlns:r="http://schemas.openxmlformats.org/officeDocument/2006/relationships" xmlns:p="http://schemas.openxmlformats.org/presentationml/2006/main" preserve="1" type="obj" showMasterSp="0">
+<p:sldLayout xmlns:a="http://schemas.openxmlformats.org/drawingml/2006/main" xmlns:r="http://schemas.openxmlformats.org/officeDocument/2006/relationships" xmlns:p="http://schemas.openxmlformats.org/presentationml/2006/main" showMasterSp="0" type="obj" preserve="1">
   <p:cSld name="Blank">
     <p:bg>
       <p:bgPr>
@@ -745,7 +893,7 @@
             <a:spLocks noGrp="1"/>
           </p:cNvSpPr>
           <p:nvPr>
-            <p:ph type="ftr" idx="5" sz="quarter"/>
+            <p:ph type="ftr" sz="quarter" idx="5"/>
           </p:nvPr>
         </p:nvSpPr>
         <p:spPr/>
@@ -762,7 +910,9 @@
               </a:defRPr>
             </a:lvl1pPr>
           </a:lstStyle>
-          <a:p/>
+          <a:p>
+            <a:endParaRPr/>
+          </a:p>
         </p:txBody>
       </p:sp>
       <p:sp>
@@ -772,7 +922,7 @@
             <a:spLocks noGrp="1"/>
           </p:cNvSpPr>
           <p:nvPr>
-            <p:ph type="dt" idx="6" sz="half"/>
+            <p:ph type="dt" sz="half" idx="6"/>
           </p:nvPr>
         </p:nvSpPr>
         <p:spPr/>
@@ -792,7 +942,9 @@
           <a:p>
             <a:fld id="{1D8BD707-D9CF-40AE-B4C6-C98DA3205C09}" type="datetimeFigureOut">
               <a:rPr lang="en-US"/>
+              <a:t>5/28/2018</a:t>
             </a:fld>
+            <a:endParaRPr lang="en-US"/>
           </a:p>
         </p:txBody>
       </p:sp>
@@ -803,7 +955,7 @@
             <a:spLocks noGrp="1"/>
           </p:cNvSpPr>
           <p:nvPr>
-            <p:ph type="sldNum" idx="7" sz="quarter"/>
+            <p:ph type="sldNum" sz="quarter" idx="7"/>
           </p:nvPr>
         </p:nvSpPr>
         <p:spPr/>
@@ -822,8 +974,9 @@
           </a:lstStyle>
           <a:p>
             <a:fld id="{B6F15528-21DE-4FAA-801E-634DDDAF4B2B}" type="slidenum">
-              <a:t>#</a:t>
+              <a:t>‹#›</a:t>
             </a:fld>
+            <a:endParaRPr/>
           </a:p>
         </p:txBody>
       </p:sp>
@@ -905,7 +1058,9 @@
         <p:txBody>
           <a:bodyPr wrap="square" lIns="0" tIns="0" rIns="0" bIns="0" rtlCol="0"/>
           <a:lstStyle/>
-          <a:p/>
+          <a:p>
+            <a:endParaRPr/>
+          </a:p>
         </p:txBody>
       </p:sp>
       <p:sp>
@@ -953,7 +1108,9 @@
         <p:txBody>
           <a:bodyPr wrap="square" lIns="0" tIns="0" rIns="0" bIns="0" rtlCol="0"/>
           <a:lstStyle/>
-          <a:p/>
+          <a:p>
+            <a:endParaRPr/>
+          </a:p>
         </p:txBody>
       </p:sp>
       <p:sp>
@@ -990,7 +1147,9 @@
               </a:defRPr>
             </a:lvl1pPr>
           </a:lstStyle>
-          <a:p/>
+          <a:p>
+            <a:endParaRPr/>
+          </a:p>
         </p:txBody>
       </p:sp>
       <p:sp>
@@ -1027,7 +1186,9 @@
               </a:defRPr>
             </a:lvl1pPr>
           </a:lstStyle>
-          <a:p/>
+          <a:p>
+            <a:endParaRPr/>
+          </a:p>
         </p:txBody>
       </p:sp>
       <p:sp>
@@ -1037,7 +1198,7 @@
             <a:spLocks noGrp="1"/>
           </p:cNvSpPr>
           <p:nvPr>
-            <p:ph type="ftr" idx="5" sz="quarter"/>
+            <p:ph type="ftr" sz="quarter" idx="5"/>
           </p:nvPr>
         </p:nvSpPr>
         <p:spPr>
@@ -1064,7 +1225,9 @@
               </a:defRPr>
             </a:lvl1pPr>
           </a:lstStyle>
-          <a:p/>
+          <a:p>
+            <a:endParaRPr/>
+          </a:p>
         </p:txBody>
       </p:sp>
       <p:sp>
@@ -1074,7 +1237,7 @@
             <a:spLocks noGrp="1"/>
           </p:cNvSpPr>
           <p:nvPr>
-            <p:ph type="dt" idx="6" sz="half"/>
+            <p:ph type="dt" sz="half" idx="6"/>
           </p:nvPr>
         </p:nvSpPr>
         <p:spPr>
@@ -1104,7 +1267,9 @@
           <a:p>
             <a:fld id="{1D8BD707-D9CF-40AE-B4C6-C98DA3205C09}" type="datetimeFigureOut">
               <a:rPr lang="en-US"/>
+              <a:t>5/28/2018</a:t>
             </a:fld>
+            <a:endParaRPr lang="en-US"/>
           </a:p>
         </p:txBody>
       </p:sp>
@@ -1115,7 +1280,7 @@
             <a:spLocks noGrp="1"/>
           </p:cNvSpPr>
           <p:nvPr>
-            <p:ph type="sldNum" idx="7" sz="quarter"/>
+            <p:ph type="sldNum" sz="quarter" idx="7"/>
           </p:nvPr>
         </p:nvSpPr>
         <p:spPr>
@@ -1144,14 +1309,15 @@
           </a:lstStyle>
           <a:p>
             <a:fld id="{B6F15528-21DE-4FAA-801E-634DDDAF4B2B}" type="slidenum">
-              <a:t>#</a:t>
+              <a:t>‹#›</a:t>
             </a:fld>
+            <a:endParaRPr/>
           </a:p>
         </p:txBody>
       </p:sp>
     </p:spTree>
   </p:cSld>
-  <p:clrMap folHlink="folHlink" hlink="hlink" accent1="accent1" accent2="accent2" accent3="accent3" accent4="accent4" accent5="accent5" accent6="accent6" tx2="dk2" bg2="lt2" tx1="dk1" bg1="lt1"/>
+  <p:clrMap bg1="lt1" tx1="dk1" bg2="lt2" tx2="dk2" accent1="accent1" accent2="accent2" accent3="accent3" accent4="accent4" accent5="accent5" accent6="accent6" hlink="hlink" folHlink="folHlink"/>
   <p:sldLayoutIdLst>
     <p:sldLayoutId id="2147483661" r:id="rId1"/>
     <p:sldLayoutId id="2147483662" r:id="rId2"/>
@@ -1365,7 +1531,9 @@
         <p:txBody>
           <a:bodyPr wrap="square" lIns="0" tIns="0" rIns="0" bIns="0" rtlCol="0"/>
           <a:lstStyle/>
-          <a:p/>
+          <a:p>
+            <a:endParaRPr/>
+          </a:p>
         </p:txBody>
       </p:sp>
       <p:sp>
@@ -1386,7 +1554,7 @@
             <a:cxnLst/>
             <a:rect l="l" t="t" r="r" b="b"/>
             <a:pathLst>
-              <a:path w="0" h="6858000">
+              <a:path h="6858000">
                 <a:moveTo>
                   <a:pt x="0" y="0"/>
                 </a:moveTo>
@@ -1405,7 +1573,9 @@
         <p:txBody>
           <a:bodyPr wrap="square" lIns="0" tIns="0" rIns="0" bIns="0" rtlCol="0"/>
           <a:lstStyle/>
-          <a:p/>
+          <a:p>
+            <a:endParaRPr/>
+          </a:p>
         </p:txBody>
       </p:sp>
       <p:sp>
@@ -1453,7 +1623,9 @@
         <p:txBody>
           <a:bodyPr wrap="square" lIns="0" tIns="0" rIns="0" bIns="0" rtlCol="0"/>
           <a:lstStyle/>
-          <a:p/>
+          <a:p>
+            <a:endParaRPr/>
+          </a:p>
         </p:txBody>
       </p:sp>
       <p:sp>
@@ -1503,7 +1675,9 @@
         <p:txBody>
           <a:bodyPr wrap="square" lIns="0" tIns="0" rIns="0" bIns="0" rtlCol="0"/>
           <a:lstStyle/>
-          <a:p/>
+          <a:p>
+            <a:endParaRPr/>
+          </a:p>
         </p:txBody>
       </p:sp>
       <p:sp>
@@ -1553,7 +1727,9 @@
         <p:txBody>
           <a:bodyPr wrap="square" lIns="0" tIns="0" rIns="0" bIns="0" rtlCol="0"/>
           <a:lstStyle/>
-          <a:p/>
+          <a:p>
+            <a:endParaRPr/>
+          </a:p>
         </p:txBody>
       </p:sp>
       <p:sp>
@@ -1925,7 +2101,9 @@
         <p:txBody>
           <a:bodyPr wrap="square" lIns="0" tIns="0" rIns="0" bIns="0" rtlCol="0"/>
           <a:lstStyle/>
-          <a:p/>
+          <a:p>
+            <a:endParaRPr/>
+          </a:p>
         </p:txBody>
       </p:sp>
       <p:sp>
@@ -2141,7 +2319,9 @@
         <p:txBody>
           <a:bodyPr wrap="square" lIns="0" tIns="0" rIns="0" bIns="0" rtlCol="0"/>
           <a:lstStyle/>
-          <a:p/>
+          <a:p>
+            <a:endParaRPr/>
+          </a:p>
         </p:txBody>
       </p:sp>
       <p:sp>
@@ -2309,7 +2489,9 @@
         <p:txBody>
           <a:bodyPr wrap="square" lIns="0" tIns="0" rIns="0" bIns="0" rtlCol="0"/>
           <a:lstStyle/>
-          <a:p/>
+          <a:p>
+            <a:endParaRPr/>
+          </a:p>
         </p:txBody>
       </p:sp>
       <p:sp>
@@ -2669,7 +2851,9 @@
         <p:txBody>
           <a:bodyPr wrap="square" lIns="0" tIns="0" rIns="0" bIns="0" rtlCol="0"/>
           <a:lstStyle/>
-          <a:p/>
+          <a:p>
+            <a:endParaRPr/>
+          </a:p>
         </p:txBody>
       </p:sp>
       <p:sp>
@@ -2819,7 +3003,9 @@
         <p:txBody>
           <a:bodyPr wrap="square" lIns="0" tIns="0" rIns="0" bIns="0" rtlCol="0"/>
           <a:lstStyle/>
-          <a:p/>
+          <a:p>
+            <a:endParaRPr/>
+          </a:p>
         </p:txBody>
       </p:sp>
       <p:sp>
@@ -2869,7 +3055,9 @@
         <p:txBody>
           <a:bodyPr wrap="square" lIns="0" tIns="0" rIns="0" bIns="0" rtlCol="0"/>
           <a:lstStyle/>
-          <a:p/>
+          <a:p>
+            <a:endParaRPr/>
+          </a:p>
         </p:txBody>
       </p:sp>
       <p:sp>
@@ -2938,7 +3126,9 @@
         <p:txBody>
           <a:bodyPr wrap="square" lIns="0" tIns="0" rIns="0" bIns="0" rtlCol="0"/>
           <a:lstStyle/>
-          <a:p/>
+          <a:p>
+            <a:endParaRPr/>
+          </a:p>
         </p:txBody>
       </p:sp>
       <p:sp>
@@ -3316,7 +3506,9 @@
         <p:txBody>
           <a:bodyPr wrap="square" lIns="0" tIns="0" rIns="0" bIns="0" rtlCol="0"/>
           <a:lstStyle/>
-          <a:p/>
+          <a:p>
+            <a:endParaRPr/>
+          </a:p>
         </p:txBody>
       </p:sp>
       <p:sp>
@@ -3334,10 +3526,12 @@
             <a:off x="535940" y="1499742"/>
             <a:ext cx="3365500" cy="2000885"/>
           </a:xfrm>
-          <a:prstGeom prst="rect"/>
+          <a:prstGeom prst="rect">
+            <a:avLst/>
+          </a:prstGeom>
         </p:spPr>
         <p:txBody>
-          <a:bodyPr wrap="square" lIns="0" tIns="121920" rIns="0" bIns="0" rtlCol="0" vert="horz">
+          <a:bodyPr vert="horz" wrap="square" lIns="0" tIns="121920" rIns="0" bIns="0" rtlCol="0">
             <a:spAutoFit/>
           </a:bodyPr>
           <a:lstStyle/>
@@ -3351,7 +3545,7 @@
               </a:spcBef>
             </a:pPr>
             <a:r>
-              <a:rPr dirty="0" u="heavy" spc="-495">
+              <a:rPr u="heavy" spc="-495" dirty="0">
                 <a:solidFill>
                   <a:srgbClr val="FFFFFF"/>
                 </a:solidFill>
@@ -3364,7 +3558,7 @@
               <a:t>Real </a:t>
             </a:r>
             <a:r>
-              <a:rPr dirty="0" u="heavy" spc="-375">
+              <a:rPr u="heavy" spc="-375" dirty="0">
                 <a:solidFill>
                   <a:srgbClr val="FFFFFF"/>
                 </a:solidFill>
@@ -3377,7 +3571,7 @@
               <a:t>Estate </a:t>
             </a:r>
             <a:r>
-              <a:rPr dirty="0" u="none" spc="-375">
+              <a:rPr u="none" spc="-375" dirty="0">
                 <a:solidFill>
                   <a:srgbClr val="FFFFFF"/>
                 </a:solidFill>
@@ -3385,7 +3579,7 @@
               <a:t> </a:t>
             </a:r>
             <a:r>
-              <a:rPr dirty="0" u="none" spc="-450" i="1">
+              <a:rPr i="1" u="none" spc="-450" dirty="0">
                 <a:solidFill>
                   <a:srgbClr val="FFFFFF"/>
                 </a:solidFill>
@@ -3395,7 +3589,7 @@
               <a:t>(File </a:t>
             </a:r>
             <a:r>
-              <a:rPr dirty="0" u="none" spc="-395" i="1">
+              <a:rPr i="1" u="none" spc="-395" dirty="0">
                 <a:solidFill>
                   <a:srgbClr val="FFFFFF"/>
                 </a:solidFill>
@@ -3405,7 +3599,7 @@
               <a:t>structure  mini</a:t>
             </a:r>
             <a:r>
-              <a:rPr dirty="0" u="none" spc="-500" i="1">
+              <a:rPr i="1" u="none" spc="-500" dirty="0">
                 <a:solidFill>
                   <a:srgbClr val="FFFFFF"/>
                 </a:solidFill>
@@ -3415,7 +3609,7 @@
               <a:t> </a:t>
             </a:r>
             <a:r>
-              <a:rPr dirty="0" u="none" spc="-420" i="1">
+              <a:rPr i="1" u="none" spc="-420" dirty="0">
                 <a:solidFill>
                   <a:srgbClr val="FFFFFF"/>
                 </a:solidFill>
@@ -3425,7 +3619,7 @@
               <a:t>project)</a:t>
             </a:r>
             <a:r>
-              <a:rPr dirty="0" u="none" spc="-365" i="1">
+              <a:rPr i="1" u="none" spc="-365" dirty="0">
                 <a:solidFill>
                   <a:srgbClr val="FFFFFF"/>
                 </a:solidFill>
@@ -3446,6 +3640,567 @@
 </file>
 
 <file path=ppt/slides/slide10.xml><?xml version="1.0" encoding="utf-8"?>
+<p:sld xmlns:a="http://schemas.openxmlformats.org/drawingml/2006/main" xmlns:r="http://schemas.openxmlformats.org/officeDocument/2006/relationships" xmlns:p="http://schemas.openxmlformats.org/presentationml/2006/main">
+  <p:cSld>
+    <p:bg>
+      <p:bgPr>
+        <a:solidFill>
+          <a:schemeClr val="bg1">
+            <a:tint val="95000"/>
+            <a:satMod val="170000"/>
+          </a:schemeClr>
+        </a:solidFill>
+        <a:effectLst/>
+      </p:bgPr>
+    </p:bg>
+    <p:spTree>
+      <p:nvGrpSpPr>
+        <p:cNvPr id="1" name=""/>
+        <p:cNvGrpSpPr/>
+        <p:nvPr/>
+      </p:nvGrpSpPr>
+      <p:grpSpPr>
+        <a:xfrm>
+          <a:off x="0" y="0"/>
+          <a:ext cx="0" cy="0"/>
+          <a:chOff x="0" y="0"/>
+          <a:chExt cx="0" cy="0"/>
+        </a:xfrm>
+      </p:grpSpPr>
+      <p:sp>
+        <p:nvSpPr>
+          <p:cNvPr id="18" name="Freeform: Shape 17">
+            <a:extLst>
+              <a:ext uri="{FF2B5EF4-FFF2-40B4-BE49-F238E27FC236}">
+                <a16:creationId xmlns:a16="http://schemas.microsoft.com/office/drawing/2014/main" id="{4F74D28C-3268-4E35-8EE1-D92CB4A85A7D}"/>
+              </a:ext>
+              <a:ext uri="{C183D7F6-B498-43B3-948B-1728B52AA6E4}">
+                <adec:decorative xmlns:adec="http://schemas.microsoft.com/office/drawing/2017/decorative" val="1"/>
+              </a:ext>
+            </a:extLst>
+          </p:cNvPr>
+          <p:cNvSpPr>
+            <a:spLocks noGrp="1" noRot="1" noChangeAspect="1" noMove="1" noResize="1" noEditPoints="1" noAdjustHandles="1" noChangeArrowheads="1" noChangeShapeType="1" noTextEdit="1"/>
+          </p:cNvSpPr>
+          <p:nvPr>
+            <p:extLst>
+              <p:ext uri="{386F3935-93C4-4BCD-93E2-E3B085C9AB24}">
+                <p16:designElem xmlns:p16="http://schemas.microsoft.com/office/powerpoint/2015/main" val="1"/>
+              </p:ext>
+            </p:extLst>
+          </p:nvPr>
+        </p:nvSpPr>
+        <p:spPr>
+          <a:xfrm>
+            <a:off x="6019218" y="0"/>
+            <a:ext cx="6172782" cy="6858000"/>
+          </a:xfrm>
+          <a:custGeom>
+            <a:avLst/>
+            <a:gdLst>
+              <a:gd name="connsiteX0" fmla="*/ 6172782 w 6172782"/>
+              <a:gd name="connsiteY0" fmla="*/ 0 h 6858000"/>
+              <a:gd name="connsiteX1" fmla="*/ 69075 w 6172782"/>
+              <a:gd name="connsiteY1" fmla="*/ 0 h 6858000"/>
+              <a:gd name="connsiteX2" fmla="*/ 35131 w 6172782"/>
+              <a:gd name="connsiteY2" fmla="*/ 267128 h 6858000"/>
+              <a:gd name="connsiteX3" fmla="*/ 0 w 6172782"/>
+              <a:gd name="connsiteY3" fmla="*/ 962845 h 6858000"/>
+              <a:gd name="connsiteX4" fmla="*/ 3276103 w 6172782"/>
+              <a:gd name="connsiteY4" fmla="*/ 6782205 h 6858000"/>
+              <a:gd name="connsiteX5" fmla="*/ 3407923 w 6172782"/>
+              <a:gd name="connsiteY5" fmla="*/ 6858000 h 6858000"/>
+              <a:gd name="connsiteX6" fmla="*/ 6172782 w 6172782"/>
+              <a:gd name="connsiteY6" fmla="*/ 6858000 h 6858000"/>
+            </a:gdLst>
+            <a:ahLst/>
+            <a:cxnLst>
+              <a:cxn ang="0">
+                <a:pos x="connsiteX0" y="connsiteY0"/>
+              </a:cxn>
+              <a:cxn ang="0">
+                <a:pos x="connsiteX1" y="connsiteY1"/>
+              </a:cxn>
+              <a:cxn ang="0">
+                <a:pos x="connsiteX2" y="connsiteY2"/>
+              </a:cxn>
+              <a:cxn ang="0">
+                <a:pos x="connsiteX3" y="connsiteY3"/>
+              </a:cxn>
+              <a:cxn ang="0">
+                <a:pos x="connsiteX4" y="connsiteY4"/>
+              </a:cxn>
+              <a:cxn ang="0">
+                <a:pos x="connsiteX5" y="connsiteY5"/>
+              </a:cxn>
+              <a:cxn ang="0">
+                <a:pos x="connsiteX6" y="connsiteY6"/>
+              </a:cxn>
+            </a:cxnLst>
+            <a:rect l="l" t="t" r="r" b="b"/>
+            <a:pathLst>
+              <a:path w="6172782" h="6858000">
+                <a:moveTo>
+                  <a:pt x="6172782" y="0"/>
+                </a:moveTo>
+                <a:lnTo>
+                  <a:pt x="69075" y="0"/>
+                </a:lnTo>
+                <a:lnTo>
+                  <a:pt x="35131" y="267128"/>
+                </a:lnTo>
+                <a:cubicBezTo>
+                  <a:pt x="11901" y="495874"/>
+                  <a:pt x="0" y="727970"/>
+                  <a:pt x="0" y="962845"/>
+                </a:cubicBezTo>
+                <a:cubicBezTo>
+                  <a:pt x="0" y="3429034"/>
+                  <a:pt x="1312002" y="5588789"/>
+                  <a:pt x="3276103" y="6782205"/>
+                </a:cubicBezTo>
+                <a:lnTo>
+                  <a:pt x="3407923" y="6858000"/>
+                </a:lnTo>
+                <a:lnTo>
+                  <a:pt x="6172782" y="6858000"/>
+                </a:lnTo>
+                <a:close/>
+              </a:path>
+            </a:pathLst>
+          </a:custGeom>
+          <a:solidFill>
+            <a:srgbClr val="FFFFFF">
+              <a:alpha val="80000"/>
+            </a:srgbClr>
+          </a:solidFill>
+          <a:ln>
+            <a:noFill/>
+          </a:ln>
+        </p:spPr>
+        <p:style>
+          <a:lnRef idx="2">
+            <a:schemeClr val="accent1">
+              <a:shade val="50000"/>
+            </a:schemeClr>
+          </a:lnRef>
+          <a:fillRef idx="1">
+            <a:schemeClr val="accent1"/>
+          </a:fillRef>
+          <a:effectRef idx="0">
+            <a:schemeClr val="accent1"/>
+          </a:effectRef>
+          <a:fontRef idx="minor">
+            <a:schemeClr val="lt1"/>
+          </a:fontRef>
+        </p:style>
+        <p:txBody>
+          <a:bodyPr wrap="square" rtlCol="0" anchor="ctr">
+            <a:noAutofit/>
+          </a:bodyPr>
+          <a:lstStyle/>
+          <a:p>
+            <a:pPr marL="0" marR="0" lvl="0" indent="0" algn="ctr" defTabSz="914400" rtl="0" eaLnBrk="1" fontAlgn="auto" latinLnBrk="0" hangingPunct="1">
+              <a:lnSpc>
+                <a:spcPct val="100000"/>
+              </a:lnSpc>
+              <a:spcBef>
+                <a:spcPts val="0"/>
+              </a:spcBef>
+              <a:spcAft>
+                <a:spcPts val="0"/>
+              </a:spcAft>
+              <a:buClrTx/>
+              <a:buSzTx/>
+              <a:buFontTx/>
+              <a:buNone/>
+              <a:tabLst/>
+              <a:defRPr/>
+            </a:pPr>
+            <a:endParaRPr kumimoji="0" lang="en-US" sz="1800" b="0" i="0" u="none" strike="noStrike" kern="1200" cap="none" spc="0" normalizeH="0" baseline="0" noProof="0">
+              <a:ln>
+                <a:noFill/>
+              </a:ln>
+              <a:solidFill>
+                <a:prstClr val="white"/>
+              </a:solidFill>
+              <a:effectLst/>
+              <a:uLnTx/>
+              <a:uFillTx/>
+              <a:latin typeface="Calibri" panose="020F0502020204030204"/>
+              <a:ea typeface="+mn-ea"/>
+              <a:cs typeface="+mn-cs"/>
+            </a:endParaRPr>
+          </a:p>
+        </p:txBody>
+      </p:sp>
+      <p:sp>
+        <p:nvSpPr>
+          <p:cNvPr id="20" name="Freeform: Shape 19">
+            <a:extLst>
+              <a:ext uri="{FF2B5EF4-FFF2-40B4-BE49-F238E27FC236}">
+                <a16:creationId xmlns:a16="http://schemas.microsoft.com/office/drawing/2014/main" id="{58D44E42-C462-4105-BC86-FE75B4E3C4AF}"/>
+              </a:ext>
+              <a:ext uri="{C183D7F6-B498-43B3-948B-1728B52AA6E4}">
+                <adec:decorative xmlns:adec="http://schemas.microsoft.com/office/drawing/2017/decorative" val="1"/>
+              </a:ext>
+            </a:extLst>
+          </p:cNvPr>
+          <p:cNvSpPr>
+            <a:spLocks noGrp="1" noRot="1" noChangeAspect="1" noMove="1" noResize="1" noEditPoints="1" noAdjustHandles="1" noChangeArrowheads="1" noChangeShapeType="1" noTextEdit="1"/>
+          </p:cNvSpPr>
+          <p:nvPr>
+            <p:extLst>
+              <p:ext uri="{386F3935-93C4-4BCD-93E2-E3B085C9AB24}">
+                <p16:designElem xmlns:p16="http://schemas.microsoft.com/office/powerpoint/2015/main" val="1"/>
+              </p:ext>
+            </p:extLst>
+          </p:nvPr>
+        </p:nvSpPr>
+        <p:spPr>
+          <a:xfrm>
+            <a:off x="6167846" y="0"/>
+            <a:ext cx="6024154" cy="6858000"/>
+          </a:xfrm>
+          <a:custGeom>
+            <a:avLst/>
+            <a:gdLst>
+              <a:gd name="connsiteX0" fmla="*/ 70374 w 6024154"/>
+              <a:gd name="connsiteY0" fmla="*/ 0 h 6858000"/>
+              <a:gd name="connsiteX1" fmla="*/ 6024154 w 6024154"/>
+              <a:gd name="connsiteY1" fmla="*/ 0 h 6858000"/>
+              <a:gd name="connsiteX2" fmla="*/ 6024154 w 6024154"/>
+              <a:gd name="connsiteY2" fmla="*/ 6858000 h 6858000"/>
+              <a:gd name="connsiteX3" fmla="*/ 3587167 w 6024154"/>
+              <a:gd name="connsiteY3" fmla="*/ 6858000 h 6858000"/>
+              <a:gd name="connsiteX4" fmla="*/ 3474220 w 6024154"/>
+              <a:gd name="connsiteY4" fmla="*/ 6800152 h 6858000"/>
+              <a:gd name="connsiteX5" fmla="*/ 0 w 6024154"/>
+              <a:gd name="connsiteY5" fmla="*/ 962844 h 6858000"/>
+              <a:gd name="connsiteX6" fmla="*/ 34274 w 6024154"/>
+              <a:gd name="connsiteY6" fmla="*/ 284091 h 6858000"/>
+            </a:gdLst>
+            <a:ahLst/>
+            <a:cxnLst>
+              <a:cxn ang="0">
+                <a:pos x="connsiteX0" y="connsiteY0"/>
+              </a:cxn>
+              <a:cxn ang="0">
+                <a:pos x="connsiteX1" y="connsiteY1"/>
+              </a:cxn>
+              <a:cxn ang="0">
+                <a:pos x="connsiteX2" y="connsiteY2"/>
+              </a:cxn>
+              <a:cxn ang="0">
+                <a:pos x="connsiteX3" y="connsiteY3"/>
+              </a:cxn>
+              <a:cxn ang="0">
+                <a:pos x="connsiteX4" y="connsiteY4"/>
+              </a:cxn>
+              <a:cxn ang="0">
+                <a:pos x="connsiteX5" y="connsiteY5"/>
+              </a:cxn>
+              <a:cxn ang="0">
+                <a:pos x="connsiteX6" y="connsiteY6"/>
+              </a:cxn>
+            </a:cxnLst>
+            <a:rect l="l" t="t" r="r" b="b"/>
+            <a:pathLst>
+              <a:path w="6024154" h="6858000">
+                <a:moveTo>
+                  <a:pt x="70374" y="0"/>
+                </a:moveTo>
+                <a:lnTo>
+                  <a:pt x="6024154" y="0"/>
+                </a:lnTo>
+                <a:lnTo>
+                  <a:pt x="6024154" y="6858000"/>
+                </a:lnTo>
+                <a:lnTo>
+                  <a:pt x="3587167" y="6858000"/>
+                </a:lnTo>
+                <a:lnTo>
+                  <a:pt x="3474220" y="6800152"/>
+                </a:lnTo>
+                <a:cubicBezTo>
+                  <a:pt x="1404818" y="5675986"/>
+                  <a:pt x="0" y="3483472"/>
+                  <a:pt x="0" y="962844"/>
+                </a:cubicBezTo>
+                <a:cubicBezTo>
+                  <a:pt x="0" y="733696"/>
+                  <a:pt x="11610" y="507260"/>
+                  <a:pt x="34274" y="284091"/>
+                </a:cubicBezTo>
+                <a:close/>
+              </a:path>
+            </a:pathLst>
+          </a:custGeom>
+          <a:solidFill>
+            <a:schemeClr val="tx1"/>
+          </a:solidFill>
+          <a:ln>
+            <a:noFill/>
+          </a:ln>
+        </p:spPr>
+        <p:style>
+          <a:lnRef idx="2">
+            <a:schemeClr val="accent1">
+              <a:shade val="50000"/>
+            </a:schemeClr>
+          </a:lnRef>
+          <a:fillRef idx="1">
+            <a:schemeClr val="accent1"/>
+          </a:fillRef>
+          <a:effectRef idx="0">
+            <a:schemeClr val="accent1"/>
+          </a:effectRef>
+          <a:fontRef idx="minor">
+            <a:schemeClr val="lt1"/>
+          </a:fontRef>
+        </p:style>
+        <p:txBody>
+          <a:bodyPr rtlCol="0" anchor="ctr"/>
+          <a:lstStyle/>
+          <a:p>
+            <a:pPr marL="0" marR="0" lvl="0" indent="0" algn="ctr" defTabSz="914400" rtl="0" eaLnBrk="1" fontAlgn="auto" latinLnBrk="0" hangingPunct="1">
+              <a:lnSpc>
+                <a:spcPct val="100000"/>
+              </a:lnSpc>
+              <a:spcBef>
+                <a:spcPts val="0"/>
+              </a:spcBef>
+              <a:spcAft>
+                <a:spcPts val="0"/>
+              </a:spcAft>
+              <a:buClrTx/>
+              <a:buSzTx/>
+              <a:buFontTx/>
+              <a:buNone/>
+              <a:tabLst/>
+              <a:defRPr/>
+            </a:pPr>
+            <a:endParaRPr kumimoji="0" lang="en-US" sz="1800" b="0" i="0" u="none" strike="noStrike" kern="1200" cap="none" spc="0" normalizeH="0" baseline="0" noProof="0">
+              <a:ln>
+                <a:noFill/>
+              </a:ln>
+              <a:solidFill>
+                <a:prstClr val="white"/>
+              </a:solidFill>
+              <a:effectLst/>
+              <a:uLnTx/>
+              <a:uFillTx/>
+              <a:latin typeface="Calibri" panose="020F0502020204030204"/>
+              <a:ea typeface="+mn-ea"/>
+              <a:cs typeface="+mn-cs"/>
+            </a:endParaRPr>
+          </a:p>
+        </p:txBody>
+      </p:sp>
+      <p:pic>
+        <p:nvPicPr>
+          <p:cNvPr id="8" name="Graphic 7">
+            <a:extLst>
+              <a:ext uri="{FF2B5EF4-FFF2-40B4-BE49-F238E27FC236}">
+                <a16:creationId xmlns:a16="http://schemas.microsoft.com/office/drawing/2014/main" id="{BAF0EAF8-A0DB-4B89-98D4-29BA90EEB79A}"/>
+              </a:ext>
+            </a:extLst>
+          </p:cNvPr>
+          <p:cNvPicPr>
+            <a:picLocks noChangeAspect="1"/>
+          </p:cNvPicPr>
+          <p:nvPr/>
+        </p:nvPicPr>
+        <p:blipFill>
+          <a:blip r:embed="rId2">
+            <a:extLst>
+              <a:ext uri="{28A0092B-C50C-407E-A947-70E740481C1C}">
+                <a14:useLocalDpi xmlns:a14="http://schemas.microsoft.com/office/drawing/2010/main" val="0"/>
+              </a:ext>
+              <a:ext uri="{96DAC541-7B7A-43D3-8B79-37D633B846F1}">
+                <asvg:svgBlip xmlns:asvg="http://schemas.microsoft.com/office/drawing/2016/SVG/main" r:embed="rId3"/>
+              </a:ext>
+            </a:extLst>
+          </a:blip>
+          <a:stretch>
+            <a:fillRect/>
+          </a:stretch>
+        </p:blipFill>
+        <p:spPr>
+          <a:xfrm>
+            <a:off x="7800975" y="643466"/>
+            <a:ext cx="4105275" cy="4105275"/>
+          </a:xfrm>
+          <a:prstGeom prst="rect">
+            <a:avLst/>
+          </a:prstGeom>
+        </p:spPr>
+      </p:pic>
+      <p:sp>
+        <p:nvSpPr>
+          <p:cNvPr id="3" name="object 3"/>
+          <p:cNvSpPr txBox="1">
+            <a:spLocks noGrp="1"/>
+          </p:cNvSpPr>
+          <p:nvPr>
+            <p:ph type="title"/>
+          </p:nvPr>
+        </p:nvSpPr>
+        <p:spPr>
+          <a:xfrm>
+            <a:off x="801099" y="1396289"/>
+            <a:ext cx="4906281" cy="1325563"/>
+          </a:xfrm>
+          <a:prstGeom prst="rect">
+            <a:avLst/>
+          </a:prstGeom>
+        </p:spPr>
+        <p:txBody>
+          <a:bodyPr vert="horz" lIns="91440" tIns="45720" rIns="91440" bIns="45720" rtlCol="0" anchor="ctr">
+            <a:normAutofit/>
+          </a:bodyPr>
+          <a:lstStyle/>
+          <a:p>
+            <a:pPr marL="169545" algn="l" rtl="0">
+              <a:lnSpc>
+                <a:spcPct val="90000"/>
+              </a:lnSpc>
+              <a:spcBef>
+                <a:spcPct val="0"/>
+              </a:spcBef>
+              <a:tabLst>
+                <a:tab pos="10140950" algn="l"/>
+              </a:tabLst>
+            </a:pPr>
+            <a:r>
+              <a:rPr lang="en-US" sz="4400" u="none" kern="1200" spc="-550" dirty="0">
+                <a:solidFill>
+                  <a:schemeClr val="tx1"/>
+                </a:solidFill>
+                <a:latin typeface="+mj-lt"/>
+                <a:ea typeface="+mj-ea"/>
+                <a:cs typeface="+mj-cs"/>
+              </a:rPr>
+              <a:t>Indexing  Used  in  Our Portal</a:t>
+            </a:r>
+          </a:p>
+        </p:txBody>
+      </p:sp>
+      <p:sp>
+        <p:nvSpPr>
+          <p:cNvPr id="4" name="object 4"/>
+          <p:cNvSpPr txBox="1"/>
+          <p:nvPr/>
+        </p:nvSpPr>
+        <p:spPr>
+          <a:xfrm>
+            <a:off x="805543" y="2871982"/>
+            <a:ext cx="5006336" cy="3181684"/>
+          </a:xfrm>
+          <a:prstGeom prst="rect">
+            <a:avLst/>
+          </a:prstGeom>
+        </p:spPr>
+        <p:txBody>
+          <a:bodyPr vert="horz" lIns="91440" tIns="45720" rIns="91440" bIns="45720" rtlCol="0" anchor="t">
+            <a:normAutofit/>
+          </a:bodyPr>
+          <a:lstStyle/>
+          <a:p>
+            <a:pPr algn="ctr">
+              <a:lnSpc>
+                <a:spcPct val="90000"/>
+              </a:lnSpc>
+              <a:spcBef>
+                <a:spcPts val="1265"/>
+              </a:spcBef>
+            </a:pPr>
+            <a:r>
+              <a:rPr lang="en-US" sz="2400" b="1" spc="-75" dirty="0">
+                <a:solidFill>
+                  <a:srgbClr val="FF0000"/>
+                </a:solidFill>
+                <a:uFill>
+                  <a:solidFill>
+                    <a:srgbClr val="404040"/>
+                  </a:solidFill>
+                </a:uFill>
+              </a:rPr>
+              <a:t>Type of Indexing Used</a:t>
+            </a:r>
+            <a:r>
+              <a:rPr lang="en-US" sz="2400" b="1" spc="50" dirty="0">
+                <a:solidFill>
+                  <a:srgbClr val="FF0000"/>
+                </a:solidFill>
+                <a:uFill>
+                  <a:solidFill>
+                    <a:srgbClr val="404040"/>
+                  </a:solidFill>
+                </a:uFill>
+              </a:rPr>
+              <a:t>?</a:t>
+            </a:r>
+            <a:endParaRPr lang="en-US" sz="2400" dirty="0">
+              <a:solidFill>
+                <a:srgbClr val="FF0000"/>
+              </a:solidFill>
+            </a:endParaRPr>
+          </a:p>
+          <a:p>
+            <a:pPr marR="74930">
+              <a:lnSpc>
+                <a:spcPct val="90000"/>
+              </a:lnSpc>
+              <a:spcBef>
+                <a:spcPts val="1435"/>
+              </a:spcBef>
+            </a:pPr>
+            <a:r>
+              <a:rPr lang="en-US" sz="2000" spc="-114" dirty="0"/>
+              <a:t>Primary indexing is the methodology which has been used in this proposed project. The</a:t>
+            </a:r>
+            <a:r>
+              <a:rPr lang="en-US" sz="2000" spc="-50" dirty="0"/>
+              <a:t> name of the estate is been chosen as the primary index field according to which the primary index fields are sorted in the index files.</a:t>
+            </a:r>
+            <a:endParaRPr lang="en-US" sz="2000" dirty="0"/>
+          </a:p>
+          <a:p>
+            <a:pPr>
+              <a:lnSpc>
+                <a:spcPct val="90000"/>
+              </a:lnSpc>
+              <a:spcBef>
+                <a:spcPts val="1165"/>
+              </a:spcBef>
+            </a:pPr>
+            <a:r>
+              <a:rPr lang="en-US" sz="2000" spc="-180" dirty="0"/>
+              <a:t>The majority of the functionalities in the proposed project like searching, deletion and modification are done with the help of this sorted index file</a:t>
+            </a:r>
+            <a:r>
+              <a:rPr lang="en-US" sz="2000" spc="-50" dirty="0"/>
+              <a:t>.</a:t>
+            </a:r>
+            <a:endParaRPr lang="en-US" sz="2000" dirty="0"/>
+          </a:p>
+        </p:txBody>
+      </p:sp>
+    </p:spTree>
+    <p:extLst>
+      <p:ext uri="{BB962C8B-B14F-4D97-AF65-F5344CB8AC3E}">
+        <p14:creationId xmlns:p14="http://schemas.microsoft.com/office/powerpoint/2010/main" val="3565895011"/>
+      </p:ext>
+    </p:extLst>
+  </p:cSld>
+  <p:clrMapOvr>
+    <a:overrideClrMapping bg1="dk1" tx1="lt1" bg2="dk2" tx2="lt2" accent1="accent1" accent2="accent2" accent3="accent3" accent4="accent4" accent5="accent5" accent6="accent6" hlink="hlink" folHlink="folHlink"/>
+  </p:clrMapOvr>
+</p:sld>
+</file>
+
+<file path=ppt/slides/slide11.xml><?xml version="1.0" encoding="utf-8"?>
 <p:sld xmlns:a="http://schemas.openxmlformats.org/drawingml/2006/main" xmlns:r="http://schemas.openxmlformats.org/officeDocument/2006/relationships" xmlns:p="http://schemas.openxmlformats.org/presentationml/2006/main">
   <p:cSld>
     <p:spTree>
@@ -3576,7 +4331,9 @@
         <p:txBody>
           <a:bodyPr wrap="square" lIns="0" tIns="0" rIns="0" bIns="0" rtlCol="0"/>
           <a:lstStyle/>
-          <a:p/>
+          <a:p>
+            <a:endParaRPr/>
+          </a:p>
         </p:txBody>
       </p:sp>
       <p:sp>
@@ -3624,7 +4381,9 @@
         <p:txBody>
           <a:bodyPr wrap="square" lIns="0" tIns="0" rIns="0" bIns="0" rtlCol="0"/>
           <a:lstStyle/>
-          <a:p/>
+          <a:p>
+            <a:endParaRPr/>
+          </a:p>
         </p:txBody>
       </p:sp>
       <p:sp>
@@ -3672,7 +4431,9 @@
         <p:txBody>
           <a:bodyPr wrap="square" lIns="0" tIns="0" rIns="0" bIns="0" rtlCol="0"/>
           <a:lstStyle/>
-          <a:p/>
+          <a:p>
+            <a:endParaRPr/>
+          </a:p>
         </p:txBody>
       </p:sp>
       <p:sp>
@@ -3720,7 +4481,9 @@
         <p:txBody>
           <a:bodyPr wrap="square" lIns="0" tIns="0" rIns="0" bIns="0" rtlCol="0"/>
           <a:lstStyle/>
-          <a:p/>
+          <a:p>
+            <a:endParaRPr/>
+          </a:p>
         </p:txBody>
       </p:sp>
       <p:sp>
@@ -3768,7 +4531,9 @@
         <p:txBody>
           <a:bodyPr wrap="square" lIns="0" tIns="0" rIns="0" bIns="0" rtlCol="0"/>
           <a:lstStyle/>
-          <a:p/>
+          <a:p>
+            <a:endParaRPr/>
+          </a:p>
         </p:txBody>
       </p:sp>
       <p:sp>
@@ -3816,7 +4581,9 @@
         <p:txBody>
           <a:bodyPr wrap="square" lIns="0" tIns="0" rIns="0" bIns="0" rtlCol="0"/>
           <a:lstStyle/>
-          <a:p/>
+          <a:p>
+            <a:endParaRPr/>
+          </a:p>
         </p:txBody>
       </p:sp>
       <p:sp>
@@ -3830,10 +4597,12 @@
           </p:nvPr>
         </p:nvSpPr>
         <p:spPr>
-          <a:prstGeom prst="rect"/>
+          <a:prstGeom prst="rect">
+            <a:avLst/>
+          </a:prstGeom>
         </p:spPr>
         <p:txBody>
-          <a:bodyPr wrap="square" lIns="0" tIns="634187" rIns="0" bIns="0" rtlCol="0" vert="horz">
+          <a:bodyPr vert="horz" wrap="square" lIns="0" tIns="634187" rIns="0" bIns="0" rtlCol="0">
             <a:spAutoFit/>
           </a:bodyPr>
           <a:lstStyle/>
@@ -3850,47 +4619,47 @@
               </a:tabLst>
             </a:pPr>
             <a:r>
-              <a:rPr dirty="0" spc="-250"/>
+              <a:rPr spc="-250" dirty="0"/>
               <a:t>What’s</a:t>
             </a:r>
             <a:r>
-              <a:rPr dirty="0" spc="-355"/>
+              <a:rPr spc="-355" dirty="0"/>
               <a:t> </a:t>
             </a:r>
             <a:r>
-              <a:rPr dirty="0" spc="-195"/>
+              <a:rPr spc="-195" dirty="0"/>
               <a:t>interesting</a:t>
             </a:r>
             <a:r>
-              <a:rPr dirty="0" spc="-355"/>
+              <a:rPr spc="-355" dirty="0"/>
               <a:t> </a:t>
             </a:r>
             <a:r>
-              <a:rPr dirty="0" spc="-120"/>
+              <a:rPr spc="-120" dirty="0"/>
               <a:t>in</a:t>
             </a:r>
             <a:r>
-              <a:rPr dirty="0" spc="-345"/>
+              <a:rPr spc="-345" dirty="0"/>
               <a:t> </a:t>
             </a:r>
             <a:r>
-              <a:rPr dirty="0" spc="-130"/>
+              <a:rPr spc="-130" dirty="0"/>
               <a:t>our</a:t>
             </a:r>
             <a:r>
-              <a:rPr dirty="0" spc="-355"/>
+              <a:rPr spc="-355" dirty="0"/>
               <a:t> </a:t>
             </a:r>
             <a:r>
-              <a:rPr dirty="0" spc="-135"/>
+              <a:rPr spc="-135" dirty="0"/>
               <a:t>portal</a:t>
             </a:r>
             <a:r>
-              <a:rPr dirty="0" spc="-360"/>
+              <a:rPr spc="-360" dirty="0"/>
               <a:t> </a:t>
             </a:r>
             <a:r>
-              <a:rPr dirty="0" spc="-445"/>
+              <a:rPr spc="-445" dirty="0"/>
               <a:t>?	</a:t>
             </a:r>
           </a:p>
@@ -3912,7 +4681,7 @@
           </a:prstGeom>
         </p:spPr>
         <p:txBody>
-          <a:bodyPr wrap="square" lIns="0" tIns="160655" rIns="0" bIns="0" rtlCol="0" vert="horz">
+          <a:bodyPr vert="horz" wrap="square" lIns="0" tIns="160655" rIns="0" bIns="0" rtlCol="0">
             <a:spAutoFit/>
           </a:bodyPr>
           <a:lstStyle/>
@@ -3926,7 +4695,7 @@
               </a:spcBef>
             </a:pPr>
             <a:r>
-              <a:rPr dirty="0" sz="2000" spc="-85" b="1">
+              <a:rPr sz="2000" b="1" spc="-85" dirty="0">
                 <a:solidFill>
                   <a:srgbClr val="404040"/>
                 </a:solidFill>
@@ -3936,7 +4705,7 @@
               <a:t>Data </a:t>
             </a:r>
             <a:r>
-              <a:rPr dirty="0" sz="2000" spc="-105" b="1">
+              <a:rPr sz="2000" b="1" spc="-105" dirty="0">
                 <a:solidFill>
                   <a:srgbClr val="404040"/>
                 </a:solidFill>
@@ -3946,7 +4715,7 @@
               <a:t>analytics </a:t>
             </a:r>
             <a:r>
-              <a:rPr dirty="0" sz="2000" spc="-90" b="1">
+              <a:rPr sz="2000" b="1" spc="-90" dirty="0">
                 <a:solidFill>
                   <a:srgbClr val="404040"/>
                 </a:solidFill>
@@ -3956,7 +4725,7 @@
               <a:t>and</a:t>
             </a:r>
             <a:r>
-              <a:rPr dirty="0" sz="2000" spc="-290" b="1">
+              <a:rPr sz="2000" b="1" spc="-290" dirty="0">
                 <a:solidFill>
                   <a:srgbClr val="404040"/>
                 </a:solidFill>
@@ -3966,7 +4735,7 @@
               <a:t> </a:t>
             </a:r>
             <a:r>
-              <a:rPr dirty="0" sz="2000" spc="-95" b="1">
+              <a:rPr sz="2000" b="1" spc="-95" dirty="0">
                 <a:solidFill>
                   <a:srgbClr val="404040"/>
                 </a:solidFill>
@@ -3990,7 +4759,7 @@
               </a:spcBef>
             </a:pPr>
             <a:r>
-              <a:rPr dirty="0" sz="2000" spc="-114">
+              <a:rPr sz="2000" spc="-114" dirty="0">
                 <a:solidFill>
                   <a:srgbClr val="404040"/>
                 </a:solidFill>
@@ -4000,7 +4769,7 @@
               <a:t>Data </a:t>
             </a:r>
             <a:r>
-              <a:rPr dirty="0" sz="2000" spc="-75">
+              <a:rPr sz="2000" spc="-75" dirty="0">
                 <a:solidFill>
                   <a:srgbClr val="404040"/>
                 </a:solidFill>
@@ -4010,7 +4779,7 @@
               <a:t>analytics </a:t>
             </a:r>
             <a:r>
-              <a:rPr dirty="0" sz="2000" spc="-95">
+              <a:rPr sz="2000" spc="-95" dirty="0">
                 <a:solidFill>
                   <a:srgbClr val="404040"/>
                 </a:solidFill>
@@ -4020,7 +4789,7 @@
               <a:t>and </a:t>
             </a:r>
             <a:r>
-              <a:rPr dirty="0" sz="2000" spc="-70">
+              <a:rPr sz="2000" spc="-70" dirty="0">
                 <a:solidFill>
                   <a:srgbClr val="404040"/>
                 </a:solidFill>
@@ -4030,7 +4799,7 @@
               <a:t>visualisation </a:t>
             </a:r>
             <a:r>
-              <a:rPr dirty="0" sz="2000" spc="-125">
+              <a:rPr sz="2000" spc="-125" dirty="0">
                 <a:solidFill>
                   <a:srgbClr val="404040"/>
                 </a:solidFill>
@@ -4040,7 +4809,7 @@
               <a:t>can </a:t>
             </a:r>
             <a:r>
-              <a:rPr dirty="0" sz="2000" spc="-80">
+              <a:rPr sz="2000" spc="-80" dirty="0">
                 <a:solidFill>
                   <a:srgbClr val="404040"/>
                 </a:solidFill>
@@ -4050,7 +4819,7 @@
               <a:t>create </a:t>
             </a:r>
             <a:r>
-              <a:rPr dirty="0" sz="2000" spc="-155">
+              <a:rPr sz="2000" spc="-155" dirty="0">
                 <a:solidFill>
                   <a:srgbClr val="404040"/>
                 </a:solidFill>
@@ -4060,7 +4829,7 @@
               <a:t>a </a:t>
             </a:r>
             <a:r>
-              <a:rPr dirty="0" sz="2000" spc="-105">
+              <a:rPr sz="2000" spc="-105" dirty="0">
                 <a:solidFill>
                   <a:srgbClr val="404040"/>
                 </a:solidFill>
@@ -4070,7 +4839,7 @@
               <a:t>huge </a:t>
             </a:r>
             <a:r>
-              <a:rPr dirty="0" sz="2000" spc="-55">
+              <a:rPr sz="2000" spc="-55" dirty="0">
                 <a:solidFill>
                   <a:srgbClr val="404040"/>
                 </a:solidFill>
@@ -4080,7 +4849,7 @@
               <a:t>impact </a:t>
             </a:r>
             <a:r>
-              <a:rPr dirty="0" sz="2000" spc="-25">
+              <a:rPr sz="2000" spc="-25" dirty="0">
                 <a:solidFill>
                   <a:srgbClr val="404040"/>
                 </a:solidFill>
@@ -4090,7 +4859,7 @@
               <a:t>in  </a:t>
             </a:r>
             <a:r>
-              <a:rPr dirty="0" sz="2000" spc="-20">
+              <a:rPr sz="2000" spc="-20" dirty="0">
                 <a:solidFill>
                   <a:srgbClr val="404040"/>
                 </a:solidFill>
@@ -4100,7 +4869,7 @@
               <a:t>the </a:t>
             </a:r>
             <a:r>
-              <a:rPr dirty="0" sz="2000" spc="-120">
+              <a:rPr sz="2000" spc="-120" dirty="0">
                 <a:solidFill>
                   <a:srgbClr val="404040"/>
                 </a:solidFill>
@@ -4110,7 +4879,7 @@
               <a:t>business </a:t>
             </a:r>
             <a:r>
-              <a:rPr dirty="0" sz="2000" spc="-5">
+              <a:rPr sz="2000" spc="-5" dirty="0">
                 <a:solidFill>
                   <a:srgbClr val="404040"/>
                 </a:solidFill>
@@ -4120,7 +4889,7 @@
               <a:t>of </a:t>
             </a:r>
             <a:r>
-              <a:rPr dirty="0" sz="2000" spc="-65">
+              <a:rPr sz="2000" spc="-65" dirty="0">
                 <a:solidFill>
                   <a:srgbClr val="404040"/>
                 </a:solidFill>
@@ -4130,7 +4899,7 @@
               <a:t>real </a:t>
             </a:r>
             <a:r>
-              <a:rPr dirty="0" sz="2000" spc="-75">
+              <a:rPr sz="2000" spc="-75" dirty="0">
                 <a:solidFill>
                   <a:srgbClr val="404040"/>
                 </a:solidFill>
@@ -4140,7 +4909,7 @@
               <a:t>estate. </a:t>
             </a:r>
             <a:r>
-              <a:rPr dirty="0" sz="2000" spc="-145">
+              <a:rPr sz="2000" spc="-145" dirty="0">
                 <a:solidFill>
                   <a:srgbClr val="404040"/>
                 </a:solidFill>
@@ -4150,7 +4919,7 @@
               <a:t>The </a:t>
             </a:r>
             <a:r>
-              <a:rPr dirty="0" sz="2000" spc="-40">
+              <a:rPr sz="2000" spc="-40" dirty="0">
                 <a:solidFill>
                   <a:srgbClr val="404040"/>
                 </a:solidFill>
@@ -4160,7 +4929,7 @@
               <a:t>project </a:t>
             </a:r>
             <a:r>
-              <a:rPr dirty="0" sz="2000" spc="-150">
+              <a:rPr sz="2000" spc="-150" dirty="0">
                 <a:solidFill>
                   <a:srgbClr val="404040"/>
                 </a:solidFill>
@@ -4170,7 +4939,7 @@
               <a:t>has </a:t>
             </a:r>
             <a:r>
-              <a:rPr dirty="0" sz="2000" spc="-155">
+              <a:rPr sz="2000" spc="-155" dirty="0">
                 <a:solidFill>
                   <a:srgbClr val="404040"/>
                 </a:solidFill>
@@ -4180,7 +4949,7 @@
               <a:t>a </a:t>
             </a:r>
             <a:r>
-              <a:rPr dirty="0" sz="2000" spc="-40">
+              <a:rPr sz="2000" spc="-40" dirty="0">
                 <a:solidFill>
                   <a:srgbClr val="404040"/>
                 </a:solidFill>
@@ -4190,7 +4959,7 @@
               <a:t>miniature  </a:t>
             </a:r>
             <a:r>
-              <a:rPr dirty="0" sz="2000" spc="-85">
+              <a:rPr sz="2000" spc="-85" dirty="0">
                 <a:solidFill>
                   <a:srgbClr val="404040"/>
                 </a:solidFill>
@@ -4200,7 +4969,7 @@
               <a:t>version </a:t>
             </a:r>
             <a:r>
-              <a:rPr dirty="0" sz="2000" spc="-5">
+              <a:rPr sz="2000" spc="-5" dirty="0">
                 <a:solidFill>
                   <a:srgbClr val="404040"/>
                 </a:solidFill>
@@ -4210,7 +4979,7 @@
               <a:t>of </a:t>
             </a:r>
             <a:r>
-              <a:rPr dirty="0" sz="2000" spc="-20">
+              <a:rPr sz="2000" spc="-20" dirty="0">
                 <a:solidFill>
                   <a:srgbClr val="404040"/>
                 </a:solidFill>
@@ -4220,7 +4989,7 @@
               <a:t>the </a:t>
             </a:r>
             <a:r>
-              <a:rPr dirty="0" sz="2000" spc="-125">
+              <a:rPr sz="2000" spc="-125" dirty="0">
                 <a:solidFill>
                   <a:srgbClr val="404040"/>
                 </a:solidFill>
@@ -4230,7 +4999,7 @@
               <a:t>same. </a:t>
             </a:r>
             <a:r>
-              <a:rPr dirty="0" sz="2000" spc="-145">
+              <a:rPr sz="2000" spc="-145" dirty="0">
                 <a:solidFill>
                   <a:srgbClr val="404040"/>
                 </a:solidFill>
@@ -4240,7 +5009,7 @@
               <a:t>We </a:t>
             </a:r>
             <a:r>
-              <a:rPr dirty="0" sz="2000" spc="-125">
+              <a:rPr sz="2000" spc="-125" dirty="0">
                 <a:solidFill>
                   <a:srgbClr val="404040"/>
                 </a:solidFill>
@@ -4250,7 +5019,7 @@
               <a:t>have </a:t>
             </a:r>
             <a:r>
-              <a:rPr dirty="0" sz="2000" spc="-55">
+              <a:rPr sz="2000" spc="-55" dirty="0">
                 <a:solidFill>
                   <a:srgbClr val="404040"/>
                 </a:solidFill>
@@ -4260,7 +5029,7 @@
               <a:t>implemented </a:t>
             </a:r>
             <a:r>
-              <a:rPr dirty="0" sz="2000" spc="-75">
+              <a:rPr sz="2000" spc="-75" dirty="0">
                 <a:solidFill>
                   <a:srgbClr val="404040"/>
                 </a:solidFill>
@@ -4270,7 +5039,7 @@
               <a:t>analytics </a:t>
             </a:r>
             <a:r>
-              <a:rPr dirty="0" sz="2000" spc="10">
+              <a:rPr sz="2000" spc="10" dirty="0">
                 <a:solidFill>
                   <a:srgbClr val="404040"/>
                 </a:solidFill>
@@ -4280,7 +5049,7 @@
               <a:t>with</a:t>
             </a:r>
             <a:r>
-              <a:rPr dirty="0" sz="2000" spc="-325">
+              <a:rPr sz="2000" spc="-325" dirty="0">
                 <a:solidFill>
                   <a:srgbClr val="404040"/>
                 </a:solidFill>
@@ -4290,7 +5059,7 @@
               <a:t> </a:t>
             </a:r>
             <a:r>
-              <a:rPr dirty="0" sz="2000" spc="-20">
+              <a:rPr sz="2000" spc="-20" dirty="0">
                 <a:solidFill>
                   <a:srgbClr val="404040"/>
                 </a:solidFill>
@@ -4300,7 +5069,7 @@
               <a:t>the  </a:t>
             </a:r>
             <a:r>
-              <a:rPr dirty="0" sz="2000" spc="-65">
+              <a:rPr sz="2000" spc="-65" dirty="0">
                 <a:solidFill>
                   <a:srgbClr val="404040"/>
                 </a:solidFill>
@@ -4310,7 +5079,7 @@
               <a:t>raw </a:t>
             </a:r>
             <a:r>
-              <a:rPr dirty="0" sz="2000" spc="-80">
+              <a:rPr sz="2000" spc="-80" dirty="0">
                 <a:solidFill>
                   <a:srgbClr val="404040"/>
                 </a:solidFill>
@@ -4320,7 +5089,7 @@
               <a:t>data </a:t>
             </a:r>
             <a:r>
-              <a:rPr dirty="0" sz="2000" spc="-114">
+              <a:rPr sz="2000" spc="-114" dirty="0">
                 <a:solidFill>
                   <a:srgbClr val="404040"/>
                 </a:solidFill>
@@ -4330,7 +5099,7 @@
               <a:t>sets </a:t>
             </a:r>
             <a:r>
-              <a:rPr dirty="0" sz="2000" spc="-85">
+              <a:rPr sz="2000" spc="-85" dirty="0">
                 <a:solidFill>
                   <a:srgbClr val="404040"/>
                 </a:solidFill>
@@ -4340,7 +5109,7 @@
               <a:t>available </a:t>
             </a:r>
             <a:r>
-              <a:rPr dirty="0" sz="2000" spc="-60">
+              <a:rPr sz="2000" spc="-60" dirty="0">
                 <a:solidFill>
                   <a:srgbClr val="404040"/>
                 </a:solidFill>
@@ -4350,7 +5119,7 @@
               <a:t>on </a:t>
             </a:r>
             <a:r>
-              <a:rPr dirty="0" sz="2000" spc="-150">
+              <a:rPr sz="2000" spc="-150" dirty="0">
                 <a:solidFill>
                   <a:srgbClr val="404040"/>
                 </a:solidFill>
@@ -4360,7 +5129,7 @@
               <a:t>Kaggle </a:t>
             </a:r>
             <a:r>
-              <a:rPr dirty="0" sz="2000" spc="-95">
+              <a:rPr sz="2000" spc="-95" dirty="0">
                 <a:solidFill>
                   <a:srgbClr val="404040"/>
                 </a:solidFill>
@@ -4370,7 +5139,7 @@
               <a:t>and</a:t>
             </a:r>
             <a:r>
-              <a:rPr dirty="0" sz="2000" spc="-215">
+              <a:rPr sz="2000" spc="-215" dirty="0">
                 <a:solidFill>
                   <a:srgbClr val="404040"/>
                 </a:solidFill>
@@ -4380,7 +5149,7 @@
               <a:t> </a:t>
             </a:r>
             <a:r>
-              <a:rPr dirty="0" sz="2000" spc="-114">
+              <a:rPr sz="2000" spc="-114" dirty="0">
                 <a:solidFill>
                   <a:srgbClr val="404040"/>
                 </a:solidFill>
@@ -4404,7 +5173,7 @@
               </a:spcBef>
             </a:pPr>
             <a:r>
-              <a:rPr dirty="0" sz="2000" spc="-100" b="1">
+              <a:rPr sz="2000" b="1" spc="-100" dirty="0">
                 <a:solidFill>
                   <a:srgbClr val="404040"/>
                 </a:solidFill>
@@ -4428,7 +5197,7 @@
               </a:spcBef>
             </a:pPr>
             <a:r>
-              <a:rPr dirty="0" sz="2000" spc="-105">
+              <a:rPr sz="2000" spc="-105" dirty="0">
                 <a:solidFill>
                   <a:srgbClr val="404040"/>
                 </a:solidFill>
@@ -4438,7 +5207,7 @@
               <a:t>Fire </a:t>
             </a:r>
             <a:r>
-              <a:rPr dirty="0" sz="2000" spc="-65">
+              <a:rPr sz="2000" spc="-65" dirty="0">
                 <a:solidFill>
                   <a:srgbClr val="404040"/>
                 </a:solidFill>
@@ -4448,7 +5217,7 @@
               <a:t>up </a:t>
             </a:r>
             <a:r>
-              <a:rPr dirty="0" sz="2000" spc="-20">
+              <a:rPr sz="2000" spc="-20" dirty="0">
                 <a:solidFill>
                   <a:srgbClr val="404040"/>
                 </a:solidFill>
@@ -4458,7 +5227,7 @@
               <a:t>the </a:t>
             </a:r>
             <a:r>
-              <a:rPr dirty="0" sz="2000" spc="-95">
+              <a:rPr sz="2000" spc="-95" dirty="0">
                 <a:solidFill>
                   <a:srgbClr val="404040"/>
                 </a:solidFill>
@@ -4468,7 +5237,7 @@
               <a:t>console and </a:t>
             </a:r>
             <a:r>
-              <a:rPr dirty="0" sz="2000" spc="-30">
+              <a:rPr sz="2000" spc="-30" dirty="0">
                 <a:solidFill>
                   <a:srgbClr val="404040"/>
                 </a:solidFill>
@@ -4478,7 +5247,7 @@
               <a:t>run </a:t>
             </a:r>
             <a:r>
-              <a:rPr dirty="0" sz="2000" spc="-20">
+              <a:rPr sz="2000" spc="-20" dirty="0">
                 <a:solidFill>
                   <a:srgbClr val="404040"/>
                 </a:solidFill>
@@ -4488,7 +5257,7 @@
               <a:t>the</a:t>
             </a:r>
             <a:r>
-              <a:rPr dirty="0" sz="2000" spc="-375">
+              <a:rPr sz="2000" spc="-375" dirty="0">
                 <a:solidFill>
                   <a:srgbClr val="404040"/>
                 </a:solidFill>
@@ -4498,7 +5267,7 @@
               <a:t> </a:t>
             </a:r>
             <a:r>
-              <a:rPr dirty="0" sz="2000" spc="-80">
+              <a:rPr sz="2000" spc="-80" dirty="0">
                 <a:solidFill>
                   <a:srgbClr val="404040"/>
                 </a:solidFill>
@@ -4508,7 +5277,7 @@
               <a:t>estate.py </a:t>
             </a:r>
             <a:r>
-              <a:rPr dirty="0" sz="2000" spc="-50">
+              <a:rPr sz="2000" spc="-50" dirty="0">
                 <a:solidFill>
                   <a:srgbClr val="404040"/>
                 </a:solidFill>
@@ -4569,7 +5338,9 @@
         <p:txBody>
           <a:bodyPr wrap="square" lIns="0" tIns="0" rIns="0" bIns="0" rtlCol="0"/>
           <a:lstStyle/>
-          <a:p/>
+          <a:p>
+            <a:endParaRPr/>
+          </a:p>
         </p:txBody>
       </p:sp>
       <p:sp>
@@ -4617,7 +5388,9 @@
         <p:txBody>
           <a:bodyPr wrap="square" lIns="0" tIns="0" rIns="0" bIns="0" rtlCol="0"/>
           <a:lstStyle/>
-          <a:p/>
+          <a:p>
+            <a:endParaRPr/>
+          </a:p>
         </p:txBody>
       </p:sp>
       <p:sp>
@@ -4665,7 +5438,9 @@
         <p:txBody>
           <a:bodyPr wrap="square" lIns="0" tIns="0" rIns="0" bIns="0" rtlCol="0"/>
           <a:lstStyle/>
-          <a:p/>
+          <a:p>
+            <a:endParaRPr/>
+          </a:p>
         </p:txBody>
       </p:sp>
       <p:sp>
@@ -4713,7 +5488,9 @@
         <p:txBody>
           <a:bodyPr wrap="square" lIns="0" tIns="0" rIns="0" bIns="0" rtlCol="0"/>
           <a:lstStyle/>
-          <a:p/>
+          <a:p>
+            <a:endParaRPr/>
+          </a:p>
         </p:txBody>
       </p:sp>
       <p:sp>
@@ -4761,7 +5538,9 @@
         <p:txBody>
           <a:bodyPr wrap="square" lIns="0" tIns="0" rIns="0" bIns="0" rtlCol="0"/>
           <a:lstStyle/>
-          <a:p/>
+          <a:p>
+            <a:endParaRPr/>
+          </a:p>
         </p:txBody>
       </p:sp>
       <p:sp>
@@ -4809,7 +5588,9 @@
         <p:txBody>
           <a:bodyPr wrap="square" lIns="0" tIns="0" rIns="0" bIns="0" rtlCol="0"/>
           <a:lstStyle/>
-          <a:p/>
+          <a:p>
+            <a:endParaRPr/>
+          </a:p>
         </p:txBody>
       </p:sp>
     </p:spTree>
@@ -4820,7 +5601,7 @@
 </p:sld>
 </file>
 
-<file path=ppt/slides/slide11.xml><?xml version="1.0" encoding="utf-8"?>
+<file path=ppt/slides/slide12.xml><?xml version="1.0" encoding="utf-8"?>
 <p:sld xmlns:a="http://schemas.openxmlformats.org/drawingml/2006/main" xmlns:r="http://schemas.openxmlformats.org/officeDocument/2006/relationships" xmlns:p="http://schemas.openxmlformats.org/presentationml/2006/main" showMasterSp="0">
   <p:cSld>
     <p:spTree>
@@ -4882,7 +5663,9 @@
         <p:txBody>
           <a:bodyPr wrap="square" lIns="0" tIns="0" rIns="0" bIns="0" rtlCol="0"/>
           <a:lstStyle/>
-          <a:p/>
+          <a:p>
+            <a:endParaRPr/>
+          </a:p>
         </p:txBody>
       </p:sp>
       <p:sp>
@@ -4930,7 +5713,9 @@
         <p:txBody>
           <a:bodyPr wrap="square" lIns="0" tIns="0" rIns="0" bIns="0" rtlCol="0"/>
           <a:lstStyle/>
-          <a:p/>
+          <a:p>
+            <a:endParaRPr/>
+          </a:p>
         </p:txBody>
       </p:sp>
       <p:sp>
@@ -4957,7 +5742,9 @@
         <p:txBody>
           <a:bodyPr wrap="square" lIns="0" tIns="0" rIns="0" bIns="0" rtlCol="0"/>
           <a:lstStyle/>
-          <a:p/>
+          <a:p>
+            <a:endParaRPr/>
+          </a:p>
         </p:txBody>
       </p:sp>
       <p:sp>
@@ -4976,7 +5763,7 @@
           </a:prstGeom>
         </p:spPr>
         <p:txBody>
-          <a:bodyPr wrap="square" lIns="0" tIns="12700" rIns="0" bIns="0" rtlCol="0" vert="horz">
+          <a:bodyPr vert="horz" wrap="square" lIns="0" tIns="12700" rIns="0" bIns="0" rtlCol="0">
             <a:spAutoFit/>
           </a:bodyPr>
           <a:lstStyle/>
@@ -4990,7 +5777,7 @@
               </a:spcBef>
             </a:pPr>
             <a:r>
-              <a:rPr dirty="0" sz="3600" spc="-660">
+              <a:rPr sz="3600" spc="-660" dirty="0">
                 <a:solidFill>
                   <a:srgbClr val="FFFFFF"/>
                 </a:solidFill>
@@ -5000,7 +5787,7 @@
               <a:t>SELECT </a:t>
             </a:r>
             <a:r>
-              <a:rPr dirty="0" sz="3600" spc="-525">
+              <a:rPr sz="3600" spc="-525" dirty="0">
                 <a:solidFill>
                   <a:srgbClr val="FFFFFF"/>
                 </a:solidFill>
@@ -5010,7 +5797,7 @@
               <a:t>THE</a:t>
             </a:r>
             <a:r>
-              <a:rPr dirty="0" sz="3600" spc="-330">
+              <a:rPr sz="3600" spc="-330" dirty="0">
                 <a:solidFill>
                   <a:srgbClr val="FFFFFF"/>
                 </a:solidFill>
@@ -5020,7 +5807,7 @@
               <a:t> </a:t>
             </a:r>
             <a:r>
-              <a:rPr dirty="0" sz="3600" spc="-400">
+              <a:rPr sz="3600" spc="-400" dirty="0">
                 <a:solidFill>
                   <a:srgbClr val="FFFFFF"/>
                 </a:solidFill>
@@ -5044,7 +5831,7 @@
 </p:sld>
 </file>
 
-<file path=ppt/slides/slide12.xml><?xml version="1.0" encoding="utf-8"?>
+<file path=ppt/slides/slide13.xml><?xml version="1.0" encoding="utf-8"?>
 <p:sld xmlns:a="http://schemas.openxmlformats.org/drawingml/2006/main" xmlns:r="http://schemas.openxmlformats.org/officeDocument/2006/relationships" xmlns:p="http://schemas.openxmlformats.org/presentationml/2006/main">
   <p:cSld>
     <p:spTree>
@@ -5130,7 +5917,9 @@
         <p:txBody>
           <a:bodyPr wrap="square" lIns="0" tIns="0" rIns="0" bIns="0" rtlCol="0"/>
           <a:lstStyle/>
-          <a:p/>
+          <a:p>
+            <a:endParaRPr/>
+          </a:p>
         </p:txBody>
       </p:sp>
       <p:sp>
@@ -5144,10 +5933,12 @@
           </p:nvPr>
         </p:nvSpPr>
         <p:spPr>
-          <a:prstGeom prst="rect"/>
+          <a:prstGeom prst="rect">
+            <a:avLst/>
+          </a:prstGeom>
         </p:spPr>
         <p:txBody>
-          <a:bodyPr wrap="square" lIns="0" tIns="634187" rIns="0" bIns="0" rtlCol="0" vert="horz">
+          <a:bodyPr vert="horz" wrap="square" lIns="0" tIns="634187" rIns="0" bIns="0" rtlCol="0">
             <a:spAutoFit/>
           </a:bodyPr>
           <a:lstStyle/>
@@ -5164,15 +5955,15 @@
               </a:tabLst>
             </a:pPr>
             <a:r>
-              <a:rPr dirty="0" spc="-700"/>
+              <a:rPr spc="-700" dirty="0"/>
               <a:t>FUTURE</a:t>
             </a:r>
             <a:r>
-              <a:rPr dirty="0" spc="-434"/>
+              <a:rPr spc="-434" dirty="0"/>
               <a:t> </a:t>
             </a:r>
             <a:r>
-              <a:rPr dirty="0" spc="-610"/>
+              <a:rPr spc="-610" dirty="0"/>
               <a:t>ENHANCEMENT	</a:t>
             </a:r>
           </a:p>
@@ -5189,10 +5980,12 @@
           </p:nvPr>
         </p:nvSpPr>
         <p:spPr>
-          <a:prstGeom prst="rect"/>
+          <a:prstGeom prst="rect">
+            <a:avLst/>
+          </a:prstGeom>
         </p:spPr>
         <p:txBody>
-          <a:bodyPr wrap="square" lIns="0" tIns="47625" rIns="0" bIns="0" rtlCol="0" vert="horz">
+          <a:bodyPr vert="horz" wrap="square" lIns="0" tIns="47625" rIns="0" bIns="0" rtlCol="0">
             <a:spAutoFit/>
           </a:bodyPr>
           <a:lstStyle/>
@@ -5215,79 +6008,79 @@
               </a:tabLst>
             </a:pPr>
             <a:r>
-              <a:rPr dirty="0" spc="-120"/>
+              <a:rPr spc="-120" dirty="0"/>
               <a:t>Enhancing</a:t>
             </a:r>
             <a:r>
-              <a:rPr dirty="0" spc="-140"/>
+              <a:rPr spc="-140" dirty="0"/>
               <a:t> </a:t>
             </a:r>
             <a:r>
-              <a:rPr dirty="0" spc="-20"/>
+              <a:rPr spc="-20" dirty="0"/>
               <a:t>the</a:t>
             </a:r>
             <a:r>
-              <a:rPr dirty="0" spc="-100"/>
+              <a:rPr spc="-100" dirty="0"/>
               <a:t> </a:t>
             </a:r>
             <a:r>
-              <a:rPr dirty="0" spc="-25"/>
+              <a:rPr spc="-25" dirty="0"/>
               <a:t>portal</a:t>
             </a:r>
             <a:r>
-              <a:rPr dirty="0" spc="-100"/>
+              <a:rPr spc="-100" dirty="0"/>
               <a:t> </a:t>
             </a:r>
             <a:r>
-              <a:rPr dirty="0" spc="15"/>
+              <a:rPr spc="15" dirty="0"/>
               <a:t>to</a:t>
             </a:r>
             <a:r>
-              <a:rPr dirty="0" spc="-110"/>
+              <a:rPr spc="-110" dirty="0"/>
               <a:t> </a:t>
             </a:r>
             <a:r>
-              <a:rPr dirty="0" spc="-55"/>
+              <a:rPr spc="-55" dirty="0"/>
               <a:t>incorporate</a:t>
             </a:r>
             <a:r>
-              <a:rPr dirty="0" spc="-100"/>
+              <a:rPr spc="-100" dirty="0"/>
               <a:t> </a:t>
             </a:r>
             <a:r>
-              <a:rPr dirty="0" spc="-65"/>
+              <a:rPr spc="-65" dirty="0"/>
               <a:t>higher</a:t>
             </a:r>
             <a:r>
-              <a:rPr dirty="0" spc="-110"/>
+              <a:rPr spc="-110" dirty="0"/>
               <a:t> </a:t>
             </a:r>
             <a:r>
-              <a:rPr dirty="0" spc="-45"/>
+              <a:rPr spc="-45" dirty="0"/>
               <a:t>order</a:t>
             </a:r>
             <a:r>
-              <a:rPr dirty="0" spc="-110"/>
+              <a:rPr spc="-110" dirty="0"/>
               <a:t> </a:t>
             </a:r>
             <a:r>
-              <a:rPr dirty="0" spc="-60"/>
+              <a:rPr spc="-60" dirty="0"/>
               <a:t>algorithms  </a:t>
             </a:r>
             <a:r>
-              <a:rPr dirty="0" spc="-75"/>
+              <a:rPr spc="-75" dirty="0"/>
               <a:t>(Hashing/ </a:t>
             </a:r>
             <a:r>
-              <a:rPr dirty="0" spc="-110"/>
+              <a:rPr spc="-110" dirty="0"/>
               <a:t>Dynamic</a:t>
             </a:r>
             <a:r>
-              <a:rPr dirty="0" spc="-160"/>
+              <a:rPr spc="-160" dirty="0"/>
               <a:t> </a:t>
             </a:r>
             <a:r>
-              <a:rPr dirty="0" spc="-120"/>
+              <a:rPr spc="-120" dirty="0"/>
               <a:t>Hashing)</a:t>
             </a:r>
           </a:p>
@@ -5310,27 +6103,27 @@
               </a:tabLst>
             </a:pPr>
             <a:r>
-              <a:rPr dirty="0" spc="-135"/>
+              <a:rPr spc="-135" dirty="0"/>
               <a:t>Scaling </a:t>
             </a:r>
             <a:r>
-              <a:rPr dirty="0" spc="-20"/>
+              <a:rPr spc="-20" dirty="0"/>
               <a:t>the </a:t>
             </a:r>
             <a:r>
-              <a:rPr dirty="0" spc="-25"/>
+              <a:rPr spc="-25" dirty="0"/>
               <a:t>portal </a:t>
             </a:r>
             <a:r>
-              <a:rPr dirty="0" spc="10"/>
+              <a:rPr spc="10" dirty="0"/>
               <a:t>with</a:t>
             </a:r>
             <a:r>
-              <a:rPr dirty="0" spc="-260"/>
+              <a:rPr spc="-260" dirty="0"/>
               <a:t> </a:t>
             </a:r>
             <a:r>
-              <a:rPr dirty="0" spc="-140"/>
+              <a:rPr spc="-140" dirty="0"/>
               <a:t>GUI.</a:t>
             </a:r>
           </a:p>
@@ -5353,47 +6146,47 @@
               </a:tabLst>
             </a:pPr>
             <a:r>
-              <a:rPr dirty="0" spc="-85"/>
+              <a:rPr spc="-85" dirty="0"/>
               <a:t>Storing </a:t>
             </a:r>
             <a:r>
-              <a:rPr dirty="0" spc="-20"/>
+              <a:rPr spc="-20" dirty="0"/>
               <a:t>the </a:t>
             </a:r>
             <a:r>
-              <a:rPr dirty="0" spc="-75"/>
+              <a:rPr spc="-75" dirty="0"/>
               <a:t>data </a:t>
             </a:r>
             <a:r>
-              <a:rPr dirty="0" spc="-114"/>
+              <a:rPr spc="-114" dirty="0"/>
               <a:t>sets </a:t>
             </a:r>
             <a:r>
-              <a:rPr dirty="0" spc="-40"/>
+              <a:rPr spc="-40" dirty="0"/>
               <a:t>directly </a:t>
             </a:r>
             <a:r>
-              <a:rPr dirty="0" spc="-10"/>
+              <a:rPr spc="-10" dirty="0"/>
               <a:t>into </a:t>
             </a:r>
             <a:r>
-              <a:rPr dirty="0" spc="-65"/>
+              <a:rPr spc="-65" dirty="0"/>
               <a:t>cloud </a:t>
             </a:r>
             <a:r>
-              <a:rPr dirty="0" spc="-60"/>
+              <a:rPr spc="-60" dirty="0"/>
               <a:t>providing</a:t>
             </a:r>
             <a:r>
-              <a:rPr dirty="0" spc="-415"/>
+              <a:rPr spc="-415" dirty="0"/>
               <a:t> </a:t>
             </a:r>
             <a:r>
-              <a:rPr dirty="0" spc="-75"/>
+              <a:rPr spc="-75" dirty="0"/>
               <a:t>centralized  </a:t>
             </a:r>
             <a:r>
-              <a:rPr dirty="0" spc="-55"/>
+              <a:rPr spc="-55" dirty="0"/>
               <a:t>availability</a:t>
             </a:r>
           </a:p>
@@ -5407,7 +6200,7 @@
 </p:sld>
 </file>
 
-<file path=ppt/slides/slide13.xml><?xml version="1.0" encoding="utf-8"?>
+<file path=ppt/slides/slide14.xml><?xml version="1.0" encoding="utf-8"?>
 <p:sld xmlns:a="http://schemas.openxmlformats.org/drawingml/2006/main" xmlns:r="http://schemas.openxmlformats.org/officeDocument/2006/relationships" xmlns:p="http://schemas.openxmlformats.org/presentationml/2006/main" showMasterSp="0">
   <p:cSld>
     <p:spTree>
@@ -5471,7 +6264,9 @@
         <p:txBody>
           <a:bodyPr wrap="square" lIns="0" tIns="0" rIns="0" bIns="0" rtlCol="0"/>
           <a:lstStyle/>
-          <a:p/>
+          <a:p>
+            <a:endParaRPr/>
+          </a:p>
         </p:txBody>
       </p:sp>
       <p:sp>
@@ -5498,7 +6293,9 @@
         <p:txBody>
           <a:bodyPr wrap="square" lIns="0" tIns="0" rIns="0" bIns="0" rtlCol="0"/>
           <a:lstStyle/>
-          <a:p/>
+          <a:p>
+            <a:endParaRPr/>
+          </a:p>
         </p:txBody>
       </p:sp>
       <p:sp>
@@ -5546,7 +6343,9 @@
         <p:txBody>
           <a:bodyPr wrap="square" lIns="0" tIns="0" rIns="0" bIns="0" rtlCol="0"/>
           <a:lstStyle/>
-          <a:p/>
+          <a:p>
+            <a:endParaRPr/>
+          </a:p>
         </p:txBody>
       </p:sp>
       <p:sp>
@@ -5564,7 +6363,7 @@
             <a:avLst/>
           </a:prstGeom>
           <a:blipFill>
-            <a:blip r:embed="rId3" cstate="print"/>
+            <a:blip r:embed="rId2" cstate="print"/>
             <a:stretch>
               <a:fillRect/>
             </a:stretch>
@@ -5573,7 +6372,9 @@
         <p:txBody>
           <a:bodyPr wrap="square" lIns="0" tIns="0" rIns="0" bIns="0" rtlCol="0"/>
           <a:lstStyle/>
-          <a:p/>
+          <a:p>
+            <a:endParaRPr/>
+          </a:p>
         </p:txBody>
       </p:sp>
       <p:sp>
@@ -5621,7 +6422,9 @@
         <p:txBody>
           <a:bodyPr wrap="square" lIns="0" tIns="0" rIns="0" bIns="0" rtlCol="0"/>
           <a:lstStyle/>
-          <a:p/>
+          <a:p>
+            <a:endParaRPr/>
+          </a:p>
         </p:txBody>
       </p:sp>
       <p:sp>
@@ -5639,7 +6442,7 @@
             <a:avLst/>
           </a:prstGeom>
           <a:blipFill>
-            <a:blip r:embed="rId4" cstate="print"/>
+            <a:blip r:embed="rId2" cstate="print"/>
             <a:stretch>
               <a:fillRect/>
             </a:stretch>
@@ -5648,7 +6451,9 @@
         <p:txBody>
           <a:bodyPr wrap="square" lIns="0" tIns="0" rIns="0" bIns="0" rtlCol="0"/>
           <a:lstStyle/>
-          <a:p/>
+          <a:p>
+            <a:endParaRPr/>
+          </a:p>
         </p:txBody>
       </p:sp>
       <p:sp>
@@ -5696,7 +6501,9 @@
         <p:txBody>
           <a:bodyPr wrap="square" lIns="0" tIns="0" rIns="0" bIns="0" rtlCol="0"/>
           <a:lstStyle/>
-          <a:p/>
+          <a:p>
+            <a:endParaRPr/>
+          </a:p>
         </p:txBody>
       </p:sp>
       <p:sp>
@@ -5709,6 +6516,64 @@
           <a:xfrm>
             <a:off x="8343900" y="1746504"/>
             <a:ext cx="2880359" cy="3290316"/>
+          </a:xfrm>
+          <a:prstGeom prst="rect">
+            <a:avLst/>
+          </a:prstGeom>
+          <a:blipFill>
+            <a:blip r:embed="rId3" cstate="print"/>
+            <a:stretch>
+              <a:fillRect/>
+            </a:stretch>
+          </a:blipFill>
+        </p:spPr>
+        <p:txBody>
+          <a:bodyPr wrap="square" lIns="0" tIns="0" rIns="0" bIns="0" rtlCol="0"/>
+          <a:lstStyle/>
+          <a:p>
+            <a:endParaRPr/>
+          </a:p>
+        </p:txBody>
+      </p:sp>
+      <p:sp>
+        <p:nvSpPr>
+          <p:cNvPr id="10" name="object 10"/>
+          <p:cNvSpPr/>
+          <p:nvPr/>
+        </p:nvSpPr>
+        <p:spPr>
+          <a:xfrm>
+            <a:off x="4648200" y="1746504"/>
+            <a:ext cx="2880359" cy="3366516"/>
+          </a:xfrm>
+          <a:prstGeom prst="rect">
+            <a:avLst/>
+          </a:prstGeom>
+          <a:blipFill>
+            <a:blip r:embed="rId4" cstate="print"/>
+            <a:stretch>
+              <a:fillRect/>
+            </a:stretch>
+          </a:blipFill>
+        </p:spPr>
+        <p:txBody>
+          <a:bodyPr wrap="square" lIns="0" tIns="0" rIns="0" bIns="0" rtlCol="0"/>
+          <a:lstStyle/>
+          <a:p>
+            <a:endParaRPr/>
+          </a:p>
+        </p:txBody>
+      </p:sp>
+      <p:sp>
+        <p:nvSpPr>
+          <p:cNvPr id="11" name="object 11"/>
+          <p:cNvSpPr/>
+          <p:nvPr/>
+        </p:nvSpPr>
+        <p:spPr>
+          <a:xfrm>
+            <a:off x="964691" y="1821179"/>
+            <a:ext cx="2878836" cy="3215640"/>
           </a:xfrm>
           <a:prstGeom prst="rect">
             <a:avLst/>
@@ -5723,19 +6588,21 @@
         <p:txBody>
           <a:bodyPr wrap="square" lIns="0" tIns="0" rIns="0" bIns="0" rtlCol="0"/>
           <a:lstStyle/>
-          <a:p/>
-        </p:txBody>
-      </p:sp>
-      <p:sp>
-        <p:nvSpPr>
-          <p:cNvPr id="10" name="object 10"/>
+          <a:p>
+            <a:endParaRPr/>
+          </a:p>
+        </p:txBody>
+      </p:sp>
+      <p:sp>
+        <p:nvSpPr>
+          <p:cNvPr id="12" name="object 12"/>
           <p:cNvSpPr/>
           <p:nvPr/>
         </p:nvSpPr>
         <p:spPr>
           <a:xfrm>
-            <a:off x="4648200" y="1746504"/>
-            <a:ext cx="2880359" cy="3366516"/>
+            <a:off x="804672" y="4572000"/>
+            <a:ext cx="464820" cy="464819"/>
           </a:xfrm>
           <a:prstGeom prst="rect">
             <a:avLst/>
@@ -5750,61 +6617,9 @@
         <p:txBody>
           <a:bodyPr wrap="square" lIns="0" tIns="0" rIns="0" bIns="0" rtlCol="0"/>
           <a:lstStyle/>
-          <a:p/>
-        </p:txBody>
-      </p:sp>
-      <p:sp>
-        <p:nvSpPr>
-          <p:cNvPr id="11" name="object 11"/>
-          <p:cNvSpPr/>
-          <p:nvPr/>
-        </p:nvSpPr>
-        <p:spPr>
-          <a:xfrm>
-            <a:off x="964691" y="1821179"/>
-            <a:ext cx="2878836" cy="3215640"/>
-          </a:xfrm>
-          <a:prstGeom prst="rect">
-            <a:avLst/>
-          </a:prstGeom>
-          <a:blipFill>
-            <a:blip r:embed="rId7" cstate="print"/>
-            <a:stretch>
-              <a:fillRect/>
-            </a:stretch>
-          </a:blipFill>
-        </p:spPr>
-        <p:txBody>
-          <a:bodyPr wrap="square" lIns="0" tIns="0" rIns="0" bIns="0" rtlCol="0"/>
-          <a:lstStyle/>
-          <a:p/>
-        </p:txBody>
-      </p:sp>
-      <p:sp>
-        <p:nvSpPr>
-          <p:cNvPr id="12" name="object 12"/>
-          <p:cNvSpPr/>
-          <p:nvPr/>
-        </p:nvSpPr>
-        <p:spPr>
-          <a:xfrm>
-            <a:off x="804672" y="4572000"/>
-            <a:ext cx="464820" cy="464819"/>
-          </a:xfrm>
-          <a:prstGeom prst="rect">
-            <a:avLst/>
-          </a:prstGeom>
-          <a:blipFill>
-            <a:blip r:embed="rId8" cstate="print"/>
-            <a:stretch>
-              <a:fillRect/>
-            </a:stretch>
-          </a:blipFill>
-        </p:spPr>
-        <p:txBody>
-          <a:bodyPr wrap="square" lIns="0" tIns="0" rIns="0" bIns="0" rtlCol="0"/>
-          <a:lstStyle/>
-          <a:p/>
+          <a:p>
+            <a:endParaRPr/>
+          </a:p>
         </p:txBody>
       </p:sp>
       <p:sp>
@@ -5822,7 +6637,7 @@
             <a:avLst/>
           </a:prstGeom>
           <a:blipFill>
-            <a:blip r:embed="rId9" cstate="print"/>
+            <a:blip r:embed="rId6" cstate="print"/>
             <a:stretch>
               <a:fillRect/>
             </a:stretch>
@@ -5831,7 +6646,9 @@
         <p:txBody>
           <a:bodyPr wrap="square" lIns="0" tIns="0" rIns="0" bIns="0" rtlCol="0"/>
           <a:lstStyle/>
-          <a:p/>
+          <a:p>
+            <a:endParaRPr/>
+          </a:p>
         </p:txBody>
       </p:sp>
       <p:sp>
@@ -5849,7 +6666,7 @@
             <a:avLst/>
           </a:prstGeom>
           <a:blipFill>
-            <a:blip r:embed="rId10" cstate="print"/>
+            <a:blip r:embed="rId6" cstate="print"/>
             <a:stretch>
               <a:fillRect/>
             </a:stretch>
@@ -5858,7 +6675,9 @@
         <p:txBody>
           <a:bodyPr wrap="square" lIns="0" tIns="0" rIns="0" bIns="0" rtlCol="0"/>
           <a:lstStyle/>
-          <a:p/>
+          <a:p>
+            <a:endParaRPr/>
+          </a:p>
         </p:txBody>
       </p:sp>
     </p:spTree>
@@ -5869,7 +6688,7 @@
 </p:sld>
 </file>
 
-<file path=ppt/slides/slide14.xml><?xml version="1.0" encoding="utf-8"?>
+<file path=ppt/slides/slide15.xml><?xml version="1.0" encoding="utf-8"?>
 <p:sld xmlns:a="http://schemas.openxmlformats.org/drawingml/2006/main" xmlns:r="http://schemas.openxmlformats.org/officeDocument/2006/relationships" xmlns:p="http://schemas.openxmlformats.org/presentationml/2006/main">
   <p:cSld>
     <p:spTree>
@@ -5904,7 +6723,7 @@
             <a:cxnLst/>
             <a:rect l="l" t="t" r="r" b="b"/>
             <a:pathLst>
-              <a:path w="9966960" h="0">
+              <a:path w="9966960">
                 <a:moveTo>
                   <a:pt x="0" y="0"/>
                 </a:moveTo>
@@ -5923,7 +6742,9 @@
         <p:txBody>
           <a:bodyPr wrap="square" lIns="0" tIns="0" rIns="0" bIns="0" rtlCol="0"/>
           <a:lstStyle/>
-          <a:p/>
+          <a:p>
+            <a:endParaRPr/>
+          </a:p>
         </p:txBody>
       </p:sp>
       <p:sp>
@@ -5941,10 +6762,12 @@
             <a:off x="3712590" y="1708226"/>
             <a:ext cx="4077970" cy="1031875"/>
           </a:xfrm>
-          <a:prstGeom prst="rect"/>
+          <a:prstGeom prst="rect">
+            <a:avLst/>
+          </a:prstGeom>
         </p:spPr>
         <p:txBody>
-          <a:bodyPr wrap="square" lIns="0" tIns="12700" rIns="0" bIns="0" rtlCol="0" vert="horz">
+          <a:bodyPr vert="horz" wrap="square" lIns="0" tIns="12700" rIns="0" bIns="0" rtlCol="0">
             <a:spAutoFit/>
           </a:bodyPr>
           <a:lstStyle/>
@@ -5958,15 +6781,15 @@
               </a:spcBef>
             </a:pPr>
             <a:r>
-              <a:rPr dirty="0" u="none" sz="6600" spc="-710"/>
+              <a:rPr sz="6600" u="none" spc="-710" dirty="0"/>
               <a:t>THANK</a:t>
             </a:r>
             <a:r>
-              <a:rPr dirty="0" u="none" sz="6600" spc="-434"/>
+              <a:rPr sz="6600" u="none" spc="-434" dirty="0"/>
               <a:t> </a:t>
             </a:r>
             <a:r>
-              <a:rPr dirty="0" u="none" sz="6600" spc="-910"/>
+              <a:rPr sz="6600" u="none" spc="-910" dirty="0"/>
               <a:t>YOU</a:t>
             </a:r>
             <a:endParaRPr sz="6600"/>
@@ -6045,7 +6868,9 @@
         <p:txBody>
           <a:bodyPr wrap="square" lIns="0" tIns="0" rIns="0" bIns="0" rtlCol="0"/>
           <a:lstStyle/>
-          <a:p/>
+          <a:p>
+            <a:endParaRPr/>
+          </a:p>
         </p:txBody>
       </p:sp>
       <p:sp>
@@ -6095,7 +6920,9 @@
         <p:txBody>
           <a:bodyPr wrap="square" lIns="0" tIns="0" rIns="0" bIns="0" rtlCol="0"/>
           <a:lstStyle/>
-          <a:p/>
+          <a:p>
+            <a:endParaRPr/>
+          </a:p>
         </p:txBody>
       </p:sp>
       <p:sp>
@@ -6122,7 +6949,9 @@
         <p:txBody>
           <a:bodyPr wrap="square" lIns="0" tIns="0" rIns="0" bIns="0" rtlCol="0"/>
           <a:lstStyle/>
-          <a:p/>
+          <a:p>
+            <a:endParaRPr/>
+          </a:p>
         </p:txBody>
       </p:sp>
       <p:sp>
@@ -6388,7 +7217,9 @@
         <p:txBody>
           <a:bodyPr wrap="square" lIns="0" tIns="0" rIns="0" bIns="0" rtlCol="0"/>
           <a:lstStyle/>
-          <a:p/>
+          <a:p>
+            <a:endParaRPr/>
+          </a:p>
         </p:txBody>
       </p:sp>
       <p:sp>
@@ -6407,7 +7238,7 @@
           </a:prstGeom>
         </p:spPr>
         <p:txBody>
-          <a:bodyPr wrap="square" lIns="0" tIns="12700" rIns="0" bIns="0" rtlCol="0" vert="horz">
+          <a:bodyPr vert="horz" wrap="square" lIns="0" tIns="12700" rIns="0" bIns="0" rtlCol="0">
             <a:spAutoFit/>
           </a:bodyPr>
           <a:lstStyle/>
@@ -6421,7 +7252,7 @@
               </a:spcBef>
             </a:pPr>
             <a:r>
-              <a:rPr dirty="0" sz="4800" spc="-240">
+              <a:rPr sz="4800" spc="-240" dirty="0">
                 <a:latin typeface="Arial"/>
                 <a:cs typeface="Arial"/>
               </a:rPr>
@@ -6442,35 +7273,35 @@
               </a:spcBef>
             </a:pPr>
             <a:r>
-              <a:rPr dirty="0" sz="2600" spc="-310">
+              <a:rPr sz="2600" spc="-310" dirty="0">
                 <a:latin typeface="Arial"/>
                 <a:cs typeface="Arial"/>
               </a:rPr>
               <a:t>To </a:t>
             </a:r>
             <a:r>
-              <a:rPr dirty="0" sz="2600" spc="-45">
+              <a:rPr sz="2600" spc="-45" dirty="0">
                 <a:latin typeface="Arial"/>
                 <a:cs typeface="Arial"/>
               </a:rPr>
               <a:t>build </a:t>
             </a:r>
             <a:r>
-              <a:rPr dirty="0" sz="2600" spc="-200">
+              <a:rPr sz="2600" spc="-200" dirty="0">
                 <a:latin typeface="Arial"/>
                 <a:cs typeface="Arial"/>
               </a:rPr>
               <a:t>a </a:t>
             </a:r>
             <a:r>
-              <a:rPr dirty="0" sz="2600" spc="-80">
+              <a:rPr sz="2600" spc="-80" dirty="0">
                 <a:latin typeface="Arial"/>
                 <a:cs typeface="Arial"/>
               </a:rPr>
               <a:t>unique  collaborative  </a:t>
             </a:r>
             <a:r>
-              <a:rPr dirty="0" sz="2600" spc="-35">
+              <a:rPr sz="2600" spc="-35" dirty="0">
                 <a:latin typeface="Arial"/>
                 <a:cs typeface="Arial"/>
               </a:rPr>
@@ -6507,7 +7338,9 @@
         <p:txBody>
           <a:bodyPr wrap="square" lIns="0" tIns="0" rIns="0" bIns="0" rtlCol="0"/>
           <a:lstStyle/>
-          <a:p/>
+          <a:p>
+            <a:endParaRPr/>
+          </a:p>
         </p:txBody>
       </p:sp>
       <p:sp>
@@ -6557,7 +7390,9 @@
         <p:txBody>
           <a:bodyPr wrap="square" lIns="0" tIns="0" rIns="0" bIns="0" rtlCol="0"/>
           <a:lstStyle/>
-          <a:p/>
+          <a:p>
+            <a:endParaRPr/>
+          </a:p>
         </p:txBody>
       </p:sp>
       <p:sp>
@@ -6607,7 +7442,9 @@
         <p:txBody>
           <a:bodyPr wrap="square" lIns="0" tIns="0" rIns="0" bIns="0" rtlCol="0"/>
           <a:lstStyle/>
-          <a:p/>
+          <a:p>
+            <a:endParaRPr/>
+          </a:p>
         </p:txBody>
       </p:sp>
       <p:sp>
@@ -6657,7 +7494,9 @@
         <p:txBody>
           <a:bodyPr wrap="square" lIns="0" tIns="0" rIns="0" bIns="0" rtlCol="0"/>
           <a:lstStyle/>
-          <a:p/>
+          <a:p>
+            <a:endParaRPr/>
+          </a:p>
         </p:txBody>
       </p:sp>
       <p:sp>
@@ -6684,7 +7523,9 @@
         <p:txBody>
           <a:bodyPr wrap="square" lIns="0" tIns="0" rIns="0" bIns="0" rtlCol="0"/>
           <a:lstStyle/>
-          <a:p/>
+          <a:p>
+            <a:endParaRPr/>
+          </a:p>
         </p:txBody>
       </p:sp>
       <p:sp>
@@ -6950,7 +7791,9 @@
         <p:txBody>
           <a:bodyPr wrap="square" lIns="0" tIns="0" rIns="0" bIns="0" rtlCol="0"/>
           <a:lstStyle/>
-          <a:p/>
+          <a:p>
+            <a:endParaRPr/>
+          </a:p>
         </p:txBody>
       </p:sp>
       <p:sp>
@@ -6969,12 +7812,12 @@
           </a:prstGeom>
         </p:spPr>
         <p:txBody>
-          <a:bodyPr wrap="square" lIns="0" tIns="12700" rIns="0" bIns="0" rtlCol="0" vert="horz">
+          <a:bodyPr vert="horz" wrap="square" lIns="0" tIns="12700" rIns="0" bIns="0" rtlCol="0">
             <a:spAutoFit/>
           </a:bodyPr>
           <a:lstStyle/>
           <a:p>
-            <a:pPr algn="ctr" marL="1270">
+            <a:pPr marL="1270" algn="ctr">
               <a:lnSpc>
                 <a:spcPct val="100000"/>
               </a:lnSpc>
@@ -6983,7 +7826,7 @@
               </a:spcBef>
             </a:pPr>
             <a:r>
-              <a:rPr dirty="0" sz="4800" spc="-240">
+              <a:rPr sz="4800" spc="-240" dirty="0">
                 <a:latin typeface="Arial"/>
                 <a:cs typeface="Arial"/>
               </a:rPr>
@@ -7004,7 +7847,7 @@
               </a:spcBef>
             </a:pPr>
             <a:r>
-              <a:rPr dirty="0" sz="2600" spc="-125">
+              <a:rPr sz="2600" spc="-125" dirty="0">
                 <a:latin typeface="Arial"/>
                 <a:cs typeface="Arial"/>
               </a:rPr>
@@ -7041,7 +7884,9 @@
         <p:txBody>
           <a:bodyPr wrap="square" lIns="0" tIns="0" rIns="0" bIns="0" rtlCol="0"/>
           <a:lstStyle/>
-          <a:p/>
+          <a:p>
+            <a:endParaRPr/>
+          </a:p>
         </p:txBody>
       </p:sp>
       <p:sp>
@@ -7091,7 +7936,9 @@
         <p:txBody>
           <a:bodyPr wrap="square" lIns="0" tIns="0" rIns="0" bIns="0" rtlCol="0"/>
           <a:lstStyle/>
-          <a:p/>
+          <a:p>
+            <a:endParaRPr/>
+          </a:p>
         </p:txBody>
       </p:sp>
       <p:sp>
@@ -7141,7 +7988,9 @@
         <p:txBody>
           <a:bodyPr wrap="square" lIns="0" tIns="0" rIns="0" bIns="0" rtlCol="0"/>
           <a:lstStyle/>
-          <a:p/>
+          <a:p>
+            <a:endParaRPr/>
+          </a:p>
         </p:txBody>
       </p:sp>
       <p:sp>
@@ -7191,7 +8040,9 @@
         <p:txBody>
           <a:bodyPr wrap="square" lIns="0" tIns="0" rIns="0" bIns="0" rtlCol="0"/>
           <a:lstStyle/>
-          <a:p/>
+          <a:p>
+            <a:endParaRPr/>
+          </a:p>
         </p:txBody>
       </p:sp>
       <p:sp>
@@ -7218,7 +8069,9 @@
         <p:txBody>
           <a:bodyPr wrap="square" lIns="0" tIns="0" rIns="0" bIns="0" rtlCol="0"/>
           <a:lstStyle/>
-          <a:p/>
+          <a:p>
+            <a:endParaRPr/>
+          </a:p>
         </p:txBody>
       </p:sp>
       <p:sp>
@@ -7484,7 +8337,9 @@
         <p:txBody>
           <a:bodyPr wrap="square" lIns="0" tIns="0" rIns="0" bIns="0" rtlCol="0"/>
           <a:lstStyle/>
-          <a:p/>
+          <a:p>
+            <a:endParaRPr/>
+          </a:p>
         </p:txBody>
       </p:sp>
       <p:sp>
@@ -7503,7 +8358,7 @@
           </a:prstGeom>
         </p:spPr>
         <p:txBody>
-          <a:bodyPr wrap="square" lIns="0" tIns="12700" rIns="0" bIns="0" rtlCol="0" vert="horz">
+          <a:bodyPr vert="horz" wrap="square" lIns="0" tIns="12700" rIns="0" bIns="0" rtlCol="0">
             <a:spAutoFit/>
           </a:bodyPr>
           <a:lstStyle/>
@@ -7517,7 +8372,7 @@
               </a:spcBef>
             </a:pPr>
             <a:r>
-              <a:rPr dirty="0" sz="4800" spc="-240">
+              <a:rPr sz="4800" spc="-240" dirty="0">
                 <a:latin typeface="Arial"/>
                 <a:cs typeface="Arial"/>
               </a:rPr>
@@ -7538,77 +8393,77 @@
               </a:spcBef>
             </a:pPr>
             <a:r>
-              <a:rPr dirty="0" sz="2600" spc="-195">
+              <a:rPr sz="2600" spc="-195" dirty="0">
                 <a:latin typeface="Arial"/>
                 <a:cs typeface="Arial"/>
               </a:rPr>
               <a:t>Reduce </a:t>
             </a:r>
             <a:r>
-              <a:rPr dirty="0" sz="2600" spc="-30">
+              <a:rPr sz="2600" spc="-30" dirty="0">
                 <a:latin typeface="Arial"/>
                 <a:cs typeface="Arial"/>
               </a:rPr>
               <a:t>the</a:t>
             </a:r>
             <a:r>
-              <a:rPr dirty="0" sz="2600" spc="-180">
+              <a:rPr sz="2600" spc="-180" dirty="0">
                 <a:latin typeface="Arial"/>
                 <a:cs typeface="Arial"/>
               </a:rPr>
               <a:t> </a:t>
             </a:r>
             <a:r>
-              <a:rPr dirty="0" sz="2600" spc="-90">
+              <a:rPr sz="2600" spc="-90" dirty="0">
                 <a:latin typeface="Arial"/>
                 <a:cs typeface="Arial"/>
               </a:rPr>
               <a:t>latency  </a:t>
             </a:r>
             <a:r>
-              <a:rPr dirty="0" sz="2600" spc="-120">
+              <a:rPr sz="2600" spc="-120" dirty="0">
                 <a:latin typeface="Arial"/>
                 <a:cs typeface="Arial"/>
               </a:rPr>
               <a:t>and </a:t>
             </a:r>
             <a:r>
-              <a:rPr dirty="0" sz="2600" spc="-55">
+              <a:rPr sz="2600" spc="-55" dirty="0">
                 <a:latin typeface="Arial"/>
                 <a:cs typeface="Arial"/>
               </a:rPr>
               <a:t>work </a:t>
             </a:r>
             <a:r>
-              <a:rPr dirty="0" sz="2600" spc="-85">
+              <a:rPr sz="2600" spc="-85" dirty="0">
                 <a:latin typeface="Arial"/>
                 <a:cs typeface="Arial"/>
               </a:rPr>
               <a:t>load  </a:t>
             </a:r>
             <a:r>
-              <a:rPr dirty="0" sz="2600" spc="-40">
+              <a:rPr sz="2600" spc="-40" dirty="0">
                 <a:latin typeface="Arial"/>
                 <a:cs typeface="Arial"/>
               </a:rPr>
               <a:t>while </a:t>
             </a:r>
             <a:r>
-              <a:rPr dirty="0" sz="2600" spc="-135">
+              <a:rPr sz="2600" spc="-135" dirty="0">
                 <a:latin typeface="Arial"/>
                 <a:cs typeface="Arial"/>
               </a:rPr>
               <a:t>searching </a:t>
             </a:r>
             <a:r>
-              <a:rPr dirty="0" sz="2600" spc="-140">
+              <a:rPr sz="2600" spc="-140" dirty="0">
                 <a:latin typeface="Arial"/>
                 <a:cs typeface="Arial"/>
               </a:rPr>
               <a:t>an  </a:t>
             </a:r>
             <a:r>
-              <a:rPr dirty="0" sz="2600" spc="-55">
+              <a:rPr sz="2600" spc="-55" dirty="0">
                 <a:latin typeface="Arial"/>
                 <a:cs typeface="Arial"/>
               </a:rPr>
@@ -7645,7 +8500,9 @@
         <p:txBody>
           <a:bodyPr wrap="square" lIns="0" tIns="0" rIns="0" bIns="0" rtlCol="0"/>
           <a:lstStyle/>
-          <a:p/>
+          <a:p>
+            <a:endParaRPr/>
+          </a:p>
         </p:txBody>
       </p:sp>
       <p:sp>
@@ -7695,7 +8552,9 @@
         <p:txBody>
           <a:bodyPr wrap="square" lIns="0" tIns="0" rIns="0" bIns="0" rtlCol="0"/>
           <a:lstStyle/>
-          <a:p/>
+          <a:p>
+            <a:endParaRPr/>
+          </a:p>
         </p:txBody>
       </p:sp>
       <p:sp>
@@ -7709,10 +8568,12 @@
           </p:nvPr>
         </p:nvSpPr>
         <p:spPr>
-          <a:prstGeom prst="rect"/>
+          <a:prstGeom prst="rect">
+            <a:avLst/>
+          </a:prstGeom>
         </p:spPr>
         <p:txBody>
-          <a:bodyPr wrap="square" lIns="0" tIns="634187" rIns="0" bIns="0" rtlCol="0" vert="horz">
+          <a:bodyPr vert="horz" wrap="square" lIns="0" tIns="634187" rIns="0" bIns="0" rtlCol="0">
             <a:spAutoFit/>
           </a:bodyPr>
           <a:lstStyle/>
@@ -7729,7 +8590,7 @@
               </a:tabLst>
             </a:pPr>
             <a:r>
-              <a:rPr dirty="0" spc="-755"/>
+              <a:rPr spc="-755" dirty="0"/>
               <a:t>OBJECTIVE	</a:t>
             </a:r>
           </a:p>
@@ -7771,10 +8632,12 @@
           </p:nvPr>
         </p:nvSpPr>
         <p:spPr>
-          <a:prstGeom prst="rect"/>
+          <a:prstGeom prst="rect">
+            <a:avLst/>
+          </a:prstGeom>
         </p:spPr>
         <p:txBody>
-          <a:bodyPr wrap="square" lIns="0" tIns="124460" rIns="0" bIns="0" rtlCol="0" vert="horz">
+          <a:bodyPr vert="horz" wrap="square" lIns="0" tIns="124460" rIns="0" bIns="0" rtlCol="0">
             <a:spAutoFit/>
           </a:bodyPr>
           <a:lstStyle/>
@@ -7791,43 +8654,43 @@
               </a:tabLst>
             </a:pPr>
             <a:r>
-              <a:rPr dirty="0" u="none" spc="-475"/>
+              <a:rPr u="none" spc="-475" dirty="0"/>
               <a:t>Languages </a:t>
             </a:r>
             <a:r>
-              <a:rPr dirty="0" u="none" spc="-310"/>
+              <a:rPr u="none" spc="-310" dirty="0"/>
               <a:t>and </a:t>
             </a:r>
             <a:r>
-              <a:rPr dirty="0" u="none" spc="-459"/>
+              <a:rPr u="none" spc="-459" dirty="0"/>
               <a:t>packages </a:t>
             </a:r>
             <a:r>
-              <a:rPr dirty="0" u="none" spc="-360"/>
+              <a:rPr u="none" spc="-360" dirty="0"/>
               <a:t>used </a:t>
             </a:r>
             <a:r>
-              <a:rPr dirty="0" u="none" spc="-190"/>
+              <a:rPr u="none" spc="-190" dirty="0"/>
               <a:t>while  </a:t>
             </a:r>
             <a:r>
-              <a:rPr dirty="0" spc="-235"/>
+              <a:rPr spc="-235" dirty="0"/>
               <a:t>implementing </a:t>
             </a:r>
             <a:r>
-              <a:rPr dirty="0" spc="-130"/>
+              <a:rPr spc="-130" dirty="0"/>
               <a:t>the </a:t>
             </a:r>
             <a:r>
-              <a:rPr dirty="0" spc="-165"/>
+              <a:rPr spc="-165" dirty="0"/>
               <a:t>platform</a:t>
             </a:r>
             <a:r>
-              <a:rPr dirty="0" spc="-1045"/>
+              <a:rPr spc="-1045" dirty="0"/>
               <a:t> </a:t>
             </a:r>
             <a:r>
-              <a:rPr dirty="0" spc="-160"/>
+              <a:rPr spc="-160" dirty="0"/>
               <a:t>.	</a:t>
             </a:r>
           </a:p>
@@ -7857,7 +8720,9 @@
         <p:txBody>
           <a:bodyPr wrap="square" lIns="0" tIns="0" rIns="0" bIns="0" rtlCol="0"/>
           <a:lstStyle/>
-          <a:p/>
+          <a:p>
+            <a:endParaRPr/>
+          </a:p>
         </p:txBody>
       </p:sp>
       <p:sp>
@@ -7884,7 +8749,9 @@
         <p:txBody>
           <a:bodyPr wrap="square" lIns="0" tIns="0" rIns="0" bIns="0" rtlCol="0"/>
           <a:lstStyle/>
-          <a:p/>
+          <a:p>
+            <a:endParaRPr/>
+          </a:p>
         </p:txBody>
       </p:sp>
       <p:sp>
@@ -8036,7 +8903,9 @@
         <p:txBody>
           <a:bodyPr wrap="square" lIns="0" tIns="0" rIns="0" bIns="0" rtlCol="0"/>
           <a:lstStyle/>
-          <a:p/>
+          <a:p>
+            <a:endParaRPr/>
+          </a:p>
         </p:txBody>
       </p:sp>
       <p:sp>
@@ -8188,7 +9057,9 @@
         <p:txBody>
           <a:bodyPr wrap="square" lIns="0" tIns="0" rIns="0" bIns="0" rtlCol="0"/>
           <a:lstStyle/>
-          <a:p/>
+          <a:p>
+            <a:endParaRPr/>
+          </a:p>
         </p:txBody>
       </p:sp>
       <p:sp>
@@ -8207,7 +9078,7 @@
           </a:prstGeom>
         </p:spPr>
         <p:txBody>
-          <a:bodyPr wrap="square" lIns="0" tIns="37465" rIns="0" bIns="0" rtlCol="0" vert="horz">
+          <a:bodyPr vert="horz" wrap="square" lIns="0" tIns="37465" rIns="0" bIns="0" rtlCol="0">
             <a:spAutoFit/>
           </a:bodyPr>
           <a:lstStyle/>
@@ -8225,21 +9096,21 @@
               </a:tabLst>
             </a:pPr>
             <a:r>
-              <a:rPr dirty="0" sz="2400" spc="-85">
+              <a:rPr sz="2400" spc="-85" dirty="0">
                 <a:latin typeface="Arial"/>
                 <a:cs typeface="Arial"/>
               </a:rPr>
               <a:t>Modules</a:t>
             </a:r>
             <a:r>
-              <a:rPr dirty="0" sz="2400" spc="-135">
+              <a:rPr sz="2400" spc="-135" dirty="0">
                 <a:latin typeface="Arial"/>
                 <a:cs typeface="Arial"/>
               </a:rPr>
               <a:t> </a:t>
             </a:r>
             <a:r>
-              <a:rPr dirty="0" sz="2400" spc="-65">
+              <a:rPr sz="2400" spc="-65" dirty="0">
                 <a:latin typeface="Arial"/>
                 <a:cs typeface="Arial"/>
               </a:rPr>
@@ -8251,7 +9122,7 @@
             </a:endParaRPr>
           </a:p>
           <a:p>
-            <a:pPr lvl="1" marL="469900" marR="5080" indent="-228600">
+            <a:pPr marL="469900" marR="5080" lvl="1" indent="-228600">
               <a:lnSpc>
                 <a:spcPts val="2640"/>
               </a:lnSpc>
@@ -8264,56 +9135,56 @@
               </a:tabLst>
             </a:pPr>
             <a:r>
-              <a:rPr dirty="0" sz="2400" spc="-170">
+              <a:rPr sz="2400" spc="-170" dirty="0">
                 <a:latin typeface="Arial"/>
                 <a:cs typeface="Arial"/>
               </a:rPr>
               <a:t>os </a:t>
             </a:r>
             <a:r>
-              <a:rPr dirty="0" sz="2400" spc="-114">
+              <a:rPr sz="2400" spc="-114" dirty="0">
                 <a:latin typeface="Arial"/>
                 <a:cs typeface="Arial"/>
               </a:rPr>
               <a:t>and </a:t>
             </a:r>
             <a:r>
-              <a:rPr dirty="0" sz="2400" spc="-240">
+              <a:rPr sz="2400" spc="-240" dirty="0">
                 <a:latin typeface="Arial"/>
                 <a:cs typeface="Arial"/>
               </a:rPr>
               <a:t>sys </a:t>
             </a:r>
             <a:r>
-              <a:rPr dirty="0" sz="2400" spc="-10">
+              <a:rPr sz="2400" spc="-10" dirty="0">
                 <a:latin typeface="Arial"/>
                 <a:cs typeface="Arial"/>
               </a:rPr>
               <a:t>(to </a:t>
             </a:r>
             <a:r>
-              <a:rPr dirty="0" sz="2400" spc="-65">
+              <a:rPr sz="2400" spc="-65" dirty="0">
                 <a:latin typeface="Arial"/>
                 <a:cs typeface="Arial"/>
               </a:rPr>
               <a:t>incorporate</a:t>
             </a:r>
             <a:r>
-              <a:rPr dirty="0" sz="2400" spc="-150">
+              <a:rPr sz="2400" spc="-150" dirty="0">
                 <a:latin typeface="Arial"/>
                 <a:cs typeface="Arial"/>
               </a:rPr>
               <a:t> </a:t>
             </a:r>
             <a:r>
-              <a:rPr dirty="0" sz="2400" spc="-80">
+              <a:rPr sz="2400" spc="-80" dirty="0">
                 <a:latin typeface="Arial"/>
                 <a:cs typeface="Arial"/>
               </a:rPr>
               <a:t>dependent  </a:t>
             </a:r>
             <a:r>
-              <a:rPr dirty="0" sz="2400" spc="-40">
+              <a:rPr sz="2400" spc="-40" dirty="0">
                 <a:latin typeface="Arial"/>
                 <a:cs typeface="Arial"/>
               </a:rPr>
@@ -8325,7 +9196,7 @@
             </a:endParaRPr>
           </a:p>
           <a:p>
-            <a:pPr lvl="1" marL="469900" indent="-228600">
+            <a:pPr marL="469900" lvl="1" indent="-228600">
               <a:lnSpc>
                 <a:spcPct val="100000"/>
               </a:lnSpc>
@@ -8338,7 +9209,7 @@
               </a:tabLst>
             </a:pPr>
             <a:r>
-              <a:rPr dirty="0" sz="2400" spc="-150">
+              <a:rPr sz="2400" spc="-150" dirty="0">
                 <a:latin typeface="Arial"/>
                 <a:cs typeface="Arial"/>
               </a:rPr>
@@ -8350,7 +9221,7 @@
             </a:endParaRPr>
           </a:p>
           <a:p>
-            <a:pPr lvl="1" marL="469900" indent="-228600">
+            <a:pPr marL="469900" lvl="1" indent="-228600">
               <a:lnSpc>
                 <a:spcPct val="100000"/>
               </a:lnSpc>
@@ -8363,7 +9234,7 @@
               </a:tabLst>
             </a:pPr>
             <a:r>
-              <a:rPr dirty="0" sz="2400" spc="-30">
+              <a:rPr sz="2400" spc="-30" dirty="0">
                 <a:latin typeface="Arial"/>
                 <a:cs typeface="Arial"/>
               </a:rPr>
@@ -8375,7 +9246,7 @@
             </a:endParaRPr>
           </a:p>
           <a:p>
-            <a:pPr lvl="1" marL="469900" indent="-228600">
+            <a:pPr marL="469900" lvl="1" indent="-228600">
               <a:lnSpc>
                 <a:spcPct val="100000"/>
               </a:lnSpc>
@@ -8388,7 +9259,7 @@
               </a:tabLst>
             </a:pPr>
             <a:r>
-              <a:rPr dirty="0" sz="2400" spc="-90">
+              <a:rPr sz="2400" spc="-90" dirty="0">
                 <a:latin typeface="Arial"/>
                 <a:cs typeface="Arial"/>
               </a:rPr>
@@ -8400,7 +9271,7 @@
             </a:endParaRPr>
           </a:p>
           <a:p>
-            <a:pPr lvl="1" marL="469900" indent="-228600">
+            <a:pPr marL="469900" lvl="1" indent="-228600">
               <a:lnSpc>
                 <a:spcPct val="100000"/>
               </a:lnSpc>
@@ -8413,7 +9284,7 @@
               </a:tabLst>
             </a:pPr>
             <a:r>
-              <a:rPr dirty="0" sz="2400" spc="-114">
+              <a:rPr sz="2400" spc="-114" dirty="0">
                 <a:latin typeface="Arial"/>
                 <a:cs typeface="Arial"/>
               </a:rPr>
@@ -8450,7 +9321,9 @@
         <p:txBody>
           <a:bodyPr wrap="square" lIns="0" tIns="0" rIns="0" bIns="0" rtlCol="0"/>
           <a:lstStyle/>
-          <a:p/>
+          <a:p>
+            <a:endParaRPr/>
+          </a:p>
         </p:txBody>
       </p:sp>
       <p:sp>
@@ -8469,12 +9342,12 @@
           </a:prstGeom>
         </p:spPr>
         <p:txBody>
-          <a:bodyPr wrap="square" lIns="0" tIns="71120" rIns="0" bIns="0" rtlCol="0" vert="horz">
+          <a:bodyPr vert="horz" wrap="square" lIns="0" tIns="71120" rIns="0" bIns="0" rtlCol="0">
             <a:spAutoFit/>
           </a:bodyPr>
           <a:lstStyle/>
           <a:p>
-            <a:pPr algn="ctr" marL="12065" marR="5080">
+            <a:pPr marL="12065" marR="5080" algn="ctr">
               <a:lnSpc>
                 <a:spcPct val="91600"/>
               </a:lnSpc>
@@ -8483,7 +9356,7 @@
               </a:spcBef>
             </a:pPr>
             <a:r>
-              <a:rPr dirty="0" sz="4600" spc="-385">
+              <a:rPr sz="4600" spc="-385" dirty="0">
                 <a:solidFill>
                   <a:srgbClr val="FFFFFF"/>
                 </a:solidFill>
@@ -8493,7 +9366,7 @@
               <a:t>Lan</a:t>
             </a:r>
             <a:r>
-              <a:rPr dirty="0" sz="4600" spc="-400">
+              <a:rPr sz="4600" spc="-400" dirty="0">
                 <a:solidFill>
                   <a:srgbClr val="FFFFFF"/>
                 </a:solidFill>
@@ -8503,7 +9376,7 @@
               <a:t>g</a:t>
             </a:r>
             <a:r>
-              <a:rPr dirty="0" sz="4600" spc="-305">
+              <a:rPr sz="4600" spc="-305" dirty="0">
                 <a:solidFill>
                   <a:srgbClr val="FFFFFF"/>
                 </a:solidFill>
@@ -8513,7 +9386,7 @@
               <a:t>ua</a:t>
             </a:r>
             <a:r>
-              <a:rPr dirty="0" sz="4600" spc="-355">
+              <a:rPr sz="4600" spc="-355" dirty="0">
                 <a:solidFill>
                   <a:srgbClr val="FFFFFF"/>
                 </a:solidFill>
@@ -8523,7 +9396,7 @@
               <a:t>g</a:t>
             </a:r>
             <a:r>
-              <a:rPr dirty="0" sz="4600" spc="-185">
+              <a:rPr sz="4600" spc="-185" dirty="0">
                 <a:solidFill>
                   <a:srgbClr val="FFFFFF"/>
                 </a:solidFill>
@@ -8533,7 +9406,7 @@
               <a:t>e  </a:t>
             </a:r>
             <a:r>
-              <a:rPr dirty="0" sz="4600" spc="-240">
+              <a:rPr sz="4600" spc="-240" dirty="0">
                 <a:solidFill>
                   <a:srgbClr val="FFFFFF"/>
                 </a:solidFill>
@@ -8543,7 +9416,7 @@
               <a:t>used-  </a:t>
             </a:r>
             <a:r>
-              <a:rPr dirty="0" sz="4600" spc="-175">
+              <a:rPr sz="4600" spc="-175" dirty="0">
                 <a:solidFill>
                   <a:srgbClr val="FFFFFF"/>
                 </a:solidFill>
@@ -8553,7 +9426,7 @@
               <a:t>Python  </a:t>
             </a:r>
             <a:r>
-              <a:rPr dirty="0" sz="4600" spc="-240">
+              <a:rPr sz="4600" spc="-240" dirty="0">
                 <a:solidFill>
                   <a:srgbClr val="FFFFFF"/>
                 </a:solidFill>
@@ -8563,7 +9436,7 @@
               <a:t>(Version  </a:t>
             </a:r>
             <a:r>
-              <a:rPr dirty="0" sz="4600" spc="-110">
+              <a:rPr sz="4600" spc="-110" dirty="0">
                 <a:solidFill>
                   <a:srgbClr val="FFFFFF"/>
                 </a:solidFill>
@@ -8615,10 +9488,12 @@
           </p:nvPr>
         </p:nvSpPr>
         <p:spPr>
-          <a:prstGeom prst="rect"/>
+          <a:prstGeom prst="rect">
+            <a:avLst/>
+          </a:prstGeom>
         </p:spPr>
         <p:txBody>
-          <a:bodyPr wrap="square" lIns="0" tIns="634187" rIns="0" bIns="0" rtlCol="0" vert="horz">
+          <a:bodyPr vert="horz" wrap="square" lIns="0" tIns="634187" rIns="0" bIns="0" rtlCol="0">
             <a:spAutoFit/>
           </a:bodyPr>
           <a:lstStyle/>
@@ -8635,7 +9510,7 @@
               </a:tabLst>
             </a:pPr>
             <a:r>
-              <a:rPr dirty="0" spc="-685"/>
+              <a:rPr spc="-685" dirty="0"/>
               <a:t>REQUIREMENT	</a:t>
             </a:r>
           </a:p>
@@ -8665,7 +9540,9 @@
         <p:txBody>
           <a:bodyPr wrap="square" lIns="0" tIns="0" rIns="0" bIns="0" rtlCol="0"/>
           <a:lstStyle/>
-          <a:p/>
+          <a:p>
+            <a:endParaRPr/>
+          </a:p>
         </p:txBody>
       </p:sp>
       <p:sp>
@@ -8692,7 +9569,9 @@
         <p:txBody>
           <a:bodyPr wrap="square" lIns="0" tIns="0" rIns="0" bIns="0" rtlCol="0"/>
           <a:lstStyle/>
-          <a:p/>
+          <a:p>
+            <a:endParaRPr/>
+          </a:p>
         </p:txBody>
       </p:sp>
       <p:sp>
@@ -8814,7 +9693,9 @@
         <p:txBody>
           <a:bodyPr wrap="square" lIns="0" tIns="0" rIns="0" bIns="0" rtlCol="0"/>
           <a:lstStyle/>
-          <a:p/>
+          <a:p>
+            <a:endParaRPr/>
+          </a:p>
         </p:txBody>
       </p:sp>
       <p:sp>
@@ -8936,7 +9817,9 @@
         <p:txBody>
           <a:bodyPr wrap="square" lIns="0" tIns="0" rIns="0" bIns="0" rtlCol="0"/>
           <a:lstStyle/>
-          <a:p/>
+          <a:p>
+            <a:endParaRPr/>
+          </a:p>
         </p:txBody>
       </p:sp>
       <p:sp>
@@ -8955,7 +9838,7 @@
           </a:prstGeom>
         </p:spPr>
         <p:txBody>
-          <a:bodyPr wrap="square" lIns="0" tIns="59055" rIns="0" bIns="0" rtlCol="0" vert="horz">
+          <a:bodyPr vert="horz" wrap="square" lIns="0" tIns="59055" rIns="0" bIns="0" rtlCol="0">
             <a:spAutoFit/>
           </a:bodyPr>
           <a:lstStyle/>
@@ -8969,84 +9852,84 @@
               </a:spcBef>
             </a:pPr>
             <a:r>
-              <a:rPr dirty="0" sz="3100" spc="-235">
+              <a:rPr sz="3100" spc="-235" dirty="0">
                 <a:latin typeface="Arial"/>
                 <a:cs typeface="Arial"/>
               </a:rPr>
               <a:t>Text </a:t>
             </a:r>
             <a:r>
-              <a:rPr dirty="0" sz="3100" spc="-100">
+              <a:rPr sz="3100" spc="-100" dirty="0">
                 <a:latin typeface="Arial"/>
                 <a:cs typeface="Arial"/>
               </a:rPr>
               <a:t>Editor </a:t>
             </a:r>
             <a:r>
-              <a:rPr dirty="0" sz="3100" spc="-85">
+              <a:rPr sz="3100" spc="-85" dirty="0">
                 <a:latin typeface="Arial"/>
                 <a:cs typeface="Arial"/>
               </a:rPr>
               <a:t>-  </a:t>
             </a:r>
             <a:r>
-              <a:rPr dirty="0" sz="3100" spc="-370">
+              <a:rPr sz="3100" spc="-370" dirty="0">
                 <a:latin typeface="Arial"/>
                 <a:cs typeface="Arial"/>
               </a:rPr>
               <a:t>A</a:t>
             </a:r>
             <a:r>
-              <a:rPr dirty="0" sz="3100" spc="130">
+              <a:rPr sz="3100" spc="130" dirty="0">
                 <a:latin typeface="Arial"/>
                 <a:cs typeface="Arial"/>
               </a:rPr>
               <a:t>t</a:t>
             </a:r>
             <a:r>
-              <a:rPr dirty="0" sz="3100" spc="50">
+              <a:rPr sz="3100" spc="50" dirty="0">
                 <a:latin typeface="Arial"/>
                 <a:cs typeface="Arial"/>
               </a:rPr>
               <a:t>om</a:t>
             </a:r>
             <a:r>
-              <a:rPr dirty="0" sz="3100" spc="-40">
+              <a:rPr sz="3100" spc="-40" dirty="0">
                 <a:latin typeface="Arial"/>
                 <a:cs typeface="Arial"/>
               </a:rPr>
               <a:t>/</a:t>
             </a:r>
             <a:r>
-              <a:rPr dirty="0" sz="3100" spc="-180">
+              <a:rPr sz="3100" spc="-180" dirty="0">
                 <a:latin typeface="Arial"/>
                 <a:cs typeface="Arial"/>
               </a:rPr>
               <a:t>su</a:t>
             </a:r>
             <a:r>
-              <a:rPr dirty="0" sz="3100" spc="-175">
+              <a:rPr sz="3100" spc="-175" dirty="0">
                 <a:latin typeface="Arial"/>
                 <a:cs typeface="Arial"/>
               </a:rPr>
               <a:t>b</a:t>
             </a:r>
             <a:r>
-              <a:rPr dirty="0" sz="3100" spc="-15">
+              <a:rPr sz="3100" spc="-15" dirty="0">
                 <a:latin typeface="Arial"/>
                 <a:cs typeface="Arial"/>
               </a:rPr>
               <a:t>li</a:t>
             </a:r>
             <a:r>
-              <a:rPr dirty="0" sz="3100" spc="-55">
+              <a:rPr sz="3100" spc="-55" dirty="0">
                 <a:latin typeface="Arial"/>
                 <a:cs typeface="Arial"/>
               </a:rPr>
               <a:t>m</a:t>
             </a:r>
             <a:r>
-              <a:rPr dirty="0" sz="3100" spc="-185">
+              <a:rPr sz="3100" spc="-185" dirty="0">
                 <a:latin typeface="Arial"/>
                 <a:cs typeface="Arial"/>
               </a:rPr>
@@ -9069,6 +9952,35 @@
           <a:xfrm>
             <a:off x="4533900" y="2923032"/>
             <a:ext cx="2903220" cy="1871472"/>
+          </a:xfrm>
+          <a:prstGeom prst="rect">
+            <a:avLst/>
+          </a:prstGeom>
+          <a:blipFill>
+            <a:blip r:embed="rId2" cstate="print"/>
+            <a:stretch>
+              <a:fillRect/>
+            </a:stretch>
+          </a:blipFill>
+        </p:spPr>
+        <p:txBody>
+          <a:bodyPr wrap="square" lIns="0" tIns="0" rIns="0" bIns="0" rtlCol="0"/>
+          <a:lstStyle/>
+          <a:p>
+            <a:endParaRPr/>
+          </a:p>
+        </p:txBody>
+      </p:sp>
+      <p:sp>
+        <p:nvSpPr>
+          <p:cNvPr id="9" name="object 9"/>
+          <p:cNvSpPr/>
+          <p:nvPr/>
+        </p:nvSpPr>
+        <p:spPr>
+          <a:xfrm>
+            <a:off x="4555235" y="2944367"/>
+            <a:ext cx="2828543" cy="1796796"/>
           </a:xfrm>
           <a:prstGeom prst="rect">
             <a:avLst/>
@@ -9083,34 +9995,9 @@
         <p:txBody>
           <a:bodyPr wrap="square" lIns="0" tIns="0" rIns="0" bIns="0" rtlCol="0"/>
           <a:lstStyle/>
-          <a:p/>
-        </p:txBody>
-      </p:sp>
-      <p:sp>
-        <p:nvSpPr>
-          <p:cNvPr id="9" name="object 9"/>
-          <p:cNvSpPr/>
-          <p:nvPr/>
-        </p:nvSpPr>
-        <p:spPr>
-          <a:xfrm>
-            <a:off x="4555235" y="2944367"/>
-            <a:ext cx="2828543" cy="1796796"/>
-          </a:xfrm>
-          <a:prstGeom prst="rect">
-            <a:avLst/>
-          </a:prstGeom>
-          <a:blipFill>
-            <a:blip r:embed="rId5" cstate="print"/>
-            <a:stretch>
-              <a:fillRect/>
-            </a:stretch>
-          </a:blipFill>
-        </p:spPr>
-        <p:txBody>
-          <a:bodyPr wrap="square" lIns="0" tIns="0" rIns="0" bIns="0" rtlCol="0"/>
-          <a:lstStyle/>
-          <a:p/>
+          <a:p>
+            <a:endParaRPr/>
+          </a:p>
         </p:txBody>
       </p:sp>
       <p:sp>
@@ -9232,7 +10119,9 @@
         <p:txBody>
           <a:bodyPr wrap="square" lIns="0" tIns="0" rIns="0" bIns="0" rtlCol="0"/>
           <a:lstStyle/>
-          <a:p/>
+          <a:p>
+            <a:endParaRPr/>
+          </a:p>
         </p:txBody>
       </p:sp>
       <p:sp>
@@ -9354,7 +10243,9 @@
         <p:txBody>
           <a:bodyPr wrap="square" lIns="0" tIns="0" rIns="0" bIns="0" rtlCol="0"/>
           <a:lstStyle/>
-          <a:p/>
+          <a:p>
+            <a:endParaRPr/>
+          </a:p>
         </p:txBody>
       </p:sp>
       <p:sp>
@@ -9373,7 +10264,7 @@
           </a:prstGeom>
         </p:spPr>
         <p:txBody>
-          <a:bodyPr wrap="square" lIns="0" tIns="12065" rIns="0" bIns="0" rtlCol="0" vert="horz">
+          <a:bodyPr vert="horz" wrap="square" lIns="0" tIns="12065" rIns="0" bIns="0" rtlCol="0">
             <a:spAutoFit/>
           </a:bodyPr>
           <a:lstStyle/>
@@ -9387,7 +10278,7 @@
               </a:spcBef>
             </a:pPr>
             <a:r>
-              <a:rPr dirty="0" sz="3100" spc="-365">
+              <a:rPr sz="3100" spc="-365" dirty="0">
                 <a:latin typeface="Arial"/>
                 <a:cs typeface="Arial"/>
               </a:rPr>
@@ -9405,7 +10296,7 @@
               </a:lnSpc>
             </a:pPr>
             <a:r>
-              <a:rPr dirty="0" sz="3100" spc="-95">
+              <a:rPr sz="3100" spc="-95" dirty="0">
                 <a:latin typeface="Arial"/>
                 <a:cs typeface="Arial"/>
               </a:rPr>
@@ -9428,6 +10319,35 @@
           <a:xfrm>
             <a:off x="7990331" y="2923032"/>
             <a:ext cx="2904744" cy="1871472"/>
+          </a:xfrm>
+          <a:prstGeom prst="rect">
+            <a:avLst/>
+          </a:prstGeom>
+          <a:blipFill>
+            <a:blip r:embed="rId5" cstate="print"/>
+            <a:stretch>
+              <a:fillRect/>
+            </a:stretch>
+          </a:blipFill>
+        </p:spPr>
+        <p:txBody>
+          <a:bodyPr wrap="square" lIns="0" tIns="0" rIns="0" bIns="0" rtlCol="0"/>
+          <a:lstStyle/>
+          <a:p>
+            <a:endParaRPr/>
+          </a:p>
+        </p:txBody>
+      </p:sp>
+      <p:sp>
+        <p:nvSpPr>
+          <p:cNvPr id="14" name="object 14"/>
+          <p:cNvSpPr/>
+          <p:nvPr/>
+        </p:nvSpPr>
+        <p:spPr>
+          <a:xfrm>
+            <a:off x="8011668" y="2944367"/>
+            <a:ext cx="2830067" cy="1796796"/>
           </a:xfrm>
           <a:prstGeom prst="rect">
             <a:avLst/>
@@ -9442,34 +10362,9 @@
         <p:txBody>
           <a:bodyPr wrap="square" lIns="0" tIns="0" rIns="0" bIns="0" rtlCol="0"/>
           <a:lstStyle/>
-          <a:p/>
-        </p:txBody>
-      </p:sp>
-      <p:sp>
-        <p:nvSpPr>
-          <p:cNvPr id="14" name="object 14"/>
-          <p:cNvSpPr/>
-          <p:nvPr/>
-        </p:nvSpPr>
-        <p:spPr>
-          <a:xfrm>
-            <a:off x="8011668" y="2944367"/>
-            <a:ext cx="2830067" cy="1796796"/>
-          </a:xfrm>
-          <a:prstGeom prst="rect">
-            <a:avLst/>
-          </a:prstGeom>
-          <a:blipFill>
-            <a:blip r:embed="rId7" cstate="print"/>
-            <a:stretch>
-              <a:fillRect/>
-            </a:stretch>
-          </a:blipFill>
-        </p:spPr>
-        <p:txBody>
-          <a:bodyPr wrap="square" lIns="0" tIns="0" rIns="0" bIns="0" rtlCol="0"/>
-          <a:lstStyle/>
-          <a:p/>
+          <a:p>
+            <a:endParaRPr/>
+          </a:p>
         </p:txBody>
       </p:sp>
       <p:sp>
@@ -9591,7 +10486,9 @@
         <p:txBody>
           <a:bodyPr wrap="square" lIns="0" tIns="0" rIns="0" bIns="0" rtlCol="0"/>
           <a:lstStyle/>
-          <a:p/>
+          <a:p>
+            <a:endParaRPr/>
+          </a:p>
         </p:txBody>
       </p:sp>
       <p:sp>
@@ -9713,7 +10610,9 @@
         <p:txBody>
           <a:bodyPr wrap="square" lIns="0" tIns="0" rIns="0" bIns="0" rtlCol="0"/>
           <a:lstStyle/>
-          <a:p/>
+          <a:p>
+            <a:endParaRPr/>
+          </a:p>
         </p:txBody>
       </p:sp>
       <p:sp>
@@ -9732,7 +10631,7 @@
           </a:prstGeom>
         </p:spPr>
         <p:txBody>
-          <a:bodyPr wrap="square" lIns="0" tIns="12065" rIns="0" bIns="0" rtlCol="0" vert="horz">
+          <a:bodyPr vert="horz" wrap="square" lIns="0" tIns="12065" rIns="0" bIns="0" rtlCol="0">
             <a:spAutoFit/>
           </a:bodyPr>
           <a:lstStyle/>
@@ -9746,28 +10645,28 @@
               </a:spcBef>
             </a:pPr>
             <a:r>
-              <a:rPr dirty="0" sz="3100" spc="-170">
+              <a:rPr sz="3100" spc="-170" dirty="0">
                 <a:latin typeface="Arial"/>
                 <a:cs typeface="Arial"/>
               </a:rPr>
               <a:t>Version</a:t>
             </a:r>
             <a:r>
-              <a:rPr dirty="0" sz="3100" spc="-215">
+              <a:rPr sz="3100" spc="-215" dirty="0">
                 <a:latin typeface="Arial"/>
                 <a:cs typeface="Arial"/>
               </a:rPr>
               <a:t> </a:t>
             </a:r>
             <a:r>
-              <a:rPr dirty="0" sz="3100" spc="-105">
+              <a:rPr sz="3100" spc="-105" dirty="0">
                 <a:latin typeface="Arial"/>
                 <a:cs typeface="Arial"/>
               </a:rPr>
               <a:t>Control  </a:t>
             </a:r>
             <a:r>
-              <a:rPr dirty="0" sz="3100" spc="-95">
+              <a:rPr sz="3100" spc="-95" dirty="0">
                 <a:latin typeface="Arial"/>
                 <a:cs typeface="Arial"/>
               </a:rPr>
@@ -9823,7 +10722,7 @@
             <a:cxnLst/>
             <a:rect l="l" t="t" r="r" b="b"/>
             <a:pathLst>
-              <a:path w="9966960" h="0">
+              <a:path w="9966960">
                 <a:moveTo>
                   <a:pt x="0" y="0"/>
                 </a:moveTo>
@@ -9842,7 +10741,9 @@
         <p:txBody>
           <a:bodyPr wrap="square" lIns="0" tIns="0" rIns="0" bIns="0" rtlCol="0"/>
           <a:lstStyle/>
-          <a:p/>
+          <a:p>
+            <a:endParaRPr/>
+          </a:p>
         </p:txBody>
       </p:sp>
       <p:sp>
@@ -9869,7 +10770,9 @@
         <p:txBody>
           <a:bodyPr wrap="square" lIns="0" tIns="0" rIns="0" bIns="0" rtlCol="0"/>
           <a:lstStyle/>
-          <a:p/>
+          <a:p>
+            <a:endParaRPr/>
+          </a:p>
         </p:txBody>
       </p:sp>
       <p:sp>
@@ -9887,10 +10790,12 @@
             <a:off x="6271005" y="234187"/>
             <a:ext cx="3426460" cy="1424305"/>
           </a:xfrm>
-          <a:prstGeom prst="rect"/>
+          <a:prstGeom prst="rect">
+            <a:avLst/>
+          </a:prstGeom>
         </p:spPr>
         <p:txBody>
-          <a:bodyPr wrap="square" lIns="0" tIns="89535" rIns="0" bIns="0" rtlCol="0" vert="horz">
+          <a:bodyPr vert="horz" wrap="square" lIns="0" tIns="89535" rIns="0" bIns="0" rtlCol="0">
             <a:spAutoFit/>
           </a:bodyPr>
           <a:lstStyle/>
@@ -9904,47 +10809,47 @@
               </a:spcBef>
             </a:pPr>
             <a:r>
-              <a:rPr dirty="0" u="none" sz="3400" spc="-240"/>
+              <a:rPr sz="3400" u="none" spc="-240" dirty="0"/>
               <a:t>How </a:t>
             </a:r>
             <a:r>
-              <a:rPr dirty="0" u="none" sz="3400" spc="-210"/>
+              <a:rPr sz="3400" u="none" spc="-210" dirty="0"/>
               <a:t>we </a:t>
             </a:r>
             <a:r>
-              <a:rPr dirty="0" u="none" sz="3400" spc="-285"/>
+              <a:rPr sz="3400" u="none" spc="-285" dirty="0"/>
               <a:t>managed</a:t>
             </a:r>
             <a:r>
-              <a:rPr dirty="0" u="none" sz="3400" spc="-705"/>
+              <a:rPr sz="3400" u="none" spc="-705" dirty="0"/>
               <a:t> </a:t>
             </a:r>
             <a:r>
-              <a:rPr dirty="0" u="none" sz="3400" spc="-25"/>
+              <a:rPr sz="3400" u="none" spc="-25" dirty="0"/>
               <a:t>to  </a:t>
             </a:r>
             <a:r>
-              <a:rPr dirty="0" u="none" sz="3400" spc="-160"/>
+              <a:rPr sz="3400" u="none" spc="-160" dirty="0"/>
               <a:t>do </a:t>
             </a:r>
             <a:r>
-              <a:rPr dirty="0" u="none" sz="3400" spc="-120"/>
+              <a:rPr sz="3400" u="none" spc="-120" dirty="0"/>
               <a:t>our </a:t>
             </a:r>
             <a:r>
-              <a:rPr dirty="0" u="none" sz="3400" spc="-140"/>
+              <a:rPr sz="3400" u="none" spc="-140" dirty="0"/>
               <a:t>project  </a:t>
             </a:r>
             <a:r>
-              <a:rPr dirty="0" u="none" sz="3400" spc="-165"/>
+              <a:rPr sz="3400" u="none" spc="-165" dirty="0"/>
               <a:t>remotely</a:t>
             </a:r>
             <a:r>
-              <a:rPr dirty="0" u="none" sz="3400" spc="-350"/>
+              <a:rPr sz="3400" u="none" spc="-350" dirty="0"/>
               <a:t> </a:t>
             </a:r>
             <a:r>
-              <a:rPr dirty="0" u="none" sz="3400" spc="-320"/>
+              <a:rPr sz="3400" u="none" spc="-320" dirty="0"/>
               <a:t>?</a:t>
             </a:r>
             <a:endParaRPr sz="3400"/>
@@ -9967,7 +10872,7 @@
           </a:prstGeom>
         </p:spPr>
         <p:txBody>
-          <a:bodyPr wrap="square" lIns="0" tIns="43180" rIns="0" bIns="0" rtlCol="0" vert="horz">
+          <a:bodyPr vert="horz" wrap="square" lIns="0" tIns="43180" rIns="0" bIns="0" rtlCol="0">
             <a:spAutoFit/>
           </a:bodyPr>
           <a:lstStyle/>
@@ -9981,7 +10886,7 @@
               </a:spcBef>
             </a:pPr>
             <a:r>
-              <a:rPr dirty="0" sz="2000" spc="-145">
+              <a:rPr sz="2000" spc="-145" dirty="0">
                 <a:solidFill>
                   <a:srgbClr val="404040"/>
                 </a:solidFill>
@@ -9991,7 +10896,7 @@
               <a:t>We </a:t>
             </a:r>
             <a:r>
-              <a:rPr dirty="0" sz="2000" spc="-120">
+              <a:rPr sz="2000" spc="-120" dirty="0">
                 <a:solidFill>
                   <a:srgbClr val="404040"/>
                 </a:solidFill>
@@ -10001,7 +10906,7 @@
               <a:t>used </a:t>
             </a:r>
             <a:r>
-              <a:rPr dirty="0" sz="2000" spc="-55">
+              <a:rPr sz="2000" spc="-55" dirty="0">
                 <a:solidFill>
                   <a:srgbClr val="404040"/>
                 </a:solidFill>
@@ -10011,7 +10916,7 @@
               <a:t>Git. </a:t>
             </a:r>
             <a:r>
-              <a:rPr dirty="0" sz="2000" spc="-10">
+              <a:rPr sz="2000" spc="-10" dirty="0">
                 <a:solidFill>
                   <a:srgbClr val="404040"/>
                 </a:solidFill>
@@ -10021,7 +10926,7 @@
               <a:t>With </a:t>
             </a:r>
             <a:r>
-              <a:rPr dirty="0" sz="2000" spc="-40">
+              <a:rPr sz="2000" spc="-40" dirty="0">
                 <a:solidFill>
                   <a:srgbClr val="404040"/>
                 </a:solidFill>
@@ -10031,7 +10936,7 @@
               <a:t>this </a:t>
             </a:r>
             <a:r>
-              <a:rPr dirty="0" sz="2000" spc="-30">
+              <a:rPr sz="2000" spc="-30" dirty="0">
                 <a:solidFill>
                   <a:srgbClr val="404040"/>
                 </a:solidFill>
@@ -10041,7 +10946,7 @@
               <a:t>powerful  </a:t>
             </a:r>
             <a:r>
-              <a:rPr dirty="0" sz="2000" spc="-20">
+              <a:rPr sz="2000" spc="-20" dirty="0">
                 <a:solidFill>
                   <a:srgbClr val="404040"/>
                 </a:solidFill>
@@ -10051,7 +10956,7 @@
               <a:t>tool, </a:t>
             </a:r>
             <a:r>
-              <a:rPr dirty="0" sz="2000" spc="-75">
+              <a:rPr sz="2000" spc="-75" dirty="0">
                 <a:solidFill>
                   <a:srgbClr val="404040"/>
                 </a:solidFill>
@@ -10061,7 +10966,7 @@
               <a:t>we </a:t>
             </a:r>
             <a:r>
-              <a:rPr dirty="0" sz="2000" spc="-114">
+              <a:rPr sz="2000" spc="-114" dirty="0">
                 <a:solidFill>
                   <a:srgbClr val="404040"/>
                 </a:solidFill>
@@ -10071,7 +10976,7 @@
               <a:t>managed </a:t>
             </a:r>
             <a:r>
-              <a:rPr dirty="0" sz="2000" spc="-30">
+              <a:rPr sz="2000" spc="-30" dirty="0">
                 <a:solidFill>
                   <a:srgbClr val="404040"/>
                 </a:solidFill>
@@ -10081,7 +10986,7 @@
               <a:t>our </a:t>
             </a:r>
             <a:r>
-              <a:rPr dirty="0" sz="2000" spc="-95">
+              <a:rPr sz="2000" spc="-95" dirty="0">
                 <a:solidFill>
                   <a:srgbClr val="404040"/>
                 </a:solidFill>
@@ -10091,7 +10996,7 @@
               <a:t>code,  </a:t>
             </a:r>
             <a:r>
-              <a:rPr dirty="0" sz="2000" spc="-70">
+              <a:rPr sz="2000" spc="-70" dirty="0">
                 <a:solidFill>
                   <a:srgbClr val="404040"/>
                 </a:solidFill>
@@ -10101,7 +11006,7 @@
               <a:t>commits, could </a:t>
             </a:r>
             <a:r>
-              <a:rPr dirty="0" sz="2000" spc="-165">
+              <a:rPr sz="2000" spc="-165" dirty="0">
                 <a:solidFill>
                   <a:srgbClr val="404040"/>
                 </a:solidFill>
@@ -10111,7 +11016,7 @@
               <a:t>save </a:t>
             </a:r>
             <a:r>
-              <a:rPr dirty="0" sz="2000" spc="-35">
+              <a:rPr sz="2000" spc="-35" dirty="0">
                 <a:solidFill>
                   <a:srgbClr val="404040"/>
                 </a:solidFill>
@@ -10121,7 +11026,7 @@
               <a:t>our </a:t>
             </a:r>
             <a:r>
-              <a:rPr dirty="0" sz="2000" spc="-40">
+              <a:rPr sz="2000" spc="-40" dirty="0">
                 <a:solidFill>
                   <a:srgbClr val="404040"/>
                 </a:solidFill>
@@ -10131,7 +11036,7 @@
               <a:t>project  </a:t>
             </a:r>
             <a:r>
-              <a:rPr dirty="0" sz="2000" spc="-25">
+              <a:rPr sz="2000" spc="-25" dirty="0">
                 <a:solidFill>
                   <a:srgbClr val="404040"/>
                 </a:solidFill>
@@ -10141,7 +11046,7 @@
               <a:t>from </a:t>
             </a:r>
             <a:r>
-              <a:rPr dirty="0" sz="2000" spc="-70">
+              <a:rPr sz="2000" spc="-70" dirty="0">
                 <a:solidFill>
                   <a:srgbClr val="404040"/>
                 </a:solidFill>
@@ -10151,7 +11056,7 @@
               <a:t>catastrophically </a:t>
             </a:r>
             <a:r>
-              <a:rPr dirty="0" sz="2000" spc="-60">
+              <a:rPr sz="2000" spc="-60" dirty="0">
                 <a:solidFill>
                   <a:srgbClr val="404040"/>
                 </a:solidFill>
@@ -10161,7 +11066,7 @@
               <a:t>silly</a:t>
             </a:r>
             <a:r>
-              <a:rPr dirty="0" sz="2000" spc="-229">
+              <a:rPr sz="2000" spc="-229" dirty="0">
                 <a:solidFill>
                   <a:srgbClr val="404040"/>
                 </a:solidFill>
@@ -10171,7 +11076,7 @@
               <a:t> </a:t>
             </a:r>
             <a:r>
-              <a:rPr dirty="0" sz="2000" spc="-85">
+              <a:rPr sz="2000" spc="-85" dirty="0">
                 <a:solidFill>
                   <a:srgbClr val="404040"/>
                 </a:solidFill>
@@ -10195,7 +11100,7 @@
               </a:spcBef>
             </a:pPr>
             <a:r>
-              <a:rPr dirty="0" sz="2000" spc="-100" b="1">
+              <a:rPr sz="2000" b="1" spc="-100" dirty="0">
                 <a:solidFill>
                   <a:srgbClr val="404040"/>
                 </a:solidFill>
@@ -10205,7 +11110,7 @@
               <a:t>GitHub </a:t>
             </a:r>
             <a:r>
-              <a:rPr dirty="0" sz="2000" spc="-105">
+              <a:rPr sz="2000" spc="-105" dirty="0">
                 <a:solidFill>
                   <a:srgbClr val="404040"/>
                 </a:solidFill>
@@ -10215,7 +11120,7 @@
               <a:t>is </a:t>
             </a:r>
             <a:r>
-              <a:rPr dirty="0" sz="2000" spc="-155">
+              <a:rPr sz="2000" spc="-155" dirty="0">
                 <a:solidFill>
                   <a:srgbClr val="404040"/>
                 </a:solidFill>
@@ -10225,7 +11130,7 @@
               <a:t>a </a:t>
             </a:r>
             <a:r>
-              <a:rPr dirty="0" sz="2000" spc="-114">
+              <a:rPr sz="2000" spc="-114" dirty="0">
                 <a:solidFill>
                   <a:srgbClr val="404040"/>
                 </a:solidFill>
@@ -10235,7 +11140,7 @@
               <a:t>Web-based </a:t>
             </a:r>
             <a:r>
-              <a:rPr dirty="0" sz="2000" spc="-60">
+              <a:rPr sz="2000" spc="-60" dirty="0">
                 <a:solidFill>
                   <a:srgbClr val="404040"/>
                 </a:solidFill>
@@ -10245,7 +11150,7 @@
               <a:t>Git</a:t>
             </a:r>
             <a:r>
-              <a:rPr dirty="0" sz="2000" spc="-160">
+              <a:rPr sz="2000" spc="-160" dirty="0">
                 <a:solidFill>
                   <a:srgbClr val="404040"/>
                 </a:solidFill>
@@ -10255,7 +11160,7 @@
               <a:t> </a:t>
             </a:r>
             <a:r>
-              <a:rPr dirty="0" sz="2000" spc="-85">
+              <a:rPr sz="2000" spc="-85" dirty="0">
                 <a:solidFill>
                   <a:srgbClr val="404040"/>
                 </a:solidFill>
@@ -10276,7 +11181,7 @@
               </a:lnSpc>
             </a:pPr>
             <a:r>
-              <a:rPr dirty="0" sz="2000" spc="-35">
+              <a:rPr sz="2000" spc="-35" dirty="0">
                 <a:solidFill>
                   <a:srgbClr val="404040"/>
                 </a:solidFill>
@@ -10286,7 +11191,7 @@
               <a:t>control </a:t>
             </a:r>
             <a:r>
-              <a:rPr dirty="0" sz="2000" spc="-50">
+              <a:rPr sz="2000" spc="-50" dirty="0">
                 <a:solidFill>
                   <a:srgbClr val="404040"/>
                 </a:solidFill>
@@ -10296,7 +11201,7 @@
               <a:t>repository </a:t>
             </a:r>
             <a:r>
-              <a:rPr dirty="0" sz="2000" spc="-70">
+              <a:rPr sz="2000" spc="-70" dirty="0">
                 <a:solidFill>
                   <a:srgbClr val="404040"/>
                 </a:solidFill>
@@ -10306,7 +11211,7 @@
               <a:t>hosting</a:t>
             </a:r>
             <a:r>
-              <a:rPr dirty="0" sz="2000" spc="-265">
+              <a:rPr sz="2000" spc="-265" dirty="0">
                 <a:solidFill>
                   <a:srgbClr val="404040"/>
                 </a:solidFill>
@@ -10316,7 +11221,7 @@
               <a:t> </a:t>
             </a:r>
             <a:r>
-              <a:rPr dirty="0" sz="2000" spc="-90">
+              <a:rPr sz="2000" spc="-90" dirty="0">
                 <a:solidFill>
                   <a:srgbClr val="404040"/>
                 </a:solidFill>
@@ -10340,7 +11245,7 @@
               </a:spcBef>
             </a:pPr>
             <a:r>
-              <a:rPr dirty="0" sz="2000" spc="-165">
+              <a:rPr sz="2000" spc="-165" dirty="0">
                 <a:solidFill>
                   <a:srgbClr val="404040"/>
                 </a:solidFill>
@@ -10350,7 +11255,7 @@
               <a:t>BOOM</a:t>
             </a:r>
             <a:r>
-              <a:rPr dirty="0" sz="2000" spc="-125">
+              <a:rPr sz="2000" spc="-125" dirty="0">
                 <a:solidFill>
                   <a:srgbClr val="404040"/>
                 </a:solidFill>
@@ -10360,7 +11265,7 @@
               <a:t> </a:t>
             </a:r>
             <a:r>
-              <a:rPr dirty="0" sz="2000" spc="90">
+              <a:rPr sz="2000" spc="90" dirty="0">
                 <a:solidFill>
                   <a:srgbClr val="404040"/>
                 </a:solidFill>
@@ -10384,7 +11289,7 @@
               </a:spcBef>
             </a:pPr>
             <a:r>
-              <a:rPr dirty="0" sz="2000" spc="-40">
+              <a:rPr sz="2000" spc="-40" dirty="0">
                 <a:solidFill>
                   <a:srgbClr val="404040"/>
                 </a:solidFill>
@@ -10394,7 +11299,7 @@
               <a:t>It’s </a:t>
             </a:r>
             <a:r>
-              <a:rPr dirty="0" sz="2000" spc="-80">
+              <a:rPr sz="2000" spc="-80" dirty="0">
                 <a:solidFill>
                   <a:srgbClr val="404040"/>
                 </a:solidFill>
@@ -10404,7 +11309,7 @@
               <a:t>open </a:t>
             </a:r>
             <a:r>
-              <a:rPr dirty="0" sz="2000" spc="-105">
+              <a:rPr sz="2000" spc="-105" dirty="0">
                 <a:solidFill>
                   <a:srgbClr val="404040"/>
                 </a:solidFill>
@@ -10414,7 +11319,7 @@
               <a:t>source</a:t>
             </a:r>
             <a:r>
-              <a:rPr dirty="0" sz="2000" spc="-225">
+              <a:rPr sz="2000" spc="-225" dirty="0">
                 <a:solidFill>
                   <a:srgbClr val="404040"/>
                 </a:solidFill>
@@ -10424,7 +11329,7 @@
               <a:t> </a:t>
             </a:r>
             <a:r>
-              <a:rPr dirty="0" sz="2000" spc="-509">
+              <a:rPr sz="2000" spc="-509" dirty="0">
                 <a:solidFill>
                   <a:srgbClr val="404040"/>
                 </a:solidFill>
@@ -10483,7 +11388,7 @@
             <a:cxnLst/>
             <a:rect l="l" t="t" r="r" b="b"/>
             <a:pathLst>
-              <a:path w="5636259" h="0">
+              <a:path w="5636259">
                 <a:moveTo>
                   <a:pt x="0" y="0"/>
                 </a:moveTo>
@@ -10502,7 +11407,9 @@
         <p:txBody>
           <a:bodyPr wrap="square" lIns="0" tIns="0" rIns="0" bIns="0" rtlCol="0"/>
           <a:lstStyle/>
-          <a:p/>
+          <a:p>
+            <a:endParaRPr/>
+          </a:p>
         </p:txBody>
       </p:sp>
       <p:sp>
@@ -10670,7 +11577,9 @@
         <p:txBody>
           <a:bodyPr wrap="square" lIns="0" tIns="0" rIns="0" bIns="0" rtlCol="0"/>
           <a:lstStyle/>
-          <a:p/>
+          <a:p>
+            <a:endParaRPr/>
+          </a:p>
         </p:txBody>
       </p:sp>
       <p:sp>
@@ -10850,7 +11759,9 @@
         <p:txBody>
           <a:bodyPr wrap="square" lIns="0" tIns="0" rIns="0" bIns="0" rtlCol="0"/>
           <a:lstStyle/>
-          <a:p/>
+          <a:p>
+            <a:endParaRPr/>
+          </a:p>
         </p:txBody>
       </p:sp>
       <p:sp>
@@ -11033,7 +11944,9 @@
         <p:txBody>
           <a:bodyPr wrap="square" lIns="0" tIns="0" rIns="0" bIns="0" rtlCol="0"/>
           <a:lstStyle/>
-          <a:p/>
+          <a:p>
+            <a:endParaRPr/>
+          </a:p>
         </p:txBody>
       </p:sp>
       <p:sp>
@@ -11051,10 +11964,12 @@
             <a:off x="5369178" y="1955114"/>
             <a:ext cx="5559425" cy="2282190"/>
           </a:xfrm>
-          <a:prstGeom prst="rect"/>
+          <a:prstGeom prst="rect">
+            <a:avLst/>
+          </a:prstGeom>
         </p:spPr>
         <p:txBody>
-          <a:bodyPr wrap="square" lIns="0" tIns="13335" rIns="0" bIns="0" rtlCol="0" vert="horz">
+          <a:bodyPr vert="horz" wrap="square" lIns="0" tIns="13335" rIns="0" bIns="0" rtlCol="0">
             <a:spAutoFit/>
           </a:bodyPr>
           <a:lstStyle/>
@@ -11068,7 +11983,7 @@
               </a:spcBef>
             </a:pPr>
             <a:r>
-              <a:rPr dirty="0" u="none" sz="8000" spc="-475">
+              <a:rPr sz="8000" u="none" spc="-475" dirty="0">
                 <a:solidFill>
                   <a:srgbClr val="252525"/>
                 </a:solidFill>
@@ -11076,7 +11991,7 @@
               <a:t>Let’s </a:t>
             </a:r>
             <a:r>
-              <a:rPr dirty="0" u="none" sz="8000" spc="-380">
+              <a:rPr sz="8000" u="none" spc="-380" dirty="0">
                 <a:solidFill>
                   <a:srgbClr val="252525"/>
                 </a:solidFill>
@@ -11084,7 +11999,7 @@
               <a:t>dive</a:t>
             </a:r>
             <a:r>
-              <a:rPr dirty="0" u="none" sz="8000" spc="-625">
+              <a:rPr sz="8000" u="none" spc="-625" dirty="0">
                 <a:solidFill>
                   <a:srgbClr val="252525"/>
                 </a:solidFill>
@@ -11092,7 +12007,7 @@
               <a:t> </a:t>
             </a:r>
             <a:r>
-              <a:rPr dirty="0" u="none" sz="8000" spc="-120">
+              <a:rPr sz="8000" u="none" spc="-120" dirty="0">
                 <a:solidFill>
                   <a:srgbClr val="252525"/>
                 </a:solidFill>
@@ -11108,7 +12023,7 @@
               </a:lnSpc>
             </a:pPr>
             <a:r>
-              <a:rPr dirty="0" u="none" sz="8000" spc="-385">
+              <a:rPr sz="8000" u="none" spc="-385" dirty="0">
                 <a:solidFill>
                   <a:srgbClr val="252525"/>
                 </a:solidFill>
@@ -11162,7 +12077,7 @@
             <a:cxnLst/>
             <a:rect l="l" t="t" r="r" b="b"/>
             <a:pathLst>
-              <a:path w="9966960" h="0">
+              <a:path w="9966960">
                 <a:moveTo>
                   <a:pt x="0" y="0"/>
                 </a:moveTo>
@@ -11181,7 +12096,9 @@
         <p:txBody>
           <a:bodyPr wrap="square" lIns="0" tIns="0" rIns="0" bIns="0" rtlCol="0"/>
           <a:lstStyle/>
-          <a:p/>
+          <a:p>
+            <a:endParaRPr/>
+          </a:p>
         </p:txBody>
       </p:sp>
       <p:sp>
@@ -11202,7 +12119,7 @@
             <a:cxnLst/>
             <a:rect l="l" t="t" r="r" b="b"/>
             <a:pathLst>
-              <a:path w="9875520" h="0">
+              <a:path w="9875520">
                 <a:moveTo>
                   <a:pt x="0" y="0"/>
                 </a:moveTo>
@@ -11221,7 +12138,9 @@
         <p:txBody>
           <a:bodyPr wrap="square" lIns="0" tIns="0" rIns="0" bIns="0" rtlCol="0"/>
           <a:lstStyle/>
-          <a:p/>
+          <a:p>
+            <a:endParaRPr/>
+          </a:p>
         </p:txBody>
       </p:sp>
       <p:sp>
@@ -11248,7 +12167,9 @@
         <p:txBody>
           <a:bodyPr wrap="square" lIns="0" tIns="0" rIns="0" bIns="0" rtlCol="0"/>
           <a:lstStyle/>
-          <a:p/>
+          <a:p>
+            <a:endParaRPr/>
+          </a:p>
         </p:txBody>
       </p:sp>
       <p:sp>
@@ -11296,7 +12217,9 @@
         <p:txBody>
           <a:bodyPr wrap="square" lIns="0" tIns="0" rIns="0" bIns="0" rtlCol="0"/>
           <a:lstStyle/>
-          <a:p/>
+          <a:p>
+            <a:endParaRPr/>
+          </a:p>
         </p:txBody>
       </p:sp>
       <p:sp>
@@ -11344,7 +12267,9 @@
         <p:txBody>
           <a:bodyPr wrap="square" lIns="0" tIns="0" rIns="0" bIns="0" rtlCol="0"/>
           <a:lstStyle/>
-          <a:p/>
+          <a:p>
+            <a:endParaRPr/>
+          </a:p>
         </p:txBody>
       </p:sp>
       <p:sp>
@@ -11363,7 +12288,7 @@
           </a:prstGeom>
         </p:spPr>
         <p:txBody>
-          <a:bodyPr wrap="square" lIns="0" tIns="12700" rIns="0" bIns="0" rtlCol="0" vert="horz">
+          <a:bodyPr vert="horz" wrap="square" lIns="0" tIns="12700" rIns="0" bIns="0" rtlCol="0">
             <a:spAutoFit/>
           </a:bodyPr>
           <a:lstStyle/>
@@ -11377,7 +12302,7 @@
               </a:spcBef>
             </a:pPr>
             <a:r>
-              <a:rPr dirty="0" sz="3600" spc="-185">
+              <a:rPr sz="3600" spc="-185" dirty="0">
                 <a:solidFill>
                   <a:srgbClr val="FFFFFF"/>
                 </a:solidFill>
@@ -11387,7 +12312,7 @@
               <a:t>Start</a:t>
             </a:r>
             <a:r>
-              <a:rPr dirty="0" sz="3600" spc="-375">
+              <a:rPr sz="3600" spc="-375" dirty="0">
                 <a:solidFill>
                   <a:srgbClr val="FFFFFF"/>
                 </a:solidFill>
@@ -11397,7 +12322,7 @@
               <a:t> </a:t>
             </a:r>
             <a:r>
-              <a:rPr dirty="0" sz="3600" spc="-254">
+              <a:rPr sz="3600" spc="-254" dirty="0">
                 <a:solidFill>
                   <a:srgbClr val="FFFFFF"/>
                 </a:solidFill>
@@ -11456,7 +12381,7 @@
             <a:cxnLst/>
             <a:rect l="l" t="t" r="r" b="b"/>
             <a:pathLst>
-              <a:path w="9966960" h="0">
+              <a:path w="9966960">
                 <a:moveTo>
                   <a:pt x="0" y="0"/>
                 </a:moveTo>
@@ -11475,7 +12400,9 @@
         <p:txBody>
           <a:bodyPr wrap="square" lIns="0" tIns="0" rIns="0" bIns="0" rtlCol="0"/>
           <a:lstStyle/>
-          <a:p/>
+          <a:p>
+            <a:endParaRPr/>
+          </a:p>
         </p:txBody>
       </p:sp>
       <p:sp>
@@ -11493,10 +12420,12 @@
             <a:off x="1176324" y="913841"/>
             <a:ext cx="5643880" cy="757555"/>
           </a:xfrm>
-          <a:prstGeom prst="rect"/>
+          <a:prstGeom prst="rect">
+            <a:avLst/>
+          </a:prstGeom>
         </p:spPr>
         <p:txBody>
-          <a:bodyPr wrap="square" lIns="0" tIns="12700" rIns="0" bIns="0" rtlCol="0" vert="horz">
+          <a:bodyPr vert="horz" wrap="square" lIns="0" tIns="12700" rIns="0" bIns="0" rtlCol="0">
             <a:spAutoFit/>
           </a:bodyPr>
           <a:lstStyle/>
@@ -11513,11 +12442,11 @@
               </a:tabLst>
             </a:pPr>
             <a:r>
-              <a:rPr dirty="0" u="none" spc="-580"/>
+              <a:rPr u="none" spc="-580" dirty="0"/>
               <a:t>FUNCTIONAL	</a:t>
             </a:r>
             <a:r>
-              <a:rPr dirty="0" u="none" spc="-570"/>
+              <a:rPr u="none" spc="-570" dirty="0"/>
               <a:t>UTILITIES</a:t>
             </a:r>
           </a:p>
@@ -11541,7 +12470,7 @@
             <a:cxnLst/>
             <a:rect l="l" t="t" r="r" b="b"/>
             <a:pathLst>
-              <a:path w="805180" h="0">
+              <a:path w="805180">
                 <a:moveTo>
                   <a:pt x="0" y="0"/>
                 </a:moveTo>
@@ -11560,7 +12489,9 @@
         <p:txBody>
           <a:bodyPr wrap="square" lIns="0" tIns="0" rIns="0" bIns="0" rtlCol="0"/>
           <a:lstStyle/>
-          <a:p/>
+          <a:p>
+            <a:endParaRPr/>
+          </a:p>
         </p:txBody>
       </p:sp>
       <p:sp>
@@ -11581,7 +12512,7 @@
             <a:cxnLst/>
             <a:rect l="l" t="t" r="r" b="b"/>
             <a:pathLst>
-              <a:path w="817244" h="0">
+              <a:path w="817244">
                 <a:moveTo>
                   <a:pt x="0" y="0"/>
                 </a:moveTo>
@@ -11600,7 +12531,9 @@
         <p:txBody>
           <a:bodyPr wrap="square" lIns="0" tIns="0" rIns="0" bIns="0" rtlCol="0"/>
           <a:lstStyle/>
-          <a:p/>
+          <a:p>
+            <a:endParaRPr/>
+          </a:p>
         </p:txBody>
       </p:sp>
       <p:sp>
@@ -11627,7 +12560,9 @@
         <p:txBody>
           <a:bodyPr wrap="square" lIns="0" tIns="0" rIns="0" bIns="0" rtlCol="0"/>
           <a:lstStyle/>
-          <a:p/>
+          <a:p>
+            <a:endParaRPr/>
+          </a:p>
         </p:txBody>
       </p:sp>
       <p:sp>
@@ -11654,7 +12589,9 @@
         <p:txBody>
           <a:bodyPr wrap="square" lIns="0" tIns="0" rIns="0" bIns="0" rtlCol="0"/>
           <a:lstStyle/>
-          <a:p/>
+          <a:p>
+            <a:endParaRPr/>
+          </a:p>
         </p:txBody>
       </p:sp>
       <p:sp>
@@ -11681,7 +12618,9 @@
         <p:txBody>
           <a:bodyPr wrap="square" lIns="0" tIns="0" rIns="0" bIns="0" rtlCol="0"/>
           <a:lstStyle/>
-          <a:p/>
+          <a:p>
+            <a:endParaRPr/>
+          </a:p>
         </p:txBody>
       </p:sp>
       <p:sp>
@@ -11708,7 +12647,9 @@
         <p:txBody>
           <a:bodyPr wrap="square" lIns="0" tIns="0" rIns="0" bIns="0" rtlCol="0"/>
           <a:lstStyle/>
-          <a:p/>
+          <a:p>
+            <a:endParaRPr/>
+          </a:p>
         </p:txBody>
       </p:sp>
       <p:sp>
@@ -11914,7 +12855,9 @@
         <p:txBody>
           <a:bodyPr wrap="square" lIns="0" tIns="0" rIns="0" bIns="0" rtlCol="0"/>
           <a:lstStyle/>
-          <a:p/>
+          <a:p>
+            <a:endParaRPr/>
+          </a:p>
         </p:txBody>
       </p:sp>
       <p:sp>
@@ -11979,7 +12922,9 @@
         <p:txBody>
           <a:bodyPr wrap="square" lIns="0" tIns="0" rIns="0" bIns="0" rtlCol="0"/>
           <a:lstStyle/>
-          <a:p/>
+          <a:p>
+            <a:endParaRPr/>
+          </a:p>
         </p:txBody>
       </p:sp>
       <p:sp>
@@ -12038,7 +12983,9 @@
         <p:txBody>
           <a:bodyPr wrap="square" lIns="0" tIns="0" rIns="0" bIns="0" rtlCol="0"/>
           <a:lstStyle/>
-          <a:p/>
+          <a:p>
+            <a:endParaRPr/>
+          </a:p>
         </p:txBody>
       </p:sp>
       <p:sp>
@@ -12057,7 +13004,7 @@
           </a:prstGeom>
         </p:spPr>
         <p:txBody>
-          <a:bodyPr wrap="square" lIns="0" tIns="27305" rIns="0" bIns="0" rtlCol="0" vert="horz">
+          <a:bodyPr vert="horz" wrap="square" lIns="0" tIns="27305" rIns="0" bIns="0" rtlCol="0">
             <a:spAutoFit/>
           </a:bodyPr>
           <a:lstStyle/>
@@ -12071,133 +13018,133 @@
               </a:spcBef>
             </a:pPr>
             <a:r>
-              <a:rPr dirty="0" sz="1100" spc="-45">
+              <a:rPr sz="1100" spc="-45" dirty="0">
                 <a:latin typeface="Arial"/>
                 <a:cs typeface="Arial"/>
               </a:rPr>
               <a:t>1) </a:t>
             </a:r>
             <a:r>
-              <a:rPr dirty="0" sz="1100" spc="-30">
+              <a:rPr sz="1100" spc="-30" dirty="0">
                 <a:latin typeface="Arial"/>
                 <a:cs typeface="Arial"/>
               </a:rPr>
               <a:t>Insertion - </a:t>
             </a:r>
             <a:r>
-              <a:rPr dirty="0" sz="1100" spc="-75">
+              <a:rPr sz="1100" spc="-75" dirty="0">
                 <a:latin typeface="Arial"/>
                 <a:cs typeface="Arial"/>
               </a:rPr>
               <a:t>This  </a:t>
             </a:r>
             <a:r>
-              <a:rPr dirty="0" sz="1100" spc="-15">
+              <a:rPr sz="1100" spc="-15" dirty="0">
                 <a:latin typeface="Arial"/>
                 <a:cs typeface="Arial"/>
               </a:rPr>
               <a:t>functionality </a:t>
             </a:r>
             <a:r>
-              <a:rPr dirty="0" sz="1100" spc="-50">
+              <a:rPr sz="1100" spc="-50" dirty="0">
                 <a:latin typeface="Arial"/>
                 <a:cs typeface="Arial"/>
               </a:rPr>
               <a:t>helps </a:t>
             </a:r>
             <a:r>
-              <a:rPr dirty="0" sz="1100" spc="-15">
+              <a:rPr sz="1100" spc="-15" dirty="0">
                 <a:latin typeface="Arial"/>
                 <a:cs typeface="Arial"/>
               </a:rPr>
               <a:t>in  </a:t>
             </a:r>
             <a:r>
-              <a:rPr dirty="0" sz="1100" spc="-30">
+              <a:rPr sz="1100" spc="-30" dirty="0">
                 <a:latin typeface="Arial"/>
                 <a:cs typeface="Arial"/>
               </a:rPr>
               <a:t>inserting </a:t>
             </a:r>
             <a:r>
-              <a:rPr dirty="0" sz="1100" spc="-35">
+              <a:rPr sz="1100" spc="-35" dirty="0">
                 <a:latin typeface="Arial"/>
                 <a:cs typeface="Arial"/>
               </a:rPr>
               <a:t>details </a:t>
             </a:r>
             <a:r>
-              <a:rPr dirty="0" sz="1100" spc="-30">
+              <a:rPr sz="1100" spc="-30" dirty="0">
                 <a:latin typeface="Arial"/>
                 <a:cs typeface="Arial"/>
               </a:rPr>
               <a:t>which </a:t>
             </a:r>
             <a:r>
-              <a:rPr dirty="0" sz="1100" spc="-45">
+              <a:rPr sz="1100" spc="-45" dirty="0">
                 <a:latin typeface="Arial"/>
                 <a:cs typeface="Arial"/>
               </a:rPr>
               <a:t>are  </a:t>
             </a:r>
             <a:r>
-              <a:rPr dirty="0" sz="1100" spc="-25">
+              <a:rPr sz="1100" spc="-25" dirty="0">
                 <a:latin typeface="Arial"/>
                 <a:cs typeface="Arial"/>
               </a:rPr>
               <a:t>related </a:t>
             </a:r>
             <a:r>
-              <a:rPr dirty="0" sz="1100" spc="15">
+              <a:rPr sz="1100" spc="15" dirty="0">
                 <a:latin typeface="Arial"/>
                 <a:cs typeface="Arial"/>
               </a:rPr>
               <a:t>to </a:t>
             </a:r>
             <a:r>
-              <a:rPr dirty="0" sz="1100" spc="-10">
+              <a:rPr sz="1100" spc="-10" dirty="0">
                 <a:latin typeface="Arial"/>
                 <a:cs typeface="Arial"/>
               </a:rPr>
               <a:t>the  </a:t>
             </a:r>
             <a:r>
-              <a:rPr dirty="0" sz="1100" spc="-30">
+              <a:rPr sz="1100" spc="-30" dirty="0">
                 <a:latin typeface="Arial"/>
                 <a:cs typeface="Arial"/>
               </a:rPr>
               <a:t>apartments/estates.</a:t>
             </a:r>
             <a:r>
-              <a:rPr dirty="0" sz="1100" spc="-135">
+              <a:rPr sz="1100" spc="-135" dirty="0">
                 <a:latin typeface="Arial"/>
                 <a:cs typeface="Arial"/>
               </a:rPr>
               <a:t> </a:t>
             </a:r>
             <a:r>
-              <a:rPr dirty="0" sz="1100" spc="-90">
+              <a:rPr sz="1100" spc="-90" dirty="0">
                 <a:latin typeface="Arial"/>
                 <a:cs typeface="Arial"/>
               </a:rPr>
               <a:t>These  </a:t>
             </a:r>
             <a:r>
-              <a:rPr dirty="0" sz="1100" spc="-35">
+              <a:rPr sz="1100" spc="-35" dirty="0">
                 <a:latin typeface="Arial"/>
                 <a:cs typeface="Arial"/>
               </a:rPr>
               <a:t>details include</a:t>
             </a:r>
             <a:r>
-              <a:rPr dirty="0" sz="1100" spc="-100">
+              <a:rPr sz="1100" spc="-100" dirty="0">
                 <a:latin typeface="Arial"/>
                 <a:cs typeface="Arial"/>
               </a:rPr>
               <a:t> </a:t>
             </a:r>
             <a:r>
-              <a:rPr dirty="0" sz="1100" spc="-10">
+              <a:rPr sz="1100" spc="-10" dirty="0">
                 <a:latin typeface="Arial"/>
                 <a:cs typeface="Arial"/>
               </a:rPr>
@@ -12215,28 +13162,28 @@
               </a:lnSpc>
             </a:pPr>
             <a:r>
-              <a:rPr dirty="0" sz="1100" spc="-25">
+              <a:rPr sz="1100" spc="-25" dirty="0">
                 <a:latin typeface="Arial"/>
                 <a:cs typeface="Arial"/>
               </a:rPr>
               <a:t>apartment’s </a:t>
             </a:r>
             <a:r>
-              <a:rPr dirty="0" sz="1100" spc="-50">
+              <a:rPr sz="1100" spc="-50" dirty="0">
                 <a:latin typeface="Arial"/>
                 <a:cs typeface="Arial"/>
               </a:rPr>
               <a:t>name,</a:t>
             </a:r>
             <a:r>
-              <a:rPr dirty="0" sz="1100" spc="-155">
+              <a:rPr sz="1100" spc="-155" dirty="0">
                 <a:latin typeface="Arial"/>
                 <a:cs typeface="Arial"/>
               </a:rPr>
               <a:t> </a:t>
             </a:r>
             <a:r>
-              <a:rPr dirty="0" sz="1100" spc="-70">
+              <a:rPr sz="1100" spc="-70" dirty="0">
                 <a:latin typeface="Arial"/>
                 <a:cs typeface="Arial"/>
               </a:rPr>
@@ -12257,140 +13204,140 @@
               </a:spcBef>
             </a:pPr>
             <a:r>
-              <a:rPr dirty="0" sz="1100" spc="-35">
+              <a:rPr sz="1100" spc="-35" dirty="0">
                 <a:latin typeface="Arial"/>
                 <a:cs typeface="Arial"/>
               </a:rPr>
               <a:t>price, </a:t>
             </a:r>
             <a:r>
-              <a:rPr dirty="0" sz="1100" spc="-30">
+              <a:rPr sz="1100" spc="-30" dirty="0">
                 <a:latin typeface="Arial"/>
                 <a:cs typeface="Arial"/>
               </a:rPr>
               <a:t>owner’s  </a:t>
             </a:r>
             <a:r>
-              <a:rPr dirty="0" sz="1100" spc="-15">
+              <a:rPr sz="1100" spc="-15" dirty="0">
                 <a:latin typeface="Arial"/>
                 <a:cs typeface="Arial"/>
               </a:rPr>
               <a:t>information, </a:t>
             </a:r>
             <a:r>
-              <a:rPr dirty="0" sz="1100" spc="-20">
+              <a:rPr sz="1100" spc="-20" dirty="0">
                 <a:latin typeface="Arial"/>
                 <a:cs typeface="Arial"/>
               </a:rPr>
               <a:t>condition,  </a:t>
             </a:r>
             <a:r>
-              <a:rPr dirty="0" sz="1100" spc="-30">
+              <a:rPr sz="1100" spc="-30" dirty="0">
                 <a:latin typeface="Arial"/>
                 <a:cs typeface="Arial"/>
               </a:rPr>
               <a:t>etc. </a:t>
             </a:r>
             <a:r>
-              <a:rPr dirty="0" sz="1100" spc="-105">
+              <a:rPr sz="1100" spc="-105" dirty="0">
                 <a:latin typeface="Arial"/>
                 <a:cs typeface="Arial"/>
               </a:rPr>
               <a:t>Each </a:t>
             </a:r>
             <a:r>
-              <a:rPr dirty="0" sz="1100">
+              <a:rPr sz="1100" dirty="0">
                 <a:latin typeface="Arial"/>
                 <a:cs typeface="Arial"/>
               </a:rPr>
               <a:t>of </a:t>
             </a:r>
             <a:r>
-              <a:rPr dirty="0" sz="1100" spc="-10">
+              <a:rPr sz="1100" spc="-10" dirty="0">
                 <a:latin typeface="Arial"/>
                 <a:cs typeface="Arial"/>
               </a:rPr>
               <a:t>the</a:t>
             </a:r>
             <a:r>
-              <a:rPr dirty="0" sz="1100" spc="-215">
+              <a:rPr sz="1100" spc="-215" dirty="0">
                 <a:latin typeface="Arial"/>
                 <a:cs typeface="Arial"/>
               </a:rPr>
               <a:t> </a:t>
             </a:r>
             <a:r>
-              <a:rPr dirty="0" sz="1100" spc="-35">
+              <a:rPr sz="1100" spc="-35" dirty="0">
                 <a:latin typeface="Arial"/>
                 <a:cs typeface="Arial"/>
               </a:rPr>
               <a:t>details </a:t>
             </a:r>
             <a:r>
-              <a:rPr dirty="0" sz="1100" spc="-45">
+              <a:rPr sz="1100" spc="-45" dirty="0">
                 <a:latin typeface="Arial"/>
                 <a:cs typeface="Arial"/>
               </a:rPr>
               <a:t>are  </a:t>
             </a:r>
             <a:r>
-              <a:rPr dirty="0" sz="1100" spc="-25">
+              <a:rPr sz="1100" spc="-25" dirty="0">
                 <a:latin typeface="Arial"/>
                 <a:cs typeface="Arial"/>
               </a:rPr>
               <a:t>explicitly </a:t>
             </a:r>
             <a:r>
-              <a:rPr dirty="0" sz="1100" spc="-55">
+              <a:rPr sz="1100" spc="-55" dirty="0">
                 <a:latin typeface="Arial"/>
                 <a:cs typeface="Arial"/>
               </a:rPr>
               <a:t>added </a:t>
             </a:r>
             <a:r>
-              <a:rPr dirty="0" sz="1100" spc="-30">
+              <a:rPr sz="1100" spc="-30" dirty="0">
                 <a:latin typeface="Arial"/>
                 <a:cs typeface="Arial"/>
               </a:rPr>
               <a:t>which </a:t>
             </a:r>
             <a:r>
-              <a:rPr dirty="0" sz="1100" spc="-45">
+              <a:rPr sz="1100" spc="-45" dirty="0">
                 <a:latin typeface="Arial"/>
                 <a:cs typeface="Arial"/>
               </a:rPr>
               <a:t>are  </a:t>
             </a:r>
             <a:r>
-              <a:rPr dirty="0" sz="1100" spc="-30">
+              <a:rPr sz="1100" spc="-30" dirty="0">
                 <a:latin typeface="Arial"/>
                 <a:cs typeface="Arial"/>
               </a:rPr>
               <a:t>stored </a:t>
             </a:r>
             <a:r>
-              <a:rPr dirty="0" sz="1100" spc="-15">
+              <a:rPr sz="1100" spc="-15" dirty="0">
                 <a:latin typeface="Arial"/>
                 <a:cs typeface="Arial"/>
               </a:rPr>
               <a:t>in </a:t>
             </a:r>
             <a:r>
-              <a:rPr dirty="0" sz="1100" spc="-85">
+              <a:rPr sz="1100" spc="-85" dirty="0">
                 <a:latin typeface="Arial"/>
                 <a:cs typeface="Arial"/>
               </a:rPr>
               <a:t>a</a:t>
             </a:r>
             <a:r>
-              <a:rPr dirty="0" sz="1100" spc="-165">
+              <a:rPr sz="1100" spc="-165" dirty="0">
                 <a:latin typeface="Arial"/>
                 <a:cs typeface="Arial"/>
               </a:rPr>
               <a:t> </a:t>
             </a:r>
             <a:r>
-              <a:rPr dirty="0" sz="1100" spc="-10">
+              <a:rPr sz="1100" spc="-10" dirty="0">
                 <a:latin typeface="Arial"/>
                 <a:cs typeface="Arial"/>
               </a:rPr>
@@ -12421,7 +13368,7 @@
             <a:cxnLst/>
             <a:rect l="l" t="t" r="r" b="b"/>
             <a:pathLst>
-              <a:path w="1811020" h="0">
+              <a:path w="1811020">
                 <a:moveTo>
                   <a:pt x="0" y="0"/>
                 </a:moveTo>
@@ -12440,7 +13387,9 @@
         <p:txBody>
           <a:bodyPr wrap="square" lIns="0" tIns="0" rIns="0" bIns="0" rtlCol="0"/>
           <a:lstStyle/>
-          <a:p/>
+          <a:p>
+            <a:endParaRPr/>
+          </a:p>
         </p:txBody>
       </p:sp>
       <p:sp>
@@ -12461,7 +13410,7 @@
             <a:cxnLst/>
             <a:rect l="l" t="t" r="r" b="b"/>
             <a:pathLst>
-              <a:path w="1823085" h="0">
+              <a:path w="1823085">
                 <a:moveTo>
                   <a:pt x="0" y="0"/>
                 </a:moveTo>
@@ -12480,7 +13429,9 @@
         <p:txBody>
           <a:bodyPr wrap="square" lIns="0" tIns="0" rIns="0" bIns="0" rtlCol="0"/>
           <a:lstStyle/>
-          <a:p/>
+          <a:p>
+            <a:endParaRPr/>
+          </a:p>
         </p:txBody>
       </p:sp>
       <p:sp>
@@ -12507,7 +13458,9 @@
         <p:txBody>
           <a:bodyPr wrap="square" lIns="0" tIns="0" rIns="0" bIns="0" rtlCol="0"/>
           <a:lstStyle/>
-          <a:p/>
+          <a:p>
+            <a:endParaRPr/>
+          </a:p>
         </p:txBody>
       </p:sp>
       <p:sp>
@@ -12525,7 +13478,7 @@
             <a:avLst/>
           </a:prstGeom>
           <a:blipFill>
-            <a:blip r:embed="rId7" cstate="print"/>
+            <a:blip r:embed="rId3" cstate="print"/>
             <a:stretch>
               <a:fillRect/>
             </a:stretch>
@@ -12534,7 +13487,9 @@
         <p:txBody>
           <a:bodyPr wrap="square" lIns="0" tIns="0" rIns="0" bIns="0" rtlCol="0"/>
           <a:lstStyle/>
-          <a:p/>
+          <a:p>
+            <a:endParaRPr/>
+          </a:p>
         </p:txBody>
       </p:sp>
       <p:sp>
@@ -12552,7 +13507,7 @@
             <a:avLst/>
           </a:prstGeom>
           <a:blipFill>
-            <a:blip r:embed="rId8" cstate="print"/>
+            <a:blip r:embed="rId4" cstate="print"/>
             <a:stretch>
               <a:fillRect/>
             </a:stretch>
@@ -12561,7 +13516,9 @@
         <p:txBody>
           <a:bodyPr wrap="square" lIns="0" tIns="0" rIns="0" bIns="0" rtlCol="0"/>
           <a:lstStyle/>
-          <a:p/>
+          <a:p>
+            <a:endParaRPr/>
+          </a:p>
         </p:txBody>
       </p:sp>
       <p:sp>
@@ -12579,7 +13536,7 @@
             <a:avLst/>
           </a:prstGeom>
           <a:blipFill>
-            <a:blip r:embed="rId9" cstate="print"/>
+            <a:blip r:embed="rId5" cstate="print"/>
             <a:stretch>
               <a:fillRect/>
             </a:stretch>
@@ -12588,7 +13545,9 @@
         <p:txBody>
           <a:bodyPr wrap="square" lIns="0" tIns="0" rIns="0" bIns="0" rtlCol="0"/>
           <a:lstStyle/>
-          <a:p/>
+          <a:p>
+            <a:endParaRPr/>
+          </a:p>
         </p:txBody>
       </p:sp>
       <p:sp>
@@ -12794,7 +13753,9 @@
         <p:txBody>
           <a:bodyPr wrap="square" lIns="0" tIns="0" rIns="0" bIns="0" rtlCol="0"/>
           <a:lstStyle/>
-          <a:p/>
+          <a:p>
+            <a:endParaRPr/>
+          </a:p>
         </p:txBody>
       </p:sp>
       <p:sp>
@@ -12859,7 +13820,9 @@
         <p:txBody>
           <a:bodyPr wrap="square" lIns="0" tIns="0" rIns="0" bIns="0" rtlCol="0"/>
           <a:lstStyle/>
-          <a:p/>
+          <a:p>
+            <a:endParaRPr/>
+          </a:p>
         </p:txBody>
       </p:sp>
       <p:sp>
@@ -12918,7 +13881,9 @@
         <p:txBody>
           <a:bodyPr wrap="square" lIns="0" tIns="0" rIns="0" bIns="0" rtlCol="0"/>
           <a:lstStyle/>
-          <a:p/>
+          <a:p>
+            <a:endParaRPr/>
+          </a:p>
         </p:txBody>
       </p:sp>
       <p:sp>
@@ -12937,7 +13902,7 @@
           </a:prstGeom>
         </p:spPr>
         <p:txBody>
-          <a:bodyPr wrap="square" lIns="0" tIns="27305" rIns="0" bIns="0" rtlCol="0" vert="horz">
+          <a:bodyPr vert="horz" wrap="square" lIns="0" tIns="27305" rIns="0" bIns="0" rtlCol="0">
             <a:spAutoFit/>
           </a:bodyPr>
           <a:lstStyle/>
@@ -12951,238 +13916,238 @@
               </a:spcBef>
             </a:pPr>
             <a:r>
-              <a:rPr dirty="0" sz="1100" spc="-45">
+              <a:rPr sz="1100" spc="-45" dirty="0">
                 <a:latin typeface="Arial"/>
                 <a:cs typeface="Arial"/>
               </a:rPr>
               <a:t>2) </a:t>
             </a:r>
             <a:r>
-              <a:rPr dirty="0" sz="1100" spc="-70">
+              <a:rPr sz="1100" spc="-70" dirty="0">
                 <a:latin typeface="Arial"/>
                 <a:cs typeface="Arial"/>
               </a:rPr>
               <a:t>Searching </a:t>
             </a:r>
             <a:r>
-              <a:rPr dirty="0" sz="1100" spc="-30">
+              <a:rPr sz="1100" spc="-30" dirty="0">
                 <a:latin typeface="Arial"/>
                 <a:cs typeface="Arial"/>
               </a:rPr>
               <a:t>- </a:t>
             </a:r>
             <a:r>
-              <a:rPr dirty="0" sz="1100" spc="-75">
+              <a:rPr sz="1100" spc="-75" dirty="0">
                 <a:latin typeface="Arial"/>
                 <a:cs typeface="Arial"/>
               </a:rPr>
               <a:t>This  </a:t>
             </a:r>
             <a:r>
-              <a:rPr dirty="0" sz="1100" spc="-15">
+              <a:rPr sz="1100" spc="-15" dirty="0">
                 <a:latin typeface="Arial"/>
                 <a:cs typeface="Arial"/>
               </a:rPr>
               <a:t>functionality </a:t>
             </a:r>
             <a:r>
-              <a:rPr dirty="0" sz="1100" spc="-50">
+              <a:rPr sz="1100" spc="-50" dirty="0">
                 <a:latin typeface="Arial"/>
                 <a:cs typeface="Arial"/>
               </a:rPr>
               <a:t>helps </a:t>
             </a:r>
             <a:r>
-              <a:rPr dirty="0" sz="1100" spc="-15">
+              <a:rPr sz="1100" spc="-15" dirty="0">
                 <a:latin typeface="Arial"/>
                 <a:cs typeface="Arial"/>
               </a:rPr>
               <a:t>the  </a:t>
             </a:r>
             <a:r>
-              <a:rPr dirty="0" sz="1100" spc="-55">
+              <a:rPr sz="1100" spc="-55" dirty="0">
                 <a:latin typeface="Arial"/>
                 <a:cs typeface="Arial"/>
               </a:rPr>
               <a:t>user </a:t>
             </a:r>
             <a:r>
-              <a:rPr dirty="0" sz="1100" spc="-15">
+              <a:rPr sz="1100" spc="-15" dirty="0">
                 <a:latin typeface="Arial"/>
                 <a:cs typeface="Arial"/>
               </a:rPr>
               <a:t>in </a:t>
             </a:r>
             <a:r>
-              <a:rPr dirty="0" sz="1100" spc="-55">
+              <a:rPr sz="1100" spc="-55" dirty="0">
                 <a:latin typeface="Arial"/>
                 <a:cs typeface="Arial"/>
               </a:rPr>
               <a:t>searching </a:t>
             </a:r>
             <a:r>
-              <a:rPr dirty="0" sz="1100" spc="5">
+              <a:rPr sz="1100" spc="5" dirty="0">
                 <a:latin typeface="Arial"/>
                 <a:cs typeface="Arial"/>
               </a:rPr>
               <a:t>for</a:t>
             </a:r>
             <a:r>
-              <a:rPr dirty="0" sz="1100" spc="-210">
+              <a:rPr sz="1100" spc="-210" dirty="0">
                 <a:latin typeface="Arial"/>
                 <a:cs typeface="Arial"/>
               </a:rPr>
               <a:t> </a:t>
             </a:r>
             <a:r>
-              <a:rPr dirty="0" sz="1100" spc="-60">
+              <a:rPr sz="1100" spc="-60" dirty="0">
                 <a:latin typeface="Arial"/>
                 <a:cs typeface="Arial"/>
               </a:rPr>
               <a:t>an  </a:t>
             </a:r>
             <a:r>
-              <a:rPr dirty="0" sz="1100" spc="-25">
+              <a:rPr sz="1100" spc="-25" dirty="0">
                 <a:latin typeface="Arial"/>
                 <a:cs typeface="Arial"/>
               </a:rPr>
               <a:t>apartment </a:t>
             </a:r>
             <a:r>
-              <a:rPr dirty="0" sz="1100" spc="-50">
+              <a:rPr sz="1100" spc="-50" dirty="0">
                 <a:latin typeface="Arial"/>
                 <a:cs typeface="Arial"/>
               </a:rPr>
               <a:t>according</a:t>
             </a:r>
             <a:r>
-              <a:rPr dirty="0" sz="1100" spc="-150">
+              <a:rPr sz="1100" spc="-150" dirty="0">
                 <a:latin typeface="Arial"/>
                 <a:cs typeface="Arial"/>
               </a:rPr>
               <a:t> </a:t>
             </a:r>
             <a:r>
-              <a:rPr dirty="0" sz="1100" spc="15">
+              <a:rPr sz="1100" spc="15" dirty="0">
                 <a:latin typeface="Arial"/>
                 <a:cs typeface="Arial"/>
               </a:rPr>
               <a:t>to  </a:t>
             </a:r>
             <a:r>
-              <a:rPr dirty="0" sz="1100" spc="-10">
+              <a:rPr sz="1100" spc="-10" dirty="0">
                 <a:latin typeface="Arial"/>
                 <a:cs typeface="Arial"/>
               </a:rPr>
               <a:t>the </a:t>
             </a:r>
             <a:r>
-              <a:rPr dirty="0" sz="1100" spc="-15">
+              <a:rPr sz="1100" spc="-15" dirty="0">
                 <a:latin typeface="Arial"/>
                 <a:cs typeface="Arial"/>
               </a:rPr>
               <a:t>field </a:t>
             </a:r>
             <a:r>
-              <a:rPr dirty="0" sz="1100" spc="-25">
+              <a:rPr sz="1100" spc="-25" dirty="0">
                 <a:latin typeface="Arial"/>
                 <a:cs typeface="Arial"/>
               </a:rPr>
               <a:t>entered. </a:t>
             </a:r>
             <a:r>
-              <a:rPr dirty="0" sz="1100" spc="-85">
+              <a:rPr sz="1100" spc="-85" dirty="0">
                 <a:latin typeface="Arial"/>
                 <a:cs typeface="Arial"/>
               </a:rPr>
               <a:t>The  </a:t>
             </a:r>
             <a:r>
-              <a:rPr dirty="0" sz="1100" spc="-65">
+              <a:rPr sz="1100" spc="-65" dirty="0">
                 <a:latin typeface="Arial"/>
                 <a:cs typeface="Arial"/>
               </a:rPr>
               <a:t>search </a:t>
             </a:r>
             <a:r>
-              <a:rPr dirty="0" sz="1100" spc="-70">
+              <a:rPr sz="1100" spc="-70" dirty="0">
                 <a:latin typeface="Arial"/>
                 <a:cs typeface="Arial"/>
               </a:rPr>
               <a:t>can </a:t>
             </a:r>
             <a:r>
-              <a:rPr dirty="0" sz="1100" spc="-50">
+              <a:rPr sz="1100" spc="-50" dirty="0">
                 <a:latin typeface="Arial"/>
                 <a:cs typeface="Arial"/>
               </a:rPr>
               <a:t>be </a:t>
             </a:r>
             <a:r>
-              <a:rPr dirty="0" sz="1100" spc="-45">
+              <a:rPr sz="1100" spc="-45" dirty="0">
                 <a:latin typeface="Arial"/>
                 <a:cs typeface="Arial"/>
               </a:rPr>
               <a:t>done  </a:t>
             </a:r>
             <a:r>
-              <a:rPr dirty="0" sz="1100" spc="-50">
+              <a:rPr sz="1100" spc="-50" dirty="0">
                 <a:latin typeface="Arial"/>
                 <a:cs typeface="Arial"/>
               </a:rPr>
               <a:t>according </a:t>
             </a:r>
             <a:r>
-              <a:rPr dirty="0" sz="1100" spc="15">
+              <a:rPr sz="1100" spc="15" dirty="0">
                 <a:latin typeface="Arial"/>
                 <a:cs typeface="Arial"/>
               </a:rPr>
               <a:t>to </a:t>
             </a:r>
             <a:r>
-              <a:rPr dirty="0" sz="1100" spc="-10">
+              <a:rPr sz="1100" spc="-10" dirty="0">
                 <a:latin typeface="Arial"/>
                 <a:cs typeface="Arial"/>
               </a:rPr>
               <a:t>different  </a:t>
             </a:r>
             <a:r>
-              <a:rPr dirty="0" sz="1100" spc="-40">
+              <a:rPr sz="1100" spc="-40" dirty="0">
                 <a:latin typeface="Arial"/>
                 <a:cs typeface="Arial"/>
               </a:rPr>
               <a:t>parameters </a:t>
             </a:r>
             <a:r>
-              <a:rPr dirty="0" sz="1100" spc="-25">
+              <a:rPr sz="1100" spc="-25" dirty="0">
                 <a:latin typeface="Arial"/>
                 <a:cs typeface="Arial"/>
               </a:rPr>
               <a:t>entered </a:t>
             </a:r>
             <a:r>
-              <a:rPr dirty="0" sz="1100" spc="-45">
+              <a:rPr sz="1100" spc="-45" dirty="0">
                 <a:latin typeface="Arial"/>
                 <a:cs typeface="Arial"/>
               </a:rPr>
               <a:t>by  </a:t>
             </a:r>
             <a:r>
-              <a:rPr dirty="0" sz="1100" spc="-10">
+              <a:rPr sz="1100" spc="-10" dirty="0">
                 <a:latin typeface="Arial"/>
                 <a:cs typeface="Arial"/>
               </a:rPr>
               <a:t>the</a:t>
             </a:r>
             <a:r>
-              <a:rPr dirty="0" sz="1100" spc="-70">
+              <a:rPr sz="1100" spc="-70" dirty="0">
                 <a:latin typeface="Arial"/>
                 <a:cs typeface="Arial"/>
               </a:rPr>
               <a:t> </a:t>
             </a:r>
             <a:r>
-              <a:rPr dirty="0" sz="1100" spc="-50">
+              <a:rPr sz="1100" spc="-50" dirty="0">
                 <a:latin typeface="Arial"/>
                 <a:cs typeface="Arial"/>
               </a:rPr>
@@ -13213,7 +14178,7 @@
             <a:cxnLst/>
             <a:rect l="l" t="t" r="r" b="b"/>
             <a:pathLst>
-              <a:path w="1811020" h="0">
+              <a:path w="1811020">
                 <a:moveTo>
                   <a:pt x="0" y="0"/>
                 </a:moveTo>
@@ -13232,7 +14197,9 @@
         <p:txBody>
           <a:bodyPr wrap="square" lIns="0" tIns="0" rIns="0" bIns="0" rtlCol="0"/>
           <a:lstStyle/>
-          <a:p/>
+          <a:p>
+            <a:endParaRPr/>
+          </a:p>
         </p:txBody>
       </p:sp>
       <p:sp>
@@ -13253,7 +14220,7 @@
             <a:cxnLst/>
             <a:rect l="l" t="t" r="r" b="b"/>
             <a:pathLst>
-              <a:path w="1823084" h="0">
+              <a:path w="1823084">
                 <a:moveTo>
                   <a:pt x="0" y="0"/>
                 </a:moveTo>
@@ -13272,7 +14239,9 @@
         <p:txBody>
           <a:bodyPr wrap="square" lIns="0" tIns="0" rIns="0" bIns="0" rtlCol="0"/>
           <a:lstStyle/>
-          <a:p/>
+          <a:p>
+            <a:endParaRPr/>
+          </a:p>
         </p:txBody>
       </p:sp>
       <p:sp>
@@ -13290,7 +14259,7 @@
             <a:avLst/>
           </a:prstGeom>
           <a:blipFill>
-            <a:blip r:embed="rId10" cstate="print"/>
+            <a:blip r:embed="rId2" cstate="print"/>
             <a:stretch>
               <a:fillRect/>
             </a:stretch>
@@ -13299,7 +14268,9 @@
         <p:txBody>
           <a:bodyPr wrap="square" lIns="0" tIns="0" rIns="0" bIns="0" rtlCol="0"/>
           <a:lstStyle/>
-          <a:p/>
+          <a:p>
+            <a:endParaRPr/>
+          </a:p>
         </p:txBody>
       </p:sp>
       <p:sp>
@@ -13317,7 +14288,7 @@
             <a:avLst/>
           </a:prstGeom>
           <a:blipFill>
-            <a:blip r:embed="rId11" cstate="print"/>
+            <a:blip r:embed="rId3" cstate="print"/>
             <a:stretch>
               <a:fillRect/>
             </a:stretch>
@@ -13326,7 +14297,9 @@
         <p:txBody>
           <a:bodyPr wrap="square" lIns="0" tIns="0" rIns="0" bIns="0" rtlCol="0"/>
           <a:lstStyle/>
-          <a:p/>
+          <a:p>
+            <a:endParaRPr/>
+          </a:p>
         </p:txBody>
       </p:sp>
       <p:sp>
@@ -13344,7 +14317,7 @@
             <a:avLst/>
           </a:prstGeom>
           <a:blipFill>
-            <a:blip r:embed="rId12" cstate="print"/>
+            <a:blip r:embed="rId4" cstate="print"/>
             <a:stretch>
               <a:fillRect/>
             </a:stretch>
@@ -13353,7 +14326,9 @@
         <p:txBody>
           <a:bodyPr wrap="square" lIns="0" tIns="0" rIns="0" bIns="0" rtlCol="0"/>
           <a:lstStyle/>
-          <a:p/>
+          <a:p>
+            <a:endParaRPr/>
+          </a:p>
         </p:txBody>
       </p:sp>
       <p:sp>
@@ -13371,7 +14346,7 @@
             <a:avLst/>
           </a:prstGeom>
           <a:blipFill>
-            <a:blip r:embed="rId13" cstate="print"/>
+            <a:blip r:embed="rId5" cstate="print"/>
             <a:stretch>
               <a:fillRect/>
             </a:stretch>
@@ -13380,7 +14355,9 @@
         <p:txBody>
           <a:bodyPr wrap="square" lIns="0" tIns="0" rIns="0" bIns="0" rtlCol="0"/>
           <a:lstStyle/>
-          <a:p/>
+          <a:p>
+            <a:endParaRPr/>
+          </a:p>
         </p:txBody>
       </p:sp>
       <p:sp>
@@ -13586,7 +14563,9 @@
         <p:txBody>
           <a:bodyPr wrap="square" lIns="0" tIns="0" rIns="0" bIns="0" rtlCol="0"/>
           <a:lstStyle/>
-          <a:p/>
+          <a:p>
+            <a:endParaRPr/>
+          </a:p>
         </p:txBody>
       </p:sp>
       <p:sp>
@@ -13605,7 +14584,7 @@
           </a:prstGeom>
         </p:spPr>
         <p:txBody>
-          <a:bodyPr wrap="square" lIns="0" tIns="12700" rIns="0" bIns="0" rtlCol="0" vert="horz">
+          <a:bodyPr vert="horz" wrap="square" lIns="0" tIns="12700" rIns="0" bIns="0" rtlCol="0">
             <a:spAutoFit/>
           </a:bodyPr>
           <a:lstStyle/>
@@ -13623,54 +14602,14 @@
               </a:tabLst>
             </a:pPr>
             <a:r>
-              <a:rPr dirty="0" sz="3600" spc="-180">
+              <a:rPr sz="3600" spc="-180" dirty="0">
                 <a:solidFill>
                   <a:srgbClr val="FFFFFF"/>
                 </a:solidFill>
                 <a:latin typeface="Arial"/>
                 <a:cs typeface="Arial"/>
               </a:rPr>
-              <a:t>1</a:t>
-            </a:r>
-            <a:r>
-              <a:rPr dirty="0" sz="3600" spc="-180">
-                <a:solidFill>
-                  <a:srgbClr val="FFFFFF"/>
-                </a:solidFill>
-                <a:latin typeface="Arial"/>
-                <a:cs typeface="Arial"/>
-              </a:rPr>
-              <a:t>	</a:t>
-            </a:r>
-            <a:r>
-              <a:rPr dirty="0" sz="3600" spc="-180">
-                <a:solidFill>
-                  <a:srgbClr val="FFFFFF"/>
-                </a:solidFill>
-                <a:latin typeface="Arial"/>
-                <a:cs typeface="Arial"/>
-              </a:rPr>
-              <a:t>2</a:t>
-            </a:r>
-            <a:r>
-              <a:rPr dirty="0" sz="3600" spc="-180">
-                <a:solidFill>
-                  <a:srgbClr val="FFFFFF"/>
-                </a:solidFill>
-                <a:latin typeface="Arial"/>
-                <a:cs typeface="Arial"/>
-              </a:rPr>
-              <a:t>	</a:t>
-            </a:r>
-            <a:r>
-              <a:rPr dirty="0" sz="3600" spc="-180">
-                <a:solidFill>
-                  <a:srgbClr val="FFFFFF"/>
-                </a:solidFill>
-                <a:latin typeface="Arial"/>
-                <a:cs typeface="Arial"/>
-              </a:rPr>
-              <a:t>3</a:t>
+              <a:t>1	2	3</a:t>
             </a:r>
             <a:endParaRPr sz="3600">
               <a:latin typeface="Arial"/>
@@ -13741,7 +14680,9 @@
         <p:txBody>
           <a:bodyPr wrap="square" lIns="0" tIns="0" rIns="0" bIns="0" rtlCol="0"/>
           <a:lstStyle/>
-          <a:p/>
+          <a:p>
+            <a:endParaRPr/>
+          </a:p>
         </p:txBody>
       </p:sp>
       <p:sp>
@@ -13800,7 +14741,9 @@
         <p:txBody>
           <a:bodyPr wrap="square" lIns="0" tIns="0" rIns="0" bIns="0" rtlCol="0"/>
           <a:lstStyle/>
-          <a:p/>
+          <a:p>
+            <a:endParaRPr/>
+          </a:p>
         </p:txBody>
       </p:sp>
       <p:sp>
@@ -13819,7 +14762,7 @@
           </a:prstGeom>
         </p:spPr>
         <p:txBody>
-          <a:bodyPr wrap="square" lIns="0" tIns="27305" rIns="0" bIns="0" rtlCol="0" vert="horz">
+          <a:bodyPr vert="horz" wrap="square" lIns="0" tIns="27305" rIns="0" bIns="0" rtlCol="0">
             <a:spAutoFit/>
           </a:bodyPr>
           <a:lstStyle/>
@@ -13833,210 +14776,210 @@
               </a:spcBef>
             </a:pPr>
             <a:r>
-              <a:rPr dirty="0" sz="1100" spc="-45">
+              <a:rPr sz="1100" spc="-45" dirty="0">
                 <a:latin typeface="Arial"/>
                 <a:cs typeface="Arial"/>
               </a:rPr>
               <a:t>3) </a:t>
             </a:r>
             <a:r>
-              <a:rPr dirty="0" sz="1100" spc="-20">
+              <a:rPr sz="1100" spc="-20" dirty="0">
                 <a:latin typeface="Arial"/>
                 <a:cs typeface="Arial"/>
               </a:rPr>
               <a:t>Modifying </a:t>
             </a:r>
             <a:r>
-              <a:rPr dirty="0" sz="1100" spc="-30">
+              <a:rPr sz="1100" spc="-30" dirty="0">
                 <a:latin typeface="Arial"/>
                 <a:cs typeface="Arial"/>
               </a:rPr>
               <a:t>- </a:t>
             </a:r>
             <a:r>
-              <a:rPr dirty="0" sz="1100" spc="-75">
+              <a:rPr sz="1100" spc="-75" dirty="0">
                 <a:latin typeface="Arial"/>
                 <a:cs typeface="Arial"/>
               </a:rPr>
               <a:t>This  </a:t>
             </a:r>
             <a:r>
-              <a:rPr dirty="0" sz="1100" spc="-15">
+              <a:rPr sz="1100" spc="-15" dirty="0">
                 <a:latin typeface="Arial"/>
                 <a:cs typeface="Arial"/>
               </a:rPr>
               <a:t>functionality </a:t>
             </a:r>
             <a:r>
-              <a:rPr dirty="0" sz="1100" spc="-50">
+              <a:rPr sz="1100" spc="-50" dirty="0">
                 <a:latin typeface="Arial"/>
                 <a:cs typeface="Arial"/>
               </a:rPr>
               <a:t>helps </a:t>
             </a:r>
             <a:r>
-              <a:rPr dirty="0" sz="1100" spc="-15">
+              <a:rPr sz="1100" spc="-15" dirty="0">
                 <a:latin typeface="Arial"/>
                 <a:cs typeface="Arial"/>
               </a:rPr>
               <a:t>in  </a:t>
             </a:r>
             <a:r>
-              <a:rPr dirty="0" sz="1100" spc="-50">
+              <a:rPr sz="1100" spc="-50" dirty="0">
                 <a:latin typeface="Arial"/>
                 <a:cs typeface="Arial"/>
               </a:rPr>
               <a:t>making </a:t>
             </a:r>
             <a:r>
-              <a:rPr dirty="0" sz="1100" spc="-75">
+              <a:rPr sz="1100" spc="-75" dirty="0">
                 <a:latin typeface="Arial"/>
                 <a:cs typeface="Arial"/>
               </a:rPr>
               <a:t>changes </a:t>
             </a:r>
             <a:r>
-              <a:rPr dirty="0" sz="1100" spc="15">
+              <a:rPr sz="1100" spc="15" dirty="0">
                 <a:latin typeface="Arial"/>
                 <a:cs typeface="Arial"/>
               </a:rPr>
               <a:t>to </a:t>
             </a:r>
             <a:r>
-              <a:rPr dirty="0" sz="1100" spc="-10">
+              <a:rPr sz="1100" spc="-10" dirty="0">
                 <a:latin typeface="Arial"/>
                 <a:cs typeface="Arial"/>
               </a:rPr>
               <a:t>the  </a:t>
             </a:r>
             <a:r>
-              <a:rPr dirty="0" sz="1100" spc="-55">
+              <a:rPr sz="1100" spc="-55" dirty="0">
                 <a:latin typeface="Arial"/>
                 <a:cs typeface="Arial"/>
               </a:rPr>
               <a:t>added </a:t>
             </a:r>
             <a:r>
-              <a:rPr dirty="0" sz="1100" spc="-30">
+              <a:rPr sz="1100" spc="-30" dirty="0">
                 <a:latin typeface="Arial"/>
                 <a:cs typeface="Arial"/>
               </a:rPr>
               <a:t>apartments. </a:t>
             </a:r>
             <a:r>
-              <a:rPr dirty="0" sz="1100" spc="-85">
+              <a:rPr sz="1100" spc="-85" dirty="0">
                 <a:latin typeface="Arial"/>
                 <a:cs typeface="Arial"/>
               </a:rPr>
               <a:t>The  </a:t>
             </a:r>
             <a:r>
-              <a:rPr dirty="0" sz="1100" spc="-55">
+              <a:rPr sz="1100" spc="-55" dirty="0">
                 <a:latin typeface="Arial"/>
                 <a:cs typeface="Arial"/>
               </a:rPr>
               <a:t>user </a:t>
             </a:r>
             <a:r>
-              <a:rPr dirty="0" sz="1100" spc="-70">
+              <a:rPr sz="1100" spc="-70" dirty="0">
                 <a:latin typeface="Arial"/>
                 <a:cs typeface="Arial"/>
               </a:rPr>
               <a:t>can change </a:t>
             </a:r>
             <a:r>
-              <a:rPr dirty="0" sz="1100" spc="-10">
+              <a:rPr sz="1100" spc="-10" dirty="0">
                 <a:latin typeface="Arial"/>
                 <a:cs typeface="Arial"/>
               </a:rPr>
               <a:t>the  </a:t>
             </a:r>
             <a:r>
-              <a:rPr dirty="0" sz="1100" spc="-25">
+              <a:rPr sz="1100" spc="-25" dirty="0">
                 <a:latin typeface="Arial"/>
                 <a:cs typeface="Arial"/>
               </a:rPr>
               <a:t>apartment </a:t>
             </a:r>
             <a:r>
-              <a:rPr dirty="0" sz="1100" spc="-35">
+              <a:rPr sz="1100" spc="-35" dirty="0">
                 <a:latin typeface="Arial"/>
                 <a:cs typeface="Arial"/>
               </a:rPr>
               <a:t>details </a:t>
             </a:r>
             <a:r>
-              <a:rPr dirty="0" sz="1100" spc="-70">
+              <a:rPr sz="1100" spc="-70" dirty="0">
                 <a:latin typeface="Arial"/>
                 <a:cs typeface="Arial"/>
               </a:rPr>
               <a:t>such</a:t>
             </a:r>
             <a:r>
-              <a:rPr dirty="0" sz="1100" spc="-185">
+              <a:rPr sz="1100" spc="-185" dirty="0">
                 <a:latin typeface="Arial"/>
                 <a:cs typeface="Arial"/>
               </a:rPr>
               <a:t> </a:t>
             </a:r>
             <a:r>
-              <a:rPr dirty="0" sz="1100" spc="-105">
+              <a:rPr sz="1100" spc="-105" dirty="0">
                 <a:latin typeface="Arial"/>
                 <a:cs typeface="Arial"/>
               </a:rPr>
               <a:t>as  </a:t>
             </a:r>
             <a:r>
-              <a:rPr dirty="0" sz="1100" spc="-50">
+              <a:rPr sz="1100" spc="-50" dirty="0">
                 <a:latin typeface="Arial"/>
                 <a:cs typeface="Arial"/>
               </a:rPr>
               <a:t>name, </a:t>
             </a:r>
             <a:r>
-              <a:rPr dirty="0" sz="1100" spc="-35">
+              <a:rPr sz="1100" spc="-35" dirty="0">
                 <a:latin typeface="Arial"/>
                 <a:cs typeface="Arial"/>
               </a:rPr>
               <a:t>price, </a:t>
             </a:r>
             <a:r>
-              <a:rPr dirty="0" sz="1100" spc="-20">
+              <a:rPr sz="1100" spc="-20" dirty="0">
                 <a:latin typeface="Arial"/>
                 <a:cs typeface="Arial"/>
               </a:rPr>
               <a:t>condition,  </a:t>
             </a:r>
             <a:r>
-              <a:rPr dirty="0" sz="1100" spc="-70">
+              <a:rPr sz="1100" spc="-70" dirty="0">
                 <a:latin typeface="Arial"/>
                 <a:cs typeface="Arial"/>
               </a:rPr>
               <a:t>size, </a:t>
             </a:r>
             <a:r>
-              <a:rPr dirty="0" sz="1100" spc="-30">
+              <a:rPr sz="1100" spc="-30" dirty="0">
                 <a:latin typeface="Arial"/>
                 <a:cs typeface="Arial"/>
               </a:rPr>
               <a:t>owner’s </a:t>
             </a:r>
             <a:r>
-              <a:rPr dirty="0" sz="1100" spc="-50">
+              <a:rPr sz="1100" spc="-50" dirty="0">
                 <a:latin typeface="Arial"/>
                 <a:cs typeface="Arial"/>
               </a:rPr>
               <a:t>name,</a:t>
             </a:r>
             <a:r>
-              <a:rPr dirty="0" sz="1100" spc="-140">
+              <a:rPr sz="1100" spc="-140" dirty="0">
                 <a:latin typeface="Arial"/>
                 <a:cs typeface="Arial"/>
               </a:rPr>
               <a:t> </a:t>
             </a:r>
             <a:r>
-              <a:rPr dirty="0" sz="1100" spc="-30">
+              <a:rPr sz="1100" spc="-30" dirty="0">
                 <a:latin typeface="Arial"/>
                 <a:cs typeface="Arial"/>
               </a:rPr>
@@ -14067,7 +15010,7 @@
             <a:cxnLst/>
             <a:rect l="l" t="t" r="r" b="b"/>
             <a:pathLst>
-              <a:path w="1809115" h="0">
+              <a:path w="1809115">
                 <a:moveTo>
                   <a:pt x="0" y="0"/>
                 </a:moveTo>
@@ -14086,7 +15029,9 @@
         <p:txBody>
           <a:bodyPr wrap="square" lIns="0" tIns="0" rIns="0" bIns="0" rtlCol="0"/>
           <a:lstStyle/>
-          <a:p/>
+          <a:p>
+            <a:endParaRPr/>
+          </a:p>
         </p:txBody>
       </p:sp>
       <p:sp>
@@ -14107,7 +15052,7 @@
             <a:cxnLst/>
             <a:rect l="l" t="t" r="r" b="b"/>
             <a:pathLst>
-              <a:path w="1821179" h="0">
+              <a:path w="1821179">
                 <a:moveTo>
                   <a:pt x="0" y="0"/>
                 </a:moveTo>
@@ -14126,7 +15071,9 @@
         <p:txBody>
           <a:bodyPr wrap="square" lIns="0" tIns="0" rIns="0" bIns="0" rtlCol="0"/>
           <a:lstStyle/>
-          <a:p/>
+          <a:p>
+            <a:endParaRPr/>
+          </a:p>
         </p:txBody>
       </p:sp>
       <p:sp>
@@ -14144,7 +15091,7 @@
             <a:avLst/>
           </a:prstGeom>
           <a:blipFill>
-            <a:blip r:embed="rId14" cstate="print"/>
+            <a:blip r:embed="rId2" cstate="print"/>
             <a:stretch>
               <a:fillRect/>
             </a:stretch>
@@ -14153,7 +15100,9 @@
         <p:txBody>
           <a:bodyPr wrap="square" lIns="0" tIns="0" rIns="0" bIns="0" rtlCol="0"/>
           <a:lstStyle/>
-          <a:p/>
+          <a:p>
+            <a:endParaRPr/>
+          </a:p>
         </p:txBody>
       </p:sp>
       <p:sp>
@@ -14171,7 +15120,7 @@
             <a:avLst/>
           </a:prstGeom>
           <a:blipFill>
-            <a:blip r:embed="rId15" cstate="print"/>
+            <a:blip r:embed="rId3" cstate="print"/>
             <a:stretch>
               <a:fillRect/>
             </a:stretch>
@@ -14180,7 +15129,9 @@
         <p:txBody>
           <a:bodyPr wrap="square" lIns="0" tIns="0" rIns="0" bIns="0" rtlCol="0"/>
           <a:lstStyle/>
-          <a:p/>
+          <a:p>
+            <a:endParaRPr/>
+          </a:p>
         </p:txBody>
       </p:sp>
       <p:sp>
@@ -14198,7 +15149,7 @@
             <a:avLst/>
           </a:prstGeom>
           <a:blipFill>
-            <a:blip r:embed="rId16" cstate="print"/>
+            <a:blip r:embed="rId4" cstate="print"/>
             <a:stretch>
               <a:fillRect/>
             </a:stretch>
@@ -14207,7 +15158,9 @@
         <p:txBody>
           <a:bodyPr wrap="square" lIns="0" tIns="0" rIns="0" bIns="0" rtlCol="0"/>
           <a:lstStyle/>
-          <a:p/>
+          <a:p>
+            <a:endParaRPr/>
+          </a:p>
         </p:txBody>
       </p:sp>
       <p:sp>
@@ -14225,7 +15178,7 @@
             <a:avLst/>
           </a:prstGeom>
           <a:blipFill>
-            <a:blip r:embed="rId17" cstate="print"/>
+            <a:blip r:embed="rId5" cstate="print"/>
             <a:stretch>
               <a:fillRect/>
             </a:stretch>
@@ -14234,7 +15187,9 @@
         <p:txBody>
           <a:bodyPr wrap="square" lIns="0" tIns="0" rIns="0" bIns="0" rtlCol="0"/>
           <a:lstStyle/>
-          <a:p/>
+          <a:p>
+            <a:endParaRPr/>
+          </a:p>
         </p:txBody>
       </p:sp>
       <p:sp>
@@ -14440,7 +15395,9 @@
         <p:txBody>
           <a:bodyPr wrap="square" lIns="0" tIns="0" rIns="0" bIns="0" rtlCol="0"/>
           <a:lstStyle/>
-          <a:p/>
+          <a:p>
+            <a:endParaRPr/>
+          </a:p>
         </p:txBody>
       </p:sp>
       <p:sp>
@@ -14459,7 +15416,7 @@
           </a:prstGeom>
         </p:spPr>
         <p:txBody>
-          <a:bodyPr wrap="square" lIns="0" tIns="12700" rIns="0" bIns="0" rtlCol="0" vert="horz">
+          <a:bodyPr vert="horz" wrap="square" lIns="0" tIns="12700" rIns="0" bIns="0" rtlCol="0">
             <a:spAutoFit/>
           </a:bodyPr>
           <a:lstStyle/>
@@ -14473,7 +15430,7 @@
               </a:spcBef>
             </a:pPr>
             <a:r>
-              <a:rPr dirty="0" sz="3600" spc="-180">
+              <a:rPr sz="3600" spc="-180" dirty="0">
                 <a:solidFill>
                   <a:srgbClr val="FFFFFF"/>
                 </a:solidFill>
@@ -14551,7 +15508,9 @@
         <p:txBody>
           <a:bodyPr wrap="square" lIns="0" tIns="0" rIns="0" bIns="0" rtlCol="0"/>
           <a:lstStyle/>
-          <a:p/>
+          <a:p>
+            <a:endParaRPr/>
+          </a:p>
         </p:txBody>
       </p:sp>
       <p:sp>
@@ -14610,7 +15569,9 @@
         <p:txBody>
           <a:bodyPr wrap="square" lIns="0" tIns="0" rIns="0" bIns="0" rtlCol="0"/>
           <a:lstStyle/>
-          <a:p/>
+          <a:p>
+            <a:endParaRPr/>
+          </a:p>
         </p:txBody>
       </p:sp>
       <p:sp>
@@ -14629,7 +15590,7 @@
           </a:prstGeom>
         </p:spPr>
         <p:txBody>
-          <a:bodyPr wrap="square" lIns="0" tIns="29845" rIns="0" bIns="0" rtlCol="0" vert="horz">
+          <a:bodyPr vert="horz" wrap="square" lIns="0" tIns="29845" rIns="0" bIns="0" rtlCol="0">
             <a:spAutoFit/>
           </a:bodyPr>
           <a:lstStyle/>
@@ -14643,63 +15604,63 @@
               </a:spcBef>
             </a:pPr>
             <a:r>
-              <a:rPr dirty="0" sz="1100" spc="-45">
+              <a:rPr sz="1100" spc="-45" dirty="0">
                 <a:latin typeface="Arial"/>
                 <a:cs typeface="Arial"/>
               </a:rPr>
               <a:t>4) Deletion-Select </a:t>
             </a:r>
             <a:r>
-              <a:rPr dirty="0" sz="1100" spc="-85">
+              <a:rPr sz="1100" spc="-85" dirty="0">
                 <a:latin typeface="Arial"/>
                 <a:cs typeface="Arial"/>
               </a:rPr>
               <a:t>a  </a:t>
             </a:r>
             <a:r>
-              <a:rPr dirty="0" sz="1100" spc="-25">
+              <a:rPr sz="1100" spc="-25" dirty="0">
                 <a:latin typeface="Arial"/>
                 <a:cs typeface="Arial"/>
               </a:rPr>
               <a:t>particular </a:t>
             </a:r>
             <a:r>
-              <a:rPr dirty="0" sz="1100" spc="-30">
+              <a:rPr sz="1100" spc="-30" dirty="0">
                 <a:latin typeface="Arial"/>
                 <a:cs typeface="Arial"/>
               </a:rPr>
               <a:t>record</a:t>
             </a:r>
             <a:r>
-              <a:rPr dirty="0" sz="1100" spc="-145">
+              <a:rPr sz="1100" spc="-145" dirty="0">
                 <a:latin typeface="Arial"/>
                 <a:cs typeface="Arial"/>
               </a:rPr>
               <a:t> </a:t>
             </a:r>
             <a:r>
-              <a:rPr dirty="0" sz="1100" spc="-55">
+              <a:rPr sz="1100" spc="-55" dirty="0">
                 <a:latin typeface="Arial"/>
                 <a:cs typeface="Arial"/>
               </a:rPr>
               <a:t>and  </a:t>
             </a:r>
             <a:r>
-              <a:rPr dirty="0" sz="1100" spc="-30">
+              <a:rPr sz="1100" spc="-30" dirty="0">
                 <a:latin typeface="Arial"/>
                 <a:cs typeface="Arial"/>
               </a:rPr>
               <a:t>delete</a:t>
             </a:r>
             <a:r>
-              <a:rPr dirty="0" sz="1100" spc="-80">
+              <a:rPr sz="1100" spc="-80" dirty="0">
                 <a:latin typeface="Arial"/>
                 <a:cs typeface="Arial"/>
               </a:rPr>
               <a:t> </a:t>
             </a:r>
             <a:r>
-              <a:rPr dirty="0" sz="1100" spc="15">
+              <a:rPr sz="1100" spc="15" dirty="0">
                 <a:latin typeface="Arial"/>
                 <a:cs typeface="Arial"/>
               </a:rPr>
@@ -14730,7 +15691,7 @@
             <a:cxnLst/>
             <a:rect l="l" t="t" r="r" b="b"/>
             <a:pathLst>
-              <a:path w="905509" h="0">
+              <a:path w="905509">
                 <a:moveTo>
                   <a:pt x="0" y="0"/>
                 </a:moveTo>
@@ -14749,7 +15710,9 @@
         <p:txBody>
           <a:bodyPr wrap="square" lIns="0" tIns="0" rIns="0" bIns="0" rtlCol="0"/>
           <a:lstStyle/>
-          <a:p/>
+          <a:p>
+            <a:endParaRPr/>
+          </a:p>
         </p:txBody>
       </p:sp>
       <p:sp>
@@ -14770,7 +15733,7 @@
             <a:cxnLst/>
             <a:rect l="l" t="t" r="r" b="b"/>
             <a:pathLst>
-              <a:path w="917575" h="0">
+              <a:path w="917575">
                 <a:moveTo>
                   <a:pt x="0" y="0"/>
                 </a:moveTo>
@@ -14789,7 +15752,9 @@
         <p:txBody>
           <a:bodyPr wrap="square" lIns="0" tIns="0" rIns="0" bIns="0" rtlCol="0"/>
           <a:lstStyle/>
-          <a:p/>
+          <a:p>
+            <a:endParaRPr/>
+          </a:p>
         </p:txBody>
       </p:sp>
       <p:sp>
@@ -14807,7 +15772,7 @@
             <a:avLst/>
           </a:prstGeom>
           <a:blipFill>
-            <a:blip r:embed="rId18" cstate="print"/>
+            <a:blip r:embed="rId3" cstate="print"/>
             <a:stretch>
               <a:fillRect/>
             </a:stretch>
@@ -14816,7 +15781,9 @@
         <p:txBody>
           <a:bodyPr wrap="square" lIns="0" tIns="0" rIns="0" bIns="0" rtlCol="0"/>
           <a:lstStyle/>
-          <a:p/>
+          <a:p>
+            <a:endParaRPr/>
+          </a:p>
         </p:txBody>
       </p:sp>
       <p:sp>
@@ -14834,7 +15801,7 @@
             <a:avLst/>
           </a:prstGeom>
           <a:blipFill>
-            <a:blip r:embed="rId19" cstate="print"/>
+            <a:blip r:embed="rId4" cstate="print"/>
             <a:stretch>
               <a:fillRect/>
             </a:stretch>
@@ -14843,7 +15810,9 @@
         <p:txBody>
           <a:bodyPr wrap="square" lIns="0" tIns="0" rIns="0" bIns="0" rtlCol="0"/>
           <a:lstStyle/>
-          <a:p/>
+          <a:p>
+            <a:endParaRPr/>
+          </a:p>
         </p:txBody>
       </p:sp>
       <p:sp>
@@ -14861,7 +15830,7 @@
             <a:avLst/>
           </a:prstGeom>
           <a:blipFill>
-            <a:blip r:embed="rId20" cstate="print"/>
+            <a:blip r:embed="rId5" cstate="print"/>
             <a:stretch>
               <a:fillRect/>
             </a:stretch>
@@ -14870,7 +15839,9 @@
         <p:txBody>
           <a:bodyPr wrap="square" lIns="0" tIns="0" rIns="0" bIns="0" rtlCol="0"/>
           <a:lstStyle/>
-          <a:p/>
+          <a:p>
+            <a:endParaRPr/>
+          </a:p>
         </p:txBody>
       </p:sp>
       <p:sp>
@@ -15076,7 +16047,9 @@
         <p:txBody>
           <a:bodyPr wrap="square" lIns="0" tIns="0" rIns="0" bIns="0" rtlCol="0"/>
           <a:lstStyle/>
-          <a:p/>
+          <a:p>
+            <a:endParaRPr/>
+          </a:p>
         </p:txBody>
       </p:sp>
       <p:sp>
@@ -15095,7 +16068,7 @@
           </a:prstGeom>
         </p:spPr>
         <p:txBody>
-          <a:bodyPr wrap="square" lIns="0" tIns="12700" rIns="0" bIns="0" rtlCol="0" vert="horz">
+          <a:bodyPr vert="horz" wrap="square" lIns="0" tIns="12700" rIns="0" bIns="0" rtlCol="0">
             <a:spAutoFit/>
           </a:bodyPr>
           <a:lstStyle/>
@@ -15109,7 +16082,7 @@
               </a:spcBef>
             </a:pPr>
             <a:r>
-              <a:rPr dirty="0" sz="3600" spc="-180">
+              <a:rPr sz="3600" spc="-180" dirty="0">
                 <a:solidFill>
                   <a:srgbClr val="FFFFFF"/>
                 </a:solidFill>
@@ -15187,7 +16160,9 @@
         <p:txBody>
           <a:bodyPr wrap="square" lIns="0" tIns="0" rIns="0" bIns="0" rtlCol="0"/>
           <a:lstStyle/>
-          <a:p/>
+          <a:p>
+            <a:endParaRPr/>
+          </a:p>
         </p:txBody>
       </p:sp>
       <p:sp>
@@ -15246,7 +16221,9 @@
         <p:txBody>
           <a:bodyPr wrap="square" lIns="0" tIns="0" rIns="0" bIns="0" rtlCol="0"/>
           <a:lstStyle/>
-          <a:p/>
+          <a:p>
+            <a:endParaRPr/>
+          </a:p>
         </p:txBody>
       </p:sp>
       <p:sp>
@@ -15265,7 +16242,7 @@
           </a:prstGeom>
         </p:spPr>
         <p:txBody>
-          <a:bodyPr wrap="square" lIns="0" tIns="27305" rIns="0" bIns="0" rtlCol="0" vert="horz">
+          <a:bodyPr vert="horz" wrap="square" lIns="0" tIns="27305" rIns="0" bIns="0" rtlCol="0">
             <a:spAutoFit/>
           </a:bodyPr>
           <a:lstStyle/>
@@ -15279,189 +16256,189 @@
               </a:spcBef>
             </a:pPr>
             <a:r>
-              <a:rPr dirty="0" sz="1100" spc="-45">
+              <a:rPr sz="1100" spc="-45" dirty="0">
                 <a:latin typeface="Arial"/>
                 <a:cs typeface="Arial"/>
               </a:rPr>
               <a:t>5) </a:t>
             </a:r>
             <a:r>
-              <a:rPr dirty="0" sz="1100" spc="-55">
+              <a:rPr sz="1100" spc="-55" dirty="0">
                 <a:latin typeface="Arial"/>
                 <a:cs typeface="Arial"/>
               </a:rPr>
               <a:t>Visualizing </a:t>
             </a:r>
             <a:r>
-              <a:rPr dirty="0" sz="1100" spc="-65">
+              <a:rPr sz="1100" spc="-65" dirty="0">
                 <a:latin typeface="Arial"/>
                 <a:cs typeface="Arial"/>
               </a:rPr>
               <a:t>– </a:t>
             </a:r>
             <a:r>
-              <a:rPr dirty="0" sz="1100" spc="-75">
+              <a:rPr sz="1100" spc="-75" dirty="0">
                 <a:latin typeface="Arial"/>
                 <a:cs typeface="Arial"/>
               </a:rPr>
               <a:t>This  </a:t>
             </a:r>
             <a:r>
-              <a:rPr dirty="0" sz="1100" spc="-15">
+              <a:rPr sz="1100" spc="-15" dirty="0">
                 <a:latin typeface="Arial"/>
                 <a:cs typeface="Arial"/>
               </a:rPr>
               <a:t>functionality </a:t>
             </a:r>
             <a:r>
-              <a:rPr dirty="0" sz="1100" spc="-35">
+              <a:rPr sz="1100" spc="-35" dirty="0">
                 <a:latin typeface="Arial"/>
                 <a:cs typeface="Arial"/>
               </a:rPr>
               <a:t>help </a:t>
             </a:r>
             <a:r>
-              <a:rPr dirty="0" sz="1100" spc="-15">
+              <a:rPr sz="1100" spc="-15" dirty="0">
                 <a:latin typeface="Arial"/>
                 <a:cs typeface="Arial"/>
               </a:rPr>
               <a:t>in  </a:t>
             </a:r>
             <a:r>
-              <a:rPr dirty="0" sz="1100" spc="-50">
+              <a:rPr sz="1100" spc="-50" dirty="0">
                 <a:latin typeface="Arial"/>
                 <a:cs typeface="Arial"/>
               </a:rPr>
               <a:t>visualizing </a:t>
             </a:r>
             <a:r>
-              <a:rPr dirty="0" sz="1100" spc="-15">
+              <a:rPr sz="1100" spc="-15" dirty="0">
                 <a:latin typeface="Arial"/>
                 <a:cs typeface="Arial"/>
               </a:rPr>
               <a:t>the </a:t>
             </a:r>
             <a:r>
-              <a:rPr dirty="0" sz="1100" spc="-35">
+              <a:rPr sz="1100" spc="-35" dirty="0">
                 <a:latin typeface="Arial"/>
                 <a:cs typeface="Arial"/>
               </a:rPr>
               <a:t>data </a:t>
             </a:r>
             <a:r>
-              <a:rPr dirty="0" sz="1100" spc="-70">
+              <a:rPr sz="1100" spc="-70" dirty="0">
                 <a:latin typeface="Arial"/>
                 <a:cs typeface="Arial"/>
               </a:rPr>
               <a:t>based  </a:t>
             </a:r>
             <a:r>
-              <a:rPr dirty="0" sz="1100" spc="-30">
+              <a:rPr sz="1100" spc="-30" dirty="0">
                 <a:latin typeface="Arial"/>
                 <a:cs typeface="Arial"/>
               </a:rPr>
               <a:t>on </a:t>
             </a:r>
             <a:r>
-              <a:rPr dirty="0" sz="1100" spc="-5">
+              <a:rPr sz="1100" spc="-5" dirty="0">
                 <a:latin typeface="Arial"/>
                 <a:cs typeface="Arial"/>
               </a:rPr>
               <a:t>different </a:t>
             </a:r>
             <a:r>
-              <a:rPr dirty="0" sz="1100" spc="-40">
+              <a:rPr sz="1100" spc="-40" dirty="0">
                 <a:latin typeface="Arial"/>
                 <a:cs typeface="Arial"/>
               </a:rPr>
               <a:t>parameters.  </a:t>
             </a:r>
             <a:r>
-              <a:rPr dirty="0" sz="1100" spc="-75">
+              <a:rPr sz="1100" spc="-75" dirty="0">
                 <a:latin typeface="Arial"/>
                 <a:cs typeface="Arial"/>
               </a:rPr>
               <a:t>This </a:t>
             </a:r>
             <a:r>
-              <a:rPr dirty="0" sz="1100" spc="-55">
+              <a:rPr sz="1100" spc="-55" dirty="0">
                 <a:latin typeface="Arial"/>
                 <a:cs typeface="Arial"/>
               </a:rPr>
               <a:t>is </a:t>
             </a:r>
             <a:r>
-              <a:rPr dirty="0" sz="1100" spc="-45">
+              <a:rPr sz="1100" spc="-45" dirty="0">
                 <a:latin typeface="Arial"/>
                 <a:cs typeface="Arial"/>
               </a:rPr>
               <a:t>done </a:t>
             </a:r>
             <a:r>
-              <a:rPr dirty="0" sz="1100" spc="-15">
+              <a:rPr sz="1100" spc="-15" dirty="0">
                 <a:latin typeface="Arial"/>
                 <a:cs typeface="Arial"/>
               </a:rPr>
               <a:t>in the </a:t>
             </a:r>
             <a:r>
-              <a:rPr dirty="0" sz="1100" spc="-5">
+              <a:rPr sz="1100" spc="-5" dirty="0">
                 <a:latin typeface="Arial"/>
                 <a:cs typeface="Arial"/>
               </a:rPr>
               <a:t>form</a:t>
             </a:r>
             <a:r>
-              <a:rPr dirty="0" sz="1100" spc="-240">
+              <a:rPr sz="1100" spc="-240" dirty="0">
                 <a:latin typeface="Arial"/>
                 <a:cs typeface="Arial"/>
               </a:rPr>
               <a:t> </a:t>
             </a:r>
             <a:r>
-              <a:rPr dirty="0" sz="1100">
+              <a:rPr sz="1100" dirty="0">
                 <a:latin typeface="Arial"/>
                 <a:cs typeface="Arial"/>
               </a:rPr>
               <a:t>of  </a:t>
             </a:r>
             <a:r>
-              <a:rPr dirty="0" sz="1100" spc="-45">
+              <a:rPr sz="1100" spc="-45" dirty="0">
                 <a:latin typeface="Arial"/>
                 <a:cs typeface="Arial"/>
               </a:rPr>
               <a:t>graphical </a:t>
             </a:r>
             <a:r>
-              <a:rPr dirty="0" sz="1100" spc="-35">
+              <a:rPr sz="1100" spc="-35" dirty="0">
                 <a:latin typeface="Arial"/>
                 <a:cs typeface="Arial"/>
               </a:rPr>
               <a:t>representations  </a:t>
             </a:r>
             <a:r>
-              <a:rPr dirty="0" sz="1100" spc="5">
+              <a:rPr sz="1100" spc="5" dirty="0">
                 <a:latin typeface="Arial"/>
                 <a:cs typeface="Arial"/>
               </a:rPr>
               <a:t>for </a:t>
             </a:r>
             <a:r>
-              <a:rPr dirty="0" sz="1100" spc="-5">
+              <a:rPr sz="1100" spc="-5" dirty="0">
                 <a:latin typeface="Arial"/>
                 <a:cs typeface="Arial"/>
               </a:rPr>
               <a:t>better</a:t>
             </a:r>
             <a:r>
-              <a:rPr dirty="0" sz="1100" spc="-175">
+              <a:rPr sz="1100" spc="-175" dirty="0">
                 <a:latin typeface="Arial"/>
                 <a:cs typeface="Arial"/>
               </a:rPr>
               <a:t> </a:t>
             </a:r>
             <a:r>
-              <a:rPr dirty="0" sz="1100" spc="-40">
+              <a:rPr sz="1100" spc="-40" dirty="0">
                 <a:latin typeface="Arial"/>
                 <a:cs typeface="Arial"/>
               </a:rPr>
@@ -16297,7 +17274,9 @@
         <p:txBody>
           <a:bodyPr wrap="square" lIns="0" tIns="0" rIns="0" bIns="0" rtlCol="0"/>
           <a:lstStyle/>
-          <a:p/>
+          <a:p>
+            <a:endParaRPr/>
+          </a:p>
         </p:txBody>
       </p:sp>
       <p:sp>
@@ -16311,10 +17290,12 @@
           </p:nvPr>
         </p:nvSpPr>
         <p:spPr>
-          <a:prstGeom prst="rect"/>
+          <a:prstGeom prst="rect">
+            <a:avLst/>
+          </a:prstGeom>
         </p:spPr>
         <p:txBody>
-          <a:bodyPr wrap="square" lIns="0" tIns="634187" rIns="0" bIns="0" rtlCol="0" vert="horz">
+          <a:bodyPr vert="horz" wrap="square" lIns="0" tIns="634187" rIns="0" bIns="0" rtlCol="0">
             <a:spAutoFit/>
           </a:bodyPr>
           <a:lstStyle/>
@@ -16331,23 +17312,23 @@
               </a:tabLst>
             </a:pPr>
             <a:r>
-              <a:rPr dirty="0" spc="-550"/>
+              <a:rPr spc="-550" dirty="0"/>
               <a:t>METHOD </a:t>
             </a:r>
             <a:r>
-              <a:rPr dirty="0" spc="-755"/>
+              <a:rPr spc="-755" dirty="0"/>
               <a:t>USED </a:t>
             </a:r>
             <a:r>
-              <a:rPr dirty="0" spc="-75"/>
+              <a:rPr spc="-75" dirty="0"/>
               <a:t>:</a:t>
             </a:r>
             <a:r>
-              <a:rPr dirty="0" spc="-405"/>
+              <a:rPr spc="-405" dirty="0"/>
               <a:t> </a:t>
             </a:r>
             <a:r>
-              <a:rPr dirty="0" spc="-550"/>
+              <a:rPr spc="-550" dirty="0"/>
               <a:t>INDEXING	</a:t>
             </a:r>
           </a:p>
@@ -16369,7 +17350,7 @@
           </a:prstGeom>
         </p:spPr>
         <p:txBody>
-          <a:bodyPr wrap="square" lIns="0" tIns="160655" rIns="0" bIns="0" rtlCol="0" vert="horz">
+          <a:bodyPr vert="horz" wrap="square" lIns="0" tIns="160655" rIns="0" bIns="0" rtlCol="0">
             <a:spAutoFit/>
           </a:bodyPr>
           <a:lstStyle/>
@@ -16383,7 +17364,7 @@
               </a:spcBef>
             </a:pPr>
             <a:r>
-              <a:rPr dirty="0" u="heavy" sz="2000" spc="-75" b="1">
+              <a:rPr sz="2000" b="1" u="heavy" spc="-75" dirty="0">
                 <a:solidFill>
                   <a:srgbClr val="404040"/>
                 </a:solidFill>
@@ -16398,7 +17379,7 @@
               <a:t>Why </a:t>
             </a:r>
             <a:r>
-              <a:rPr dirty="0" u="heavy" sz="2000" spc="-120" b="1">
+              <a:rPr sz="2000" b="1" u="heavy" spc="-120" dirty="0">
                 <a:solidFill>
                   <a:srgbClr val="404040"/>
                 </a:solidFill>
@@ -16413,7 +17394,7 @@
               <a:t>indexing</a:t>
             </a:r>
             <a:r>
-              <a:rPr dirty="0" u="heavy" sz="2000" spc="-254" b="1">
+              <a:rPr sz="2000" b="1" u="heavy" spc="-254" dirty="0">
                 <a:solidFill>
                   <a:srgbClr val="404040"/>
                 </a:solidFill>
@@ -16428,7 +17409,7 @@
               <a:t> </a:t>
             </a:r>
             <a:r>
-              <a:rPr dirty="0" u="heavy" sz="2000" spc="50" b="1">
+              <a:rPr sz="2000" b="1" u="heavy" spc="50" dirty="0">
                 <a:solidFill>
                   <a:srgbClr val="404040"/>
                 </a:solidFill>
@@ -16442,7 +17423,7 @@
               </a:rPr>
               <a:t>?</a:t>
             </a:r>
-            <a:endParaRPr sz="2000">
+            <a:endParaRPr sz="2000" dirty="0">
               <a:latin typeface="Trebuchet MS"/>
               <a:cs typeface="Trebuchet MS"/>
             </a:endParaRPr>
@@ -16457,7 +17438,7 @@
               </a:spcBef>
             </a:pPr>
             <a:r>
-              <a:rPr dirty="0" sz="2000" spc="-114">
+              <a:rPr sz="2000" spc="-114" dirty="0">
                 <a:solidFill>
                   <a:srgbClr val="404040"/>
                 </a:solidFill>
@@ -16467,7 +17448,7 @@
               <a:t>Data</a:t>
             </a:r>
             <a:r>
-              <a:rPr dirty="0" sz="2000" spc="-105">
+              <a:rPr sz="2000" spc="-105" dirty="0">
                 <a:solidFill>
                   <a:srgbClr val="404040"/>
                 </a:solidFill>
@@ -16477,7 +17458,7 @@
               <a:t> is </a:t>
             </a:r>
             <a:r>
-              <a:rPr dirty="0" sz="2000" spc="-85">
+              <a:rPr sz="2000" spc="-85" dirty="0">
                 <a:solidFill>
                   <a:srgbClr val="404040"/>
                 </a:solidFill>
@@ -16487,7 +17468,7 @@
               <a:t>usually</a:t>
             </a:r>
             <a:r>
-              <a:rPr dirty="0" sz="2000" spc="-100">
+              <a:rPr sz="2000" spc="-100" dirty="0">
                 <a:solidFill>
                   <a:srgbClr val="404040"/>
                 </a:solidFill>
@@ -16497,7 +17478,7 @@
               <a:t> </a:t>
             </a:r>
             <a:r>
-              <a:rPr dirty="0" sz="2000" spc="-65">
+              <a:rPr sz="2000" spc="-65" dirty="0">
                 <a:solidFill>
                   <a:srgbClr val="404040"/>
                 </a:solidFill>
@@ -16507,7 +17488,7 @@
               <a:t>stored</a:t>
             </a:r>
             <a:r>
-              <a:rPr dirty="0" sz="2000" spc="-105">
+              <a:rPr sz="2000" spc="-105" dirty="0">
                 <a:solidFill>
                   <a:srgbClr val="404040"/>
                 </a:solidFill>
@@ -16517,7 +17498,7 @@
               <a:t> </a:t>
             </a:r>
             <a:r>
-              <a:rPr dirty="0" sz="2000" spc="-25">
+              <a:rPr sz="2000" spc="-25" dirty="0">
                 <a:solidFill>
                   <a:srgbClr val="404040"/>
                 </a:solidFill>
@@ -16527,7 +17508,7 @@
               <a:t>in</a:t>
             </a:r>
             <a:r>
-              <a:rPr dirty="0" sz="2000" spc="-95">
+              <a:rPr sz="2000" spc="-95" dirty="0">
                 <a:solidFill>
                   <a:srgbClr val="404040"/>
                 </a:solidFill>
@@ -16537,7 +17518,7 @@
               <a:t> </a:t>
             </a:r>
             <a:r>
-              <a:rPr dirty="0" sz="2000" spc="-70">
+              <a:rPr sz="2000" spc="-70" dirty="0">
                 <a:solidFill>
                   <a:srgbClr val="404040"/>
                 </a:solidFill>
@@ -16547,7 +17528,7 @@
               <a:t>random</a:t>
             </a:r>
             <a:r>
-              <a:rPr dirty="0" sz="2000" spc="-135">
+              <a:rPr sz="2000" spc="-135" dirty="0">
                 <a:solidFill>
                   <a:srgbClr val="404040"/>
                 </a:solidFill>
@@ -16557,7 +17538,7 @@
               <a:t> </a:t>
             </a:r>
             <a:r>
-              <a:rPr dirty="0" sz="2000" spc="-45">
+              <a:rPr sz="2000" spc="-45" dirty="0">
                 <a:solidFill>
                   <a:srgbClr val="404040"/>
                 </a:solidFill>
@@ -16567,7 +17548,7 @@
               <a:t>order</a:t>
             </a:r>
             <a:r>
-              <a:rPr dirty="0" sz="2000" spc="-114">
+              <a:rPr sz="2000" spc="-114" dirty="0">
                 <a:solidFill>
                   <a:srgbClr val="404040"/>
                 </a:solidFill>
@@ -16577,7 +17558,7 @@
               <a:t> </a:t>
             </a:r>
             <a:r>
-              <a:rPr dirty="0" sz="2000" spc="-25">
+              <a:rPr sz="2000" spc="-25" dirty="0">
                 <a:solidFill>
                   <a:srgbClr val="404040"/>
                 </a:solidFill>
@@ -16587,7 +17568,7 @@
               <a:t>in</a:t>
             </a:r>
             <a:r>
-              <a:rPr dirty="0" sz="2000" spc="-105">
+              <a:rPr sz="2000" spc="-105" dirty="0">
                 <a:solidFill>
                   <a:srgbClr val="404040"/>
                 </a:solidFill>
@@ -16597,7 +17578,7 @@
               <a:t> </a:t>
             </a:r>
             <a:r>
-              <a:rPr dirty="0" sz="2000" spc="-70">
+              <a:rPr sz="2000" spc="-70" dirty="0">
                 <a:solidFill>
                   <a:srgbClr val="404040"/>
                 </a:solidFill>
@@ -16607,7 +17588,7 @@
               <a:t>hard</a:t>
             </a:r>
             <a:r>
-              <a:rPr dirty="0" sz="2000" spc="-100">
+              <a:rPr sz="2000" spc="-100" dirty="0">
                 <a:solidFill>
                   <a:srgbClr val="404040"/>
                 </a:solidFill>
@@ -16617,7 +17598,7 @@
               <a:t> </a:t>
             </a:r>
             <a:r>
-              <a:rPr dirty="0" sz="2000" spc="-95">
+              <a:rPr sz="2000" spc="-95" dirty="0">
                 <a:solidFill>
                   <a:srgbClr val="404040"/>
                 </a:solidFill>
@@ -16627,7 +17608,7 @@
               <a:t>disk</a:t>
             </a:r>
             <a:r>
-              <a:rPr dirty="0" sz="2000" spc="-105">
+              <a:rPr sz="2000" spc="-105" dirty="0">
                 <a:solidFill>
                   <a:srgbClr val="404040"/>
                 </a:solidFill>
@@ -16637,7 +17618,7 @@
               <a:t> </a:t>
             </a:r>
             <a:r>
-              <a:rPr dirty="0" sz="2000" spc="-50">
+              <a:rPr sz="2000" spc="-50" dirty="0">
                 <a:solidFill>
                   <a:srgbClr val="404040"/>
                 </a:solidFill>
@@ -16647,7 +17628,7 @@
               <a:t>.</a:t>
             </a:r>
             <a:r>
-              <a:rPr dirty="0" sz="2000" spc="-114">
+              <a:rPr sz="2000" spc="-114" dirty="0">
                 <a:solidFill>
                   <a:srgbClr val="404040"/>
                 </a:solidFill>
@@ -16657,7 +17638,7 @@
               <a:t> </a:t>
             </a:r>
             <a:r>
-              <a:rPr dirty="0" sz="2000" spc="-60">
+              <a:rPr sz="2000" spc="-60" dirty="0">
                 <a:solidFill>
                   <a:srgbClr val="404040"/>
                 </a:solidFill>
@@ -16667,7 +17648,7 @@
               <a:t>In</a:t>
             </a:r>
             <a:r>
-              <a:rPr dirty="0" sz="2000" spc="-105">
+              <a:rPr sz="2000" spc="-105" dirty="0">
                 <a:solidFill>
                   <a:srgbClr val="404040"/>
                 </a:solidFill>
@@ -16677,7 +17658,7 @@
               <a:t> </a:t>
             </a:r>
             <a:r>
-              <a:rPr dirty="0" sz="2000" spc="-45">
+              <a:rPr sz="2000" spc="-45" dirty="0">
                 <a:solidFill>
                   <a:srgbClr val="404040"/>
                 </a:solidFill>
@@ -16687,7 +17668,7 @@
               <a:t>order  </a:t>
             </a:r>
             <a:r>
-              <a:rPr dirty="0" sz="2000" spc="15">
+              <a:rPr sz="2000" spc="15" dirty="0">
                 <a:solidFill>
                   <a:srgbClr val="404040"/>
                 </a:solidFill>
@@ -16697,7 +17678,7 @@
               <a:t>to </a:t>
             </a:r>
             <a:r>
-              <a:rPr dirty="0" sz="2000" spc="-120">
+              <a:rPr sz="2000" spc="-120" dirty="0">
                 <a:solidFill>
                   <a:srgbClr val="404040"/>
                 </a:solidFill>
@@ -16707,7 +17688,7 @@
               <a:t>search </a:t>
             </a:r>
             <a:r>
-              <a:rPr dirty="0" sz="2000" spc="-5">
+              <a:rPr sz="2000" spc="-5" dirty="0">
                 <a:solidFill>
                   <a:srgbClr val="404040"/>
                 </a:solidFill>
@@ -16717,7 +17698,7 @@
               <a:t>for </a:t>
             </a:r>
             <a:r>
-              <a:rPr dirty="0" sz="2000" spc="-155">
+              <a:rPr sz="2000" spc="-155" dirty="0">
                 <a:solidFill>
                   <a:srgbClr val="404040"/>
                 </a:solidFill>
@@ -16727,7 +17708,7 @@
               <a:t>a </a:t>
             </a:r>
             <a:r>
-              <a:rPr dirty="0" sz="2000" spc="-75">
+              <a:rPr sz="2000" spc="-75" dirty="0">
                 <a:solidFill>
                   <a:srgbClr val="404040"/>
                 </a:solidFill>
@@ -16737,7 +17718,7 @@
               <a:t>data </a:t>
             </a:r>
             <a:r>
-              <a:rPr dirty="0" sz="2000" spc="-60">
+              <a:rPr sz="2000" spc="-60" dirty="0">
                 <a:solidFill>
                   <a:srgbClr val="404040"/>
                 </a:solidFill>
@@ -16747,7 +17728,7 @@
               <a:t>, </a:t>
             </a:r>
             <a:r>
-              <a:rPr dirty="0" sz="2000" spc="-75">
+              <a:rPr sz="2000" spc="-75" dirty="0">
                 <a:solidFill>
                   <a:srgbClr val="404040"/>
                 </a:solidFill>
@@ -16757,7 +17738,7 @@
               <a:t>we </a:t>
             </a:r>
             <a:r>
-              <a:rPr dirty="0" sz="2000" spc="5">
+              <a:rPr sz="2000" spc="5" dirty="0">
                 <a:solidFill>
                   <a:srgbClr val="404040"/>
                 </a:solidFill>
@@ -16767,7 +17748,7 @@
               <a:t>will </a:t>
             </a:r>
             <a:r>
-              <a:rPr dirty="0" sz="2000" spc="-50">
+              <a:rPr sz="2000" spc="-50" dirty="0">
                 <a:solidFill>
                   <a:srgbClr val="404040"/>
                 </a:solidFill>
@@ -16777,7 +17758,7 @@
               <a:t>require </a:t>
             </a:r>
             <a:r>
-              <a:rPr dirty="0" sz="2000" spc="15">
+              <a:rPr sz="2000" spc="15" dirty="0">
                 <a:solidFill>
                   <a:srgbClr val="404040"/>
                 </a:solidFill>
@@ -16787,7 +17768,7 @@
               <a:t>to </a:t>
             </a:r>
             <a:r>
-              <a:rPr dirty="0" sz="2000" spc="-60">
+              <a:rPr sz="2000" spc="-60" dirty="0">
                 <a:solidFill>
                   <a:srgbClr val="404040"/>
                 </a:solidFill>
@@ -16797,7 +17778,7 @@
               <a:t>do </a:t>
             </a:r>
             <a:r>
-              <a:rPr dirty="0" sz="2000" spc="-70">
+              <a:rPr sz="2000" spc="-70" dirty="0">
                 <a:solidFill>
                   <a:srgbClr val="404040"/>
                 </a:solidFill>
@@ -16807,7 +17788,7 @@
               <a:t>sequential  </a:t>
             </a:r>
             <a:r>
-              <a:rPr dirty="0" sz="2000" spc="-105">
+              <a:rPr sz="2000" spc="-105" dirty="0">
                 <a:solidFill>
                   <a:srgbClr val="404040"/>
                 </a:solidFill>
@@ -16817,7 +17798,7 @@
               <a:t>searching </a:t>
             </a:r>
             <a:r>
-              <a:rPr dirty="0" sz="2000" spc="-60">
+              <a:rPr sz="2000" spc="-60" dirty="0">
                 <a:solidFill>
                   <a:srgbClr val="404040"/>
                 </a:solidFill>
@@ -16827,7 +17808,7 @@
               <a:t>which </a:t>
             </a:r>
             <a:r>
-              <a:rPr dirty="0" sz="2000" spc="-110">
+              <a:rPr sz="2000" spc="-110" dirty="0">
                 <a:solidFill>
                   <a:srgbClr val="404040"/>
                 </a:solidFill>
@@ -16837,7 +17818,7 @@
               <a:t>takes </a:t>
             </a:r>
             <a:r>
-              <a:rPr dirty="0" sz="2000" spc="-155">
+              <a:rPr sz="2000" spc="-155" dirty="0">
                 <a:solidFill>
                   <a:srgbClr val="404040"/>
                 </a:solidFill>
@@ -16847,7 +17828,7 @@
               <a:t>a </a:t>
             </a:r>
             <a:r>
-              <a:rPr dirty="0" sz="2000" spc="25">
+              <a:rPr sz="2000" spc="25" dirty="0">
                 <a:solidFill>
                   <a:srgbClr val="404040"/>
                 </a:solidFill>
@@ -16857,7 +17838,7 @@
               <a:t>lot </a:t>
             </a:r>
             <a:r>
-              <a:rPr dirty="0" sz="2000" spc="-5">
+              <a:rPr sz="2000" spc="-5" dirty="0">
                 <a:solidFill>
                   <a:srgbClr val="404040"/>
                 </a:solidFill>
@@ -16867,7 +17848,7 @@
               <a:t>of </a:t>
             </a:r>
             <a:r>
-              <a:rPr dirty="0" sz="2000" spc="-15">
+              <a:rPr sz="2000" spc="-15" dirty="0">
                 <a:solidFill>
                   <a:srgbClr val="404040"/>
                 </a:solidFill>
@@ -16877,7 +17858,7 @@
               <a:t>time</a:t>
             </a:r>
             <a:r>
-              <a:rPr dirty="0" sz="2000" spc="-335">
+              <a:rPr sz="2000" spc="-335" dirty="0">
                 <a:solidFill>
                   <a:srgbClr val="404040"/>
                 </a:solidFill>
@@ -16887,7 +17868,7 @@
               <a:t> </a:t>
             </a:r>
             <a:r>
-              <a:rPr dirty="0" sz="2000" spc="-50">
+              <a:rPr sz="2000" spc="-50" dirty="0">
                 <a:solidFill>
                   <a:srgbClr val="404040"/>
                 </a:solidFill>
@@ -16896,7 +17877,7 @@
               </a:rPr>
               <a:t>.</a:t>
             </a:r>
-            <a:endParaRPr sz="2000">
+            <a:endParaRPr sz="2000" dirty="0">
               <a:latin typeface="Arial"/>
               <a:cs typeface="Arial"/>
             </a:endParaRPr>
@@ -16911,7 +17892,7 @@
               </a:spcBef>
             </a:pPr>
             <a:r>
-              <a:rPr dirty="0" sz="2000" spc="-120">
+              <a:rPr sz="2000" spc="-120" dirty="0">
                 <a:solidFill>
                   <a:srgbClr val="404040"/>
                 </a:solidFill>
@@ -16921,7 +17902,7 @@
               <a:t>For</a:t>
             </a:r>
             <a:r>
-              <a:rPr dirty="0" sz="2000" spc="-125">
+              <a:rPr sz="2000" spc="-125" dirty="0">
                 <a:solidFill>
                   <a:srgbClr val="404040"/>
                 </a:solidFill>
@@ -16931,7 +17912,7 @@
               <a:t> </a:t>
             </a:r>
             <a:r>
-              <a:rPr dirty="0" sz="2000" spc="-55">
+              <a:rPr sz="2000" spc="-55" dirty="0">
                 <a:solidFill>
                   <a:srgbClr val="404040"/>
                 </a:solidFill>
@@ -16941,7 +17922,7 @@
               <a:t>sorting</a:t>
             </a:r>
             <a:r>
-              <a:rPr dirty="0" sz="2000" spc="-114">
+              <a:rPr sz="2000" spc="-114" dirty="0">
                 <a:solidFill>
                   <a:srgbClr val="404040"/>
                 </a:solidFill>
@@ -16951,7 +17932,7 @@
               <a:t> </a:t>
             </a:r>
             <a:r>
-              <a:rPr dirty="0" sz="2000" spc="-45">
+              <a:rPr sz="2000" spc="-45" dirty="0">
                 <a:solidFill>
                   <a:srgbClr val="404040"/>
                 </a:solidFill>
@@ -16961,7 +17942,7 @@
               <a:t>all</a:t>
             </a:r>
             <a:r>
-              <a:rPr dirty="0" sz="2000" spc="-95">
+              <a:rPr sz="2000" spc="-95" dirty="0">
                 <a:solidFill>
                   <a:srgbClr val="404040"/>
                 </a:solidFill>
@@ -16971,7 +17952,7 @@
               <a:t> </a:t>
             </a:r>
             <a:r>
-              <a:rPr dirty="0" sz="2000" spc="-20">
+              <a:rPr sz="2000" spc="-20" dirty="0">
                 <a:solidFill>
                   <a:srgbClr val="404040"/>
                 </a:solidFill>
@@ -16981,7 +17962,7 @@
               <a:t>the</a:t>
             </a:r>
             <a:r>
-              <a:rPr dirty="0" sz="2000" spc="-105">
+              <a:rPr sz="2000" spc="-105" dirty="0">
                 <a:solidFill>
                   <a:srgbClr val="404040"/>
                 </a:solidFill>
@@ -16991,7 +17972,7 @@
               <a:t> </a:t>
             </a:r>
             <a:r>
-              <a:rPr dirty="0" sz="2000" spc="-75">
+              <a:rPr sz="2000" spc="-75" dirty="0">
                 <a:solidFill>
                   <a:srgbClr val="404040"/>
                 </a:solidFill>
@@ -17001,7 +17982,7 @@
               <a:t>data</a:t>
             </a:r>
             <a:r>
-              <a:rPr dirty="0" sz="2000" spc="-105">
+              <a:rPr sz="2000" spc="-105" dirty="0">
                 <a:solidFill>
                   <a:srgbClr val="404040"/>
                 </a:solidFill>
@@ -17011,7 +17992,7 @@
               <a:t> </a:t>
             </a:r>
             <a:r>
-              <a:rPr dirty="0" sz="2000" spc="-55">
+              <a:rPr sz="2000" spc="-55" dirty="0">
                 <a:solidFill>
                   <a:srgbClr val="404040"/>
                 </a:solidFill>
@@ -17021,7 +18002,7 @@
               <a:t>,</a:t>
             </a:r>
             <a:r>
-              <a:rPr dirty="0" sz="2000" spc="-105">
+              <a:rPr sz="2000" spc="-105" dirty="0">
                 <a:solidFill>
                   <a:srgbClr val="404040"/>
                 </a:solidFill>
@@ -17031,7 +18012,7 @@
               <a:t> </a:t>
             </a:r>
             <a:r>
-              <a:rPr dirty="0" sz="2000" spc="-75">
+              <a:rPr sz="2000" spc="-75" dirty="0">
                 <a:solidFill>
                   <a:srgbClr val="404040"/>
                 </a:solidFill>
@@ -17041,7 +18022,7 @@
               <a:t>we</a:t>
             </a:r>
             <a:r>
-              <a:rPr dirty="0" sz="2000" spc="-114">
+              <a:rPr sz="2000" spc="-114" dirty="0">
                 <a:solidFill>
                   <a:srgbClr val="404040"/>
                 </a:solidFill>
@@ -17051,7 +18032,7 @@
               <a:t> </a:t>
             </a:r>
             <a:r>
-              <a:rPr dirty="0" sz="2000" spc="-90">
+              <a:rPr sz="2000" spc="-90" dirty="0">
                 <a:solidFill>
                   <a:srgbClr val="404040"/>
                 </a:solidFill>
@@ -17061,7 +18042,7 @@
               <a:t>need</a:t>
             </a:r>
             <a:r>
-              <a:rPr dirty="0" sz="2000" spc="-114">
+              <a:rPr sz="2000" spc="-114" dirty="0">
                 <a:solidFill>
                   <a:srgbClr val="404040"/>
                 </a:solidFill>
@@ -17071,7 +18052,7 @@
               <a:t> </a:t>
             </a:r>
             <a:r>
-              <a:rPr dirty="0" sz="2000" spc="15">
+              <a:rPr sz="2000" spc="15" dirty="0">
                 <a:solidFill>
                   <a:srgbClr val="404040"/>
                 </a:solidFill>
@@ -17081,7 +18062,7 @@
               <a:t>to</a:t>
             </a:r>
             <a:r>
-              <a:rPr dirty="0" sz="2000" spc="-105">
+              <a:rPr sz="2000" spc="-105" dirty="0">
                 <a:solidFill>
                   <a:srgbClr val="404040"/>
                 </a:solidFill>
@@ -17091,7 +18072,7 @@
               <a:t> </a:t>
             </a:r>
             <a:r>
-              <a:rPr dirty="0" sz="2000" spc="-5">
+              <a:rPr sz="2000" spc="-5" dirty="0">
                 <a:solidFill>
                   <a:srgbClr val="404040"/>
                 </a:solidFill>
@@ -17101,7 +18082,7 @@
               <a:t>put</a:t>
             </a:r>
             <a:r>
-              <a:rPr dirty="0" sz="2000" spc="-114">
+              <a:rPr sz="2000" spc="-114" dirty="0">
                 <a:solidFill>
                   <a:srgbClr val="404040"/>
                 </a:solidFill>
@@ -17111,7 +18092,7 @@
               <a:t> </a:t>
             </a:r>
             <a:r>
-              <a:rPr dirty="0" sz="2000" spc="-30">
+              <a:rPr sz="2000" spc="-30" dirty="0">
                 <a:solidFill>
                   <a:srgbClr val="404040"/>
                 </a:solidFill>
@@ -17121,7 +18102,7 @@
               <a:t>them</a:t>
             </a:r>
             <a:r>
-              <a:rPr dirty="0" sz="2000" spc="-114">
+              <a:rPr sz="2000" spc="-114" dirty="0">
                 <a:solidFill>
                   <a:srgbClr val="404040"/>
                 </a:solidFill>
@@ -17131,7 +18112,7 @@
               <a:t> </a:t>
             </a:r>
             <a:r>
-              <a:rPr dirty="0" sz="2000" spc="-40">
+              <a:rPr sz="2000" spc="-40" dirty="0">
                 <a:solidFill>
                   <a:srgbClr val="404040"/>
                 </a:solidFill>
@@ -17141,7 +18122,7 @@
               <a:t>all</a:t>
             </a:r>
             <a:r>
-              <a:rPr dirty="0" sz="2000" spc="-105">
+              <a:rPr sz="2000" spc="-105" dirty="0">
                 <a:solidFill>
                   <a:srgbClr val="404040"/>
                 </a:solidFill>
@@ -17151,7 +18132,7 @@
               <a:t> </a:t>
             </a:r>
             <a:r>
-              <a:rPr dirty="0" sz="2000" spc="-25">
+              <a:rPr sz="2000" spc="-25" dirty="0">
                 <a:solidFill>
                   <a:srgbClr val="404040"/>
                 </a:solidFill>
@@ -17161,7 +18142,7 @@
               <a:t>in</a:t>
             </a:r>
             <a:r>
-              <a:rPr dirty="0" sz="2000" spc="-114">
+              <a:rPr sz="2000" spc="-114" dirty="0">
                 <a:solidFill>
                   <a:srgbClr val="404040"/>
                 </a:solidFill>
@@ -17171,7 +18152,7 @@
               <a:t> </a:t>
             </a:r>
             <a:r>
-              <a:rPr dirty="0" sz="2000" spc="-20">
+              <a:rPr sz="2000" spc="-20" dirty="0">
                 <a:solidFill>
                   <a:srgbClr val="404040"/>
                 </a:solidFill>
@@ -17181,7 +18162,7 @@
               <a:t>the</a:t>
             </a:r>
             <a:r>
-              <a:rPr dirty="0" sz="2000" spc="-105">
+              <a:rPr sz="2000" spc="-105" dirty="0">
                 <a:solidFill>
                   <a:srgbClr val="404040"/>
                 </a:solidFill>
@@ -17191,7 +18172,7 @@
               <a:t> </a:t>
             </a:r>
             <a:r>
-              <a:rPr dirty="0" sz="2000" spc="-70">
+              <a:rPr sz="2000" spc="-70" dirty="0">
                 <a:solidFill>
                   <a:srgbClr val="404040"/>
                 </a:solidFill>
@@ -17201,7 +18182,7 @@
               <a:t>main  </a:t>
             </a:r>
             <a:r>
-              <a:rPr dirty="0" sz="2000" spc="-65">
+              <a:rPr sz="2000" spc="-65" dirty="0">
                 <a:solidFill>
                   <a:srgbClr val="404040"/>
                 </a:solidFill>
@@ -17211,7 +18192,7 @@
               <a:t>memory </a:t>
             </a:r>
             <a:r>
-              <a:rPr dirty="0" sz="2000" spc="-50">
+              <a:rPr sz="2000" spc="-50" dirty="0">
                 <a:solidFill>
                   <a:srgbClr val="404040"/>
                 </a:solidFill>
@@ -17221,7 +18202,7 @@
               <a:t>. </a:t>
             </a:r>
             <a:r>
-              <a:rPr dirty="0" sz="2000" spc="-130">
+              <a:rPr sz="2000" spc="-130" dirty="0">
                 <a:solidFill>
                   <a:srgbClr val="404040"/>
                 </a:solidFill>
@@ -17231,7 +18212,7 @@
               <a:t>This </a:t>
             </a:r>
             <a:r>
-              <a:rPr dirty="0" sz="2000" spc="-105">
+              <a:rPr sz="2000" spc="-105" dirty="0">
                 <a:solidFill>
                   <a:srgbClr val="404040"/>
                 </a:solidFill>
@@ -17241,7 +18222,7 @@
               <a:t>is </a:t>
             </a:r>
             <a:r>
-              <a:rPr dirty="0" sz="2000" spc="-60">
+              <a:rPr sz="2000" spc="-60" dirty="0">
                 <a:solidFill>
                   <a:srgbClr val="404040"/>
                 </a:solidFill>
@@ -17251,7 +18232,7 @@
               <a:t>practically </a:t>
             </a:r>
             <a:r>
-              <a:rPr dirty="0" sz="2000" spc="-5">
+              <a:rPr sz="2000" spc="-5" dirty="0">
                 <a:solidFill>
                   <a:srgbClr val="404040"/>
                 </a:solidFill>
@@ -17261,7 +18242,7 @@
               <a:t>not </a:t>
             </a:r>
             <a:r>
-              <a:rPr dirty="0" sz="2000" spc="-90">
+              <a:rPr sz="2000" spc="-90" dirty="0">
                 <a:solidFill>
                   <a:srgbClr val="404040"/>
                 </a:solidFill>
@@ -17271,7 +18252,7 @@
               <a:t>possible </a:t>
             </a:r>
             <a:r>
-              <a:rPr dirty="0" sz="2000" spc="-185">
+              <a:rPr sz="2000" spc="-185" dirty="0">
                 <a:solidFill>
                   <a:srgbClr val="404040"/>
                 </a:solidFill>
@@ -17281,7 +18262,7 @@
               <a:t>as </a:t>
             </a:r>
             <a:r>
-              <a:rPr dirty="0" sz="2000" spc="-80">
+              <a:rPr sz="2000" spc="-80" dirty="0">
                 <a:solidFill>
                   <a:srgbClr val="404040"/>
                 </a:solidFill>
@@ -17291,7 +18272,7 @@
               <a:t>data </a:t>
             </a:r>
             <a:r>
-              <a:rPr dirty="0" sz="2000" spc="-25">
+              <a:rPr sz="2000" spc="-25" dirty="0">
                 <a:solidFill>
                   <a:srgbClr val="404040"/>
                 </a:solidFill>
@@ -17301,7 +18282,7 @@
               <a:t>in </a:t>
             </a:r>
             <a:r>
-              <a:rPr dirty="0" sz="2000" spc="-70">
+              <a:rPr sz="2000" spc="-70" dirty="0">
                 <a:solidFill>
                   <a:srgbClr val="404040"/>
                 </a:solidFill>
@@ -17311,7 +18292,7 @@
               <a:t>main  </a:t>
             </a:r>
             <a:r>
-              <a:rPr dirty="0" sz="2000" spc="-65">
+              <a:rPr sz="2000" spc="-65" dirty="0">
                 <a:solidFill>
                   <a:srgbClr val="404040"/>
                 </a:solidFill>
@@ -17321,7 +18302,7 @@
               <a:t>memory</a:t>
             </a:r>
             <a:r>
-              <a:rPr dirty="0" sz="2000" spc="-105">
+              <a:rPr sz="2000" spc="-105" dirty="0">
                 <a:solidFill>
                   <a:srgbClr val="404040"/>
                 </a:solidFill>
@@ -17331,7 +18312,7 @@
               <a:t> </a:t>
             </a:r>
             <a:r>
-              <a:rPr dirty="0" sz="2000" spc="5">
+              <a:rPr sz="2000" spc="5" dirty="0">
                 <a:solidFill>
                   <a:srgbClr val="404040"/>
                 </a:solidFill>
@@ -17341,7 +18322,7 @@
               <a:t>will</a:t>
             </a:r>
             <a:r>
-              <a:rPr dirty="0" sz="2000" spc="-100">
+              <a:rPr sz="2000" spc="-100" dirty="0">
                 <a:solidFill>
                   <a:srgbClr val="404040"/>
                 </a:solidFill>
@@ -17351,7 +18332,7 @@
               <a:t> </a:t>
             </a:r>
             <a:r>
-              <a:rPr dirty="0" sz="2000" spc="-85">
+              <a:rPr sz="2000" spc="-85" dirty="0">
                 <a:solidFill>
                   <a:srgbClr val="404040"/>
                 </a:solidFill>
@@ -17361,7 +18342,7 @@
               <a:t>usually</a:t>
             </a:r>
             <a:r>
-              <a:rPr dirty="0" sz="2000" spc="-110">
+              <a:rPr sz="2000" spc="-110" dirty="0">
                 <a:solidFill>
                   <a:srgbClr val="404040"/>
                 </a:solidFill>
@@ -17371,7 +18352,7 @@
               <a:t> </a:t>
             </a:r>
             <a:r>
-              <a:rPr dirty="0" sz="2000" spc="-90">
+              <a:rPr sz="2000" spc="-90" dirty="0">
                 <a:solidFill>
                   <a:srgbClr val="404040"/>
                 </a:solidFill>
@@ -17381,7 +18362,7 @@
               <a:t>be</a:t>
             </a:r>
             <a:r>
-              <a:rPr dirty="0" sz="2000" spc="-105">
+              <a:rPr sz="2000" spc="-105" dirty="0">
                 <a:solidFill>
                   <a:srgbClr val="404040"/>
                 </a:solidFill>
@@ -17391,7 +18372,7 @@
               <a:t> </a:t>
             </a:r>
             <a:r>
-              <a:rPr dirty="0" sz="2000" spc="-110">
+              <a:rPr sz="2000" spc="-110" dirty="0">
                 <a:solidFill>
                   <a:srgbClr val="404040"/>
                 </a:solidFill>
@@ -17401,7 +18382,7 @@
               <a:t>way</a:t>
             </a:r>
             <a:r>
-              <a:rPr dirty="0" sz="2000" spc="-120">
+              <a:rPr sz="2000" spc="-120" dirty="0">
                 <a:solidFill>
                   <a:srgbClr val="404040"/>
                 </a:solidFill>
@@ -17411,7 +18392,7 @@
               <a:t> </a:t>
             </a:r>
             <a:r>
-              <a:rPr dirty="0" sz="2000" spc="-75">
+              <a:rPr sz="2000" spc="-75" dirty="0">
                 <a:solidFill>
                   <a:srgbClr val="404040"/>
                 </a:solidFill>
@@ -17421,7 +18402,7 @@
               <a:t>smaller</a:t>
             </a:r>
             <a:r>
-              <a:rPr dirty="0" sz="2000" spc="-65">
+              <a:rPr sz="2000" spc="-65" dirty="0">
                 <a:solidFill>
                   <a:srgbClr val="404040"/>
                 </a:solidFill>
@@ -17431,7 +18412,7 @@
               <a:t> </a:t>
             </a:r>
             <a:r>
-              <a:rPr dirty="0" sz="2000" spc="-40">
+              <a:rPr sz="2000" spc="-40" dirty="0">
                 <a:solidFill>
                   <a:srgbClr val="404040"/>
                 </a:solidFill>
@@ -17441,7 +18422,7 @@
               <a:t>than</a:t>
             </a:r>
             <a:r>
-              <a:rPr dirty="0" sz="2000" spc="-105">
+              <a:rPr sz="2000" spc="-105" dirty="0">
                 <a:solidFill>
                   <a:srgbClr val="404040"/>
                 </a:solidFill>
@@ -17451,7 +18432,7 @@
               <a:t> </a:t>
             </a:r>
             <a:r>
-              <a:rPr dirty="0" sz="2000" spc="-20">
+              <a:rPr sz="2000" spc="-20" dirty="0">
                 <a:solidFill>
                   <a:srgbClr val="404040"/>
                 </a:solidFill>
@@ -17461,7 +18442,7 @@
               <a:t>the</a:t>
             </a:r>
             <a:r>
-              <a:rPr dirty="0" sz="2000" spc="-110">
+              <a:rPr sz="2000" spc="-110" dirty="0">
                 <a:solidFill>
                   <a:srgbClr val="404040"/>
                 </a:solidFill>
@@ -17471,7 +18452,7 @@
               <a:t> </a:t>
             </a:r>
             <a:r>
-              <a:rPr dirty="0" sz="2000" spc="-55">
+              <a:rPr sz="2000" spc="-55" dirty="0">
                 <a:solidFill>
                   <a:srgbClr val="404040"/>
                 </a:solidFill>
@@ -17481,7 +18462,7 @@
               <a:t>amount</a:t>
             </a:r>
             <a:r>
-              <a:rPr dirty="0" sz="2000" spc="-100">
+              <a:rPr sz="2000" spc="-100" dirty="0">
                 <a:solidFill>
                   <a:srgbClr val="404040"/>
                 </a:solidFill>
@@ -17491,7 +18472,7 @@
               <a:t> </a:t>
             </a:r>
             <a:r>
-              <a:rPr dirty="0" sz="2000" spc="-5">
+              <a:rPr sz="2000" spc="-5" dirty="0">
                 <a:solidFill>
                   <a:srgbClr val="404040"/>
                 </a:solidFill>
@@ -17501,7 +18482,7 @@
               <a:t>of</a:t>
             </a:r>
             <a:r>
-              <a:rPr dirty="0" sz="2000" spc="-105">
+              <a:rPr sz="2000" spc="-105" dirty="0">
                 <a:solidFill>
                   <a:srgbClr val="404040"/>
                 </a:solidFill>
@@ -17511,7 +18492,7 @@
               <a:t> </a:t>
             </a:r>
             <a:r>
-              <a:rPr dirty="0" sz="2000" spc="-80">
+              <a:rPr sz="2000" spc="-80" dirty="0">
                 <a:solidFill>
                   <a:srgbClr val="404040"/>
                 </a:solidFill>
@@ -17521,7 +18502,7 @@
               <a:t>data  </a:t>
             </a:r>
             <a:r>
-              <a:rPr dirty="0" sz="2000" spc="-25">
+              <a:rPr sz="2000" spc="-25" dirty="0">
                 <a:solidFill>
                   <a:srgbClr val="404040"/>
                 </a:solidFill>
@@ -17531,7 +18512,7 @@
               <a:t>in </a:t>
             </a:r>
             <a:r>
-              <a:rPr dirty="0" sz="2000" spc="-20">
+              <a:rPr sz="2000" spc="-20" dirty="0">
                 <a:solidFill>
                   <a:srgbClr val="404040"/>
                 </a:solidFill>
@@ -17541,7 +18522,7 @@
               <a:t>the </a:t>
             </a:r>
             <a:r>
-              <a:rPr dirty="0" sz="2000" spc="-70">
+              <a:rPr sz="2000" spc="-70" dirty="0">
                 <a:solidFill>
                   <a:srgbClr val="404040"/>
                 </a:solidFill>
@@ -17551,7 +18532,7 @@
               <a:t>hard </a:t>
             </a:r>
             <a:r>
-              <a:rPr dirty="0" sz="2000" spc="-95">
+              <a:rPr sz="2000" spc="-95" dirty="0">
                 <a:solidFill>
                   <a:srgbClr val="404040"/>
                 </a:solidFill>
@@ -17561,7 +18542,7 @@
               <a:t>disk </a:t>
             </a:r>
             <a:r>
-              <a:rPr dirty="0" sz="2000" spc="-50">
+              <a:rPr sz="2000" spc="-50" dirty="0">
                 <a:solidFill>
                   <a:srgbClr val="404040"/>
                 </a:solidFill>
@@ -17571,7 +18552,7 @@
               <a:t>.</a:t>
             </a:r>
             <a:r>
-              <a:rPr dirty="0" sz="2000" spc="-409">
+              <a:rPr sz="2000" spc="-409" dirty="0">
                 <a:solidFill>
                   <a:srgbClr val="404040"/>
                 </a:solidFill>
@@ -17581,7 +18562,7 @@
               <a:t> </a:t>
             </a:r>
             <a:r>
-              <a:rPr dirty="0" sz="2000" spc="-85">
+              <a:rPr sz="2000" spc="-85" dirty="0">
                 <a:solidFill>
                   <a:srgbClr val="404040"/>
                 </a:solidFill>
@@ -17591,7 +18572,7 @@
               <a:t>Therefore </a:t>
             </a:r>
             <a:r>
-              <a:rPr dirty="0" sz="2000" spc="-75">
+              <a:rPr sz="2000" spc="-75" dirty="0">
                 <a:solidFill>
                   <a:srgbClr val="404040"/>
                 </a:solidFill>
@@ -17601,7 +18582,7 @@
               <a:t>we </a:t>
             </a:r>
             <a:r>
-              <a:rPr dirty="0" sz="2000" spc="-135">
+              <a:rPr sz="2000" spc="-135" dirty="0">
                 <a:solidFill>
                   <a:srgbClr val="404040"/>
                 </a:solidFill>
@@ -17611,7 +18592,7 @@
               <a:t>use </a:t>
             </a:r>
             <a:r>
-              <a:rPr dirty="0" sz="2000" spc="-80">
+              <a:rPr sz="2000" spc="-80" dirty="0">
                 <a:solidFill>
                   <a:srgbClr val="404040"/>
                 </a:solidFill>
@@ -17621,7 +18602,7 @@
               <a:t>indexing </a:t>
             </a:r>
             <a:r>
-              <a:rPr dirty="0" sz="2000" spc="-50">
+              <a:rPr sz="2000" spc="-50" dirty="0">
                 <a:solidFill>
                   <a:srgbClr val="404040"/>
                 </a:solidFill>
@@ -17630,7 +18611,7 @@
               </a:rPr>
               <a:t>.</a:t>
             </a:r>
-            <a:endParaRPr sz="2000">
+            <a:endParaRPr sz="2000" dirty="0">
               <a:latin typeface="Arial"/>
               <a:cs typeface="Arial"/>
             </a:endParaRPr>
@@ -17645,7 +18626,7 @@
               </a:spcBef>
             </a:pPr>
             <a:r>
-              <a:rPr dirty="0" sz="2000" spc="-180">
+              <a:rPr sz="2000" spc="-180" dirty="0">
                 <a:solidFill>
                   <a:srgbClr val="404040"/>
                 </a:solidFill>
@@ -17655,7 +18636,7 @@
               <a:t>By </a:t>
             </a:r>
             <a:r>
-              <a:rPr dirty="0" sz="2000" spc="-105">
+              <a:rPr sz="2000" spc="-105" dirty="0">
                 <a:solidFill>
                   <a:srgbClr val="404040"/>
                 </a:solidFill>
@@ -17665,7 +18646,7 @@
               <a:t>using </a:t>
             </a:r>
             <a:r>
-              <a:rPr dirty="0" sz="2000" spc="-80">
+              <a:rPr sz="2000" spc="-80" dirty="0">
                 <a:solidFill>
                   <a:srgbClr val="404040"/>
                 </a:solidFill>
@@ -17675,7 +18656,7 @@
               <a:t>indexing </a:t>
             </a:r>
             <a:r>
-              <a:rPr dirty="0" sz="2000" spc="-55">
+              <a:rPr sz="2000" spc="-55" dirty="0">
                 <a:solidFill>
                   <a:srgbClr val="404040"/>
                 </a:solidFill>
@@ -17685,7 +18666,7 @@
               <a:t>, </a:t>
             </a:r>
             <a:r>
-              <a:rPr dirty="0" sz="2000" spc="-75">
+              <a:rPr sz="2000" spc="-75" dirty="0">
                 <a:solidFill>
                   <a:srgbClr val="404040"/>
                 </a:solidFill>
@@ -17695,7 +18676,7 @@
               <a:t>we </a:t>
             </a:r>
             <a:r>
-              <a:rPr dirty="0" sz="2000" spc="-85">
+              <a:rPr sz="2000" spc="-85" dirty="0">
                 <a:solidFill>
                   <a:srgbClr val="404040"/>
                 </a:solidFill>
@@ -17705,7 +18686,7 @@
               <a:t>reduce </a:t>
             </a:r>
             <a:r>
-              <a:rPr dirty="0" sz="2000" spc="-20">
+              <a:rPr sz="2000" spc="-20" dirty="0">
                 <a:solidFill>
                   <a:srgbClr val="404040"/>
                 </a:solidFill>
@@ -17715,7 +18696,7 @@
               <a:t>the </a:t>
             </a:r>
             <a:r>
-              <a:rPr dirty="0" sz="2000" spc="-15">
+              <a:rPr sz="2000" spc="-15" dirty="0">
                 <a:solidFill>
                   <a:srgbClr val="404040"/>
                 </a:solidFill>
@@ -17725,7 +18706,7 @@
               <a:t>time </a:t>
             </a:r>
             <a:r>
-              <a:rPr dirty="0" sz="2000" spc="-65">
+              <a:rPr sz="2000" spc="-65" dirty="0">
                 <a:solidFill>
                   <a:srgbClr val="404040"/>
                 </a:solidFill>
@@ -17735,7 +18716,7 @@
               <a:t>complexity </a:t>
             </a:r>
             <a:r>
-              <a:rPr dirty="0" sz="2000" spc="-25">
+              <a:rPr sz="2000" spc="-25" dirty="0">
                 <a:solidFill>
                   <a:srgbClr val="404040"/>
                 </a:solidFill>
@@ -17745,7 +18726,7 @@
               <a:t>from</a:t>
             </a:r>
             <a:r>
-              <a:rPr dirty="0" sz="2000" spc="-405">
+              <a:rPr sz="2000" spc="-405" dirty="0">
                 <a:solidFill>
                   <a:srgbClr val="404040"/>
                 </a:solidFill>
@@ -17755,7 +18736,7 @@
               <a:t> </a:t>
             </a:r>
             <a:r>
-              <a:rPr dirty="0" sz="2000" spc="-105">
+              <a:rPr sz="2000" spc="-105" dirty="0">
                 <a:solidFill>
                   <a:srgbClr val="404040"/>
                 </a:solidFill>
@@ -17764,7 +18745,7 @@
               </a:rPr>
               <a:t>O(n)</a:t>
             </a:r>
-            <a:endParaRPr sz="2000">
+            <a:endParaRPr sz="2000" dirty="0">
               <a:latin typeface="Arial"/>
               <a:cs typeface="Arial"/>
             </a:endParaRPr>
@@ -17776,7 +18757,7 @@
               </a:lnSpc>
             </a:pPr>
             <a:r>
-              <a:rPr dirty="0" sz="2000" spc="15">
+              <a:rPr sz="2000" spc="15" dirty="0">
                 <a:solidFill>
                   <a:srgbClr val="404040"/>
                 </a:solidFill>
@@ -17786,7 +18767,7 @@
               <a:t>to </a:t>
             </a:r>
             <a:r>
-              <a:rPr dirty="0" sz="2000" spc="-70">
+              <a:rPr sz="2000" spc="-70" dirty="0">
                 <a:solidFill>
                   <a:srgbClr val="404040"/>
                 </a:solidFill>
@@ -17796,7 +18777,7 @@
               <a:t>log </a:t>
             </a:r>
             <a:r>
-              <a:rPr dirty="0" sz="2000" spc="-60">
+              <a:rPr sz="2000" spc="-60" dirty="0">
                 <a:solidFill>
                   <a:srgbClr val="404040"/>
                 </a:solidFill>
@@ -17806,7 +18787,7 @@
               <a:t>n</a:t>
             </a:r>
             <a:r>
-              <a:rPr dirty="0" sz="2000" spc="-280">
+              <a:rPr sz="2000" spc="-280" dirty="0">
                 <a:solidFill>
                   <a:srgbClr val="404040"/>
                 </a:solidFill>
@@ -17816,7 +18797,7 @@
               <a:t> </a:t>
             </a:r>
             <a:r>
-              <a:rPr dirty="0" sz="2000" spc="-50">
+              <a:rPr sz="2000" spc="-50" dirty="0">
                 <a:solidFill>
                   <a:srgbClr val="404040"/>
                 </a:solidFill>
@@ -17825,7 +18806,7 @@
               </a:rPr>
               <a:t>.</a:t>
             </a:r>
-            <a:endParaRPr sz="2000">
+            <a:endParaRPr sz="2000" dirty="0">
               <a:latin typeface="Arial"/>
               <a:cs typeface="Arial"/>
             </a:endParaRPr>
